--- a/기획/졸작제안서-2.pptx
+++ b/기획/졸작제안서-2.pptx
@@ -5,7 +5,7 @@
     <p:sldMasterId id="2147483671" r:id="rId1"/>
   </p:sldMasterIdLst>
   <p:notesMasterIdLst>
-    <p:notesMasterId r:id="rId20"/>
+    <p:notesMasterId r:id="rId22"/>
   </p:notesMasterIdLst>
   <p:sldIdLst>
     <p:sldId id="256" r:id="rId2"/>
@@ -19,48 +19,50 @@
     <p:sldId id="301" r:id="rId10"/>
     <p:sldId id="302" r:id="rId11"/>
     <p:sldId id="296" r:id="rId12"/>
-    <p:sldId id="304" r:id="rId13"/>
-    <p:sldId id="307" r:id="rId14"/>
-    <p:sldId id="308" r:id="rId15"/>
-    <p:sldId id="309" r:id="rId16"/>
-    <p:sldId id="300" r:id="rId17"/>
-    <p:sldId id="310" r:id="rId18"/>
-    <p:sldId id="312" r:id="rId19"/>
+    <p:sldId id="314" r:id="rId13"/>
+    <p:sldId id="306" r:id="rId14"/>
+    <p:sldId id="315" r:id="rId15"/>
+    <p:sldId id="308" r:id="rId16"/>
+    <p:sldId id="309" r:id="rId17"/>
+    <p:sldId id="316" r:id="rId18"/>
+    <p:sldId id="300" r:id="rId19"/>
+    <p:sldId id="310" r:id="rId20"/>
+    <p:sldId id="312" r:id="rId21"/>
   </p:sldIdLst>
   <p:sldSz cx="9144000" cy="5143500" type="screen16x9"/>
   <p:notesSz cx="6858000" cy="9144000"/>
   <p:embeddedFontLst>
     <p:embeddedFont>
       <p:font typeface="Malgun Gothic" panose="020B0503020000020004" pitchFamily="50" charset="-127"/>
-      <p:regular r:id="rId21"/>
-      <p:bold r:id="rId22"/>
+      <p:regular r:id="rId23"/>
+      <p:bold r:id="rId24"/>
     </p:embeddedFont>
     <p:embeddedFont>
       <p:font typeface="Malgun Gothic" panose="020B0503020000020004" pitchFamily="50" charset="-127"/>
-      <p:regular r:id="rId21"/>
-      <p:bold r:id="rId22"/>
+      <p:regular r:id="rId23"/>
+      <p:bold r:id="rId24"/>
     </p:embeddedFont>
     <p:embeddedFont>
       <p:font typeface="Bahiana" panose="020B0600000101010101" charset="0"/>
-      <p:regular r:id="rId23"/>
+      <p:regular r:id="rId25"/>
     </p:embeddedFont>
     <p:embeddedFont>
       <p:font typeface="Barlow" panose="00000500000000000000" pitchFamily="2" charset="0"/>
-      <p:regular r:id="rId24"/>
-      <p:bold r:id="rId25"/>
-      <p:italic r:id="rId26"/>
-      <p:boldItalic r:id="rId27"/>
+      <p:regular r:id="rId26"/>
+      <p:bold r:id="rId27"/>
+      <p:italic r:id="rId28"/>
+      <p:boldItalic r:id="rId29"/>
     </p:embeddedFont>
     <p:embeddedFont>
       <p:font typeface="Barlow Medium" panose="00000600000000000000" pitchFamily="2" charset="0"/>
-      <p:regular r:id="rId28"/>
-      <p:bold r:id="rId29"/>
-      <p:italic r:id="rId30"/>
-      <p:boldItalic r:id="rId31"/>
+      <p:regular r:id="rId30"/>
+      <p:bold r:id="rId31"/>
+      <p:italic r:id="rId32"/>
+      <p:boldItalic r:id="rId33"/>
     </p:embeddedFont>
     <p:embeddedFont>
       <p:font typeface="Bebas Neue" panose="020B0606020202050201" pitchFamily="34" charset="0"/>
-      <p:regular r:id="rId32"/>
+      <p:regular r:id="rId34"/>
     </p:embeddedFont>
   </p:embeddedFontLst>
   <p:defaultTextStyle>
@@ -1271,7 +1273,7 @@
     </p:spTree>
     <p:extLst>
       <p:ext uri="{BB962C8B-B14F-4D97-AF65-F5344CB8AC3E}">
-        <p14:creationId xmlns:p14="http://schemas.microsoft.com/office/powerpoint/2010/main" val="3152418564"/>
+        <p14:creationId xmlns:p14="http://schemas.microsoft.com/office/powerpoint/2010/main" val="2268361176"/>
       </p:ext>
     </p:extLst>
   </p:cSld>
@@ -1380,7 +1382,7 @@
     </p:spTree>
     <p:extLst>
       <p:ext uri="{BB962C8B-B14F-4D97-AF65-F5344CB8AC3E}">
-        <p14:creationId xmlns:p14="http://schemas.microsoft.com/office/powerpoint/2010/main" val="371004895"/>
+        <p14:creationId xmlns:p14="http://schemas.microsoft.com/office/powerpoint/2010/main" val="3152418564"/>
       </p:ext>
     </p:extLst>
   </p:cSld>
@@ -1489,6 +1491,115 @@
     </p:spTree>
     <p:extLst>
       <p:ext uri="{BB962C8B-B14F-4D97-AF65-F5344CB8AC3E}">
+        <p14:creationId xmlns:p14="http://schemas.microsoft.com/office/powerpoint/2010/main" val="371004895"/>
+      </p:ext>
+    </p:extLst>
+  </p:cSld>
+  <p:clrMapOvr>
+    <a:masterClrMapping/>
+  </p:clrMapOvr>
+</p:notes>
+</file>
+
+<file path=ppt/notesSlides/notesSlide16.xml><?xml version="1.0" encoding="utf-8"?>
+<p:notes xmlns:a="http://schemas.openxmlformats.org/drawingml/2006/main" xmlns:r="http://schemas.openxmlformats.org/officeDocument/2006/relationships" xmlns:p="http://schemas.openxmlformats.org/presentationml/2006/main" showMasterSp="0" showMasterPhAnim="0">
+  <p:cSld>
+    <p:spTree>
+      <p:nvGrpSpPr>
+        <p:cNvPr id="1" name="Shape 412"/>
+        <p:cNvGrpSpPr/>
+        <p:nvPr/>
+      </p:nvGrpSpPr>
+      <p:grpSpPr>
+        <a:xfrm>
+          <a:off x="0" y="0"/>
+          <a:ext cx="0" cy="0"/>
+          <a:chOff x="0" y="0"/>
+          <a:chExt cx="0" cy="0"/>
+        </a:xfrm>
+      </p:grpSpPr>
+      <p:sp>
+        <p:nvSpPr>
+          <p:cNvPr id="413" name="Google Shape;413;ge21440f5fe_0_178:notes"/>
+          <p:cNvSpPr>
+            <a:spLocks noGrp="1" noRot="1" noChangeAspect="1"/>
+          </p:cNvSpPr>
+          <p:nvPr>
+            <p:ph type="sldImg" idx="2"/>
+          </p:nvPr>
+        </p:nvSpPr>
+        <p:spPr>
+          <a:xfrm>
+            <a:off x="381000" y="685800"/>
+            <a:ext cx="6096000" cy="3429000"/>
+          </a:xfrm>
+          <a:custGeom>
+            <a:avLst/>
+            <a:gdLst/>
+            <a:ahLst/>
+            <a:cxnLst/>
+            <a:rect l="l" t="t" r="r" b="b"/>
+            <a:pathLst>
+              <a:path w="120000" h="120000" extrusionOk="0">
+                <a:moveTo>
+                  <a:pt x="0" y="0"/>
+                </a:moveTo>
+                <a:lnTo>
+                  <a:pt x="120000" y="0"/>
+                </a:lnTo>
+                <a:lnTo>
+                  <a:pt x="120000" y="120000"/>
+                </a:lnTo>
+                <a:lnTo>
+                  <a:pt x="0" y="120000"/>
+                </a:lnTo>
+                <a:close/>
+              </a:path>
+            </a:pathLst>
+          </a:custGeom>
+        </p:spPr>
+      </p:sp>
+      <p:sp>
+        <p:nvSpPr>
+          <p:cNvPr id="414" name="Google Shape;414;ge21440f5fe_0_178:notes"/>
+          <p:cNvSpPr txBox="1">
+            <a:spLocks noGrp="1"/>
+          </p:cNvSpPr>
+          <p:nvPr>
+            <p:ph type="body" idx="1"/>
+          </p:nvPr>
+        </p:nvSpPr>
+        <p:spPr>
+          <a:xfrm>
+            <a:off x="685800" y="4343400"/>
+            <a:ext cx="5486400" cy="4114800"/>
+          </a:xfrm>
+          <a:prstGeom prst="rect">
+            <a:avLst/>
+          </a:prstGeom>
+        </p:spPr>
+        <p:txBody>
+          <a:bodyPr spcFirstLastPara="1" wrap="square" lIns="91425" tIns="91425" rIns="91425" bIns="91425" anchor="t" anchorCtr="0">
+            <a:noAutofit/>
+          </a:bodyPr>
+          <a:lstStyle/>
+          <a:p>
+            <a:pPr marL="0" lvl="0" indent="0" algn="l" rtl="0">
+              <a:spcBef>
+                <a:spcPts val="0"/>
+              </a:spcBef>
+              <a:spcAft>
+                <a:spcPts val="0"/>
+              </a:spcAft>
+              <a:buNone/>
+            </a:pPr>
+            <a:endParaRPr dirty="0"/>
+          </a:p>
+        </p:txBody>
+      </p:sp>
+    </p:spTree>
+    <p:extLst>
+      <p:ext uri="{BB962C8B-B14F-4D97-AF65-F5344CB8AC3E}">
         <p14:creationId xmlns:p14="http://schemas.microsoft.com/office/powerpoint/2010/main" val="4268391815"/>
       </p:ext>
     </p:extLst>
@@ -1499,7 +1610,116 @@
 </p:notes>
 </file>
 
-<file path=ppt/notesSlides/notesSlide16.xml><?xml version="1.0" encoding="utf-8"?>
+<file path=ppt/notesSlides/notesSlide17.xml><?xml version="1.0" encoding="utf-8"?>
+<p:notes xmlns:a="http://schemas.openxmlformats.org/drawingml/2006/main" xmlns:r="http://schemas.openxmlformats.org/officeDocument/2006/relationships" xmlns:p="http://schemas.openxmlformats.org/presentationml/2006/main" showMasterSp="0" showMasterPhAnim="0">
+  <p:cSld>
+    <p:spTree>
+      <p:nvGrpSpPr>
+        <p:cNvPr id="1" name="Shape 412"/>
+        <p:cNvGrpSpPr/>
+        <p:nvPr/>
+      </p:nvGrpSpPr>
+      <p:grpSpPr>
+        <a:xfrm>
+          <a:off x="0" y="0"/>
+          <a:ext cx="0" cy="0"/>
+          <a:chOff x="0" y="0"/>
+          <a:chExt cx="0" cy="0"/>
+        </a:xfrm>
+      </p:grpSpPr>
+      <p:sp>
+        <p:nvSpPr>
+          <p:cNvPr id="413" name="Google Shape;413;ge21440f5fe_0_178:notes"/>
+          <p:cNvSpPr>
+            <a:spLocks noGrp="1" noRot="1" noChangeAspect="1"/>
+          </p:cNvSpPr>
+          <p:nvPr>
+            <p:ph type="sldImg" idx="2"/>
+          </p:nvPr>
+        </p:nvSpPr>
+        <p:spPr>
+          <a:xfrm>
+            <a:off x="381000" y="685800"/>
+            <a:ext cx="6096000" cy="3429000"/>
+          </a:xfrm>
+          <a:custGeom>
+            <a:avLst/>
+            <a:gdLst/>
+            <a:ahLst/>
+            <a:cxnLst/>
+            <a:rect l="l" t="t" r="r" b="b"/>
+            <a:pathLst>
+              <a:path w="120000" h="120000" extrusionOk="0">
+                <a:moveTo>
+                  <a:pt x="0" y="0"/>
+                </a:moveTo>
+                <a:lnTo>
+                  <a:pt x="120000" y="0"/>
+                </a:lnTo>
+                <a:lnTo>
+                  <a:pt x="120000" y="120000"/>
+                </a:lnTo>
+                <a:lnTo>
+                  <a:pt x="0" y="120000"/>
+                </a:lnTo>
+                <a:close/>
+              </a:path>
+            </a:pathLst>
+          </a:custGeom>
+        </p:spPr>
+      </p:sp>
+      <p:sp>
+        <p:nvSpPr>
+          <p:cNvPr id="414" name="Google Shape;414;ge21440f5fe_0_178:notes"/>
+          <p:cNvSpPr txBox="1">
+            <a:spLocks noGrp="1"/>
+          </p:cNvSpPr>
+          <p:nvPr>
+            <p:ph type="body" idx="1"/>
+          </p:nvPr>
+        </p:nvSpPr>
+        <p:spPr>
+          <a:xfrm>
+            <a:off x="685800" y="4343400"/>
+            <a:ext cx="5486400" cy="4114800"/>
+          </a:xfrm>
+          <a:prstGeom prst="rect">
+            <a:avLst/>
+          </a:prstGeom>
+        </p:spPr>
+        <p:txBody>
+          <a:bodyPr spcFirstLastPara="1" wrap="square" lIns="91425" tIns="91425" rIns="91425" bIns="91425" anchor="t" anchorCtr="0">
+            <a:noAutofit/>
+          </a:bodyPr>
+          <a:lstStyle/>
+          <a:p>
+            <a:pPr marL="0" lvl="0" indent="0" algn="l" rtl="0">
+              <a:spcBef>
+                <a:spcPts val="0"/>
+              </a:spcBef>
+              <a:spcAft>
+                <a:spcPts val="0"/>
+              </a:spcAft>
+              <a:buNone/>
+            </a:pPr>
+            <a:endParaRPr dirty="0"/>
+          </a:p>
+        </p:txBody>
+      </p:sp>
+    </p:spTree>
+    <p:extLst>
+      <p:ext uri="{BB962C8B-B14F-4D97-AF65-F5344CB8AC3E}">
+        <p14:creationId xmlns:p14="http://schemas.microsoft.com/office/powerpoint/2010/main" val="3461597883"/>
+      </p:ext>
+    </p:extLst>
+  </p:cSld>
+  <p:clrMapOvr>
+    <a:masterClrMapping/>
+  </p:clrMapOvr>
+</p:notes>
+</file>
+
+<file path=ppt/notesSlides/notesSlide18.xml><?xml version="1.0" encoding="utf-8"?>
 <p:notes xmlns:a="http://schemas.openxmlformats.org/drawingml/2006/main" xmlns:r="http://schemas.openxmlformats.org/officeDocument/2006/relationships" xmlns:p="http://schemas.openxmlformats.org/presentationml/2006/main" showMasterSp="0" showMasterPhAnim="0">
   <p:cSld>
     <p:spTree>
@@ -1608,7 +1828,7 @@
 </p:notes>
 </file>
 
-<file path=ppt/notesSlides/notesSlide17.xml><?xml version="1.0" encoding="utf-8"?>
+<file path=ppt/notesSlides/notesSlide19.xml><?xml version="1.0" encoding="utf-8"?>
 <p:notes xmlns:a="http://schemas.openxmlformats.org/drawingml/2006/main" xmlns:r="http://schemas.openxmlformats.org/officeDocument/2006/relationships" xmlns:p="http://schemas.openxmlformats.org/presentationml/2006/main" showMasterSp="0" showMasterPhAnim="0">
   <p:cSld>
     <p:spTree>
@@ -1708,115 +1928,6 @@
     <p:extLst>
       <p:ext uri="{BB962C8B-B14F-4D97-AF65-F5344CB8AC3E}">
         <p14:creationId xmlns:p14="http://schemas.microsoft.com/office/powerpoint/2010/main" val="1548264693"/>
-      </p:ext>
-    </p:extLst>
-  </p:cSld>
-  <p:clrMapOvr>
-    <a:masterClrMapping/>
-  </p:clrMapOvr>
-</p:notes>
-</file>
-
-<file path=ppt/notesSlides/notesSlide18.xml><?xml version="1.0" encoding="utf-8"?>
-<p:notes xmlns:a="http://schemas.openxmlformats.org/drawingml/2006/main" xmlns:r="http://schemas.openxmlformats.org/officeDocument/2006/relationships" xmlns:p="http://schemas.openxmlformats.org/presentationml/2006/main" showMasterSp="0" showMasterPhAnim="0">
-  <p:cSld>
-    <p:spTree>
-      <p:nvGrpSpPr>
-        <p:cNvPr id="1" name="Shape 610"/>
-        <p:cNvGrpSpPr/>
-        <p:nvPr/>
-      </p:nvGrpSpPr>
-      <p:grpSpPr>
-        <a:xfrm>
-          <a:off x="0" y="0"/>
-          <a:ext cx="0" cy="0"/>
-          <a:chOff x="0" y="0"/>
-          <a:chExt cx="0" cy="0"/>
-        </a:xfrm>
-      </p:grpSpPr>
-      <p:sp>
-        <p:nvSpPr>
-          <p:cNvPr id="611" name="Google Shape;611;ge12b3e3c4e_0_1076:notes"/>
-          <p:cNvSpPr>
-            <a:spLocks noGrp="1" noRot="1" noChangeAspect="1"/>
-          </p:cNvSpPr>
-          <p:nvPr>
-            <p:ph type="sldImg" idx="2"/>
-          </p:nvPr>
-        </p:nvSpPr>
-        <p:spPr>
-          <a:xfrm>
-            <a:off x="381000" y="685800"/>
-            <a:ext cx="6096000" cy="3429000"/>
-          </a:xfrm>
-          <a:custGeom>
-            <a:avLst/>
-            <a:gdLst/>
-            <a:ahLst/>
-            <a:cxnLst/>
-            <a:rect l="l" t="t" r="r" b="b"/>
-            <a:pathLst>
-              <a:path w="120000" h="120000" extrusionOk="0">
-                <a:moveTo>
-                  <a:pt x="0" y="0"/>
-                </a:moveTo>
-                <a:lnTo>
-                  <a:pt x="120000" y="0"/>
-                </a:lnTo>
-                <a:lnTo>
-                  <a:pt x="120000" y="120000"/>
-                </a:lnTo>
-                <a:lnTo>
-                  <a:pt x="0" y="120000"/>
-                </a:lnTo>
-                <a:close/>
-              </a:path>
-            </a:pathLst>
-          </a:custGeom>
-        </p:spPr>
-      </p:sp>
-      <p:sp>
-        <p:nvSpPr>
-          <p:cNvPr id="612" name="Google Shape;612;ge12b3e3c4e_0_1076:notes"/>
-          <p:cNvSpPr txBox="1">
-            <a:spLocks noGrp="1"/>
-          </p:cNvSpPr>
-          <p:nvPr>
-            <p:ph type="body" idx="1"/>
-          </p:nvPr>
-        </p:nvSpPr>
-        <p:spPr>
-          <a:xfrm>
-            <a:off x="685800" y="4343400"/>
-            <a:ext cx="5486400" cy="4114800"/>
-          </a:xfrm>
-          <a:prstGeom prst="rect">
-            <a:avLst/>
-          </a:prstGeom>
-        </p:spPr>
-        <p:txBody>
-          <a:bodyPr spcFirstLastPara="1" wrap="square" lIns="91425" tIns="91425" rIns="91425" bIns="91425" anchor="t" anchorCtr="0">
-            <a:noAutofit/>
-          </a:bodyPr>
-          <a:lstStyle/>
-          <a:p>
-            <a:pPr marL="0" lvl="0" indent="0" algn="l" rtl="0">
-              <a:spcBef>
-                <a:spcPts val="0"/>
-              </a:spcBef>
-              <a:spcAft>
-                <a:spcPts val="0"/>
-              </a:spcAft>
-              <a:buNone/>
-            </a:pPr>
-            <a:endParaRPr/>
-          </a:p>
-        </p:txBody>
-      </p:sp>
-    </p:spTree>
-    <p:extLst>
-      <p:ext uri="{BB962C8B-B14F-4D97-AF65-F5344CB8AC3E}">
-        <p14:creationId xmlns:p14="http://schemas.microsoft.com/office/powerpoint/2010/main" val="4124952933"/>
       </p:ext>
     </p:extLst>
   </p:cSld>
@@ -1926,6 +2037,115 @@
     <p:extLst>
       <p:ext uri="{BB962C8B-B14F-4D97-AF65-F5344CB8AC3E}">
         <p14:creationId xmlns:p14="http://schemas.microsoft.com/office/powerpoint/2010/main" val="2576357436"/>
+      </p:ext>
+    </p:extLst>
+  </p:cSld>
+  <p:clrMapOvr>
+    <a:masterClrMapping/>
+  </p:clrMapOvr>
+</p:notes>
+</file>
+
+<file path=ppt/notesSlides/notesSlide20.xml><?xml version="1.0" encoding="utf-8"?>
+<p:notes xmlns:a="http://schemas.openxmlformats.org/drawingml/2006/main" xmlns:r="http://schemas.openxmlformats.org/officeDocument/2006/relationships" xmlns:p="http://schemas.openxmlformats.org/presentationml/2006/main" showMasterSp="0" showMasterPhAnim="0">
+  <p:cSld>
+    <p:spTree>
+      <p:nvGrpSpPr>
+        <p:cNvPr id="1" name="Shape 610"/>
+        <p:cNvGrpSpPr/>
+        <p:nvPr/>
+      </p:nvGrpSpPr>
+      <p:grpSpPr>
+        <a:xfrm>
+          <a:off x="0" y="0"/>
+          <a:ext cx="0" cy="0"/>
+          <a:chOff x="0" y="0"/>
+          <a:chExt cx="0" cy="0"/>
+        </a:xfrm>
+      </p:grpSpPr>
+      <p:sp>
+        <p:nvSpPr>
+          <p:cNvPr id="611" name="Google Shape;611;ge12b3e3c4e_0_1076:notes"/>
+          <p:cNvSpPr>
+            <a:spLocks noGrp="1" noRot="1" noChangeAspect="1"/>
+          </p:cNvSpPr>
+          <p:nvPr>
+            <p:ph type="sldImg" idx="2"/>
+          </p:nvPr>
+        </p:nvSpPr>
+        <p:spPr>
+          <a:xfrm>
+            <a:off x="381000" y="685800"/>
+            <a:ext cx="6096000" cy="3429000"/>
+          </a:xfrm>
+          <a:custGeom>
+            <a:avLst/>
+            <a:gdLst/>
+            <a:ahLst/>
+            <a:cxnLst/>
+            <a:rect l="l" t="t" r="r" b="b"/>
+            <a:pathLst>
+              <a:path w="120000" h="120000" extrusionOk="0">
+                <a:moveTo>
+                  <a:pt x="0" y="0"/>
+                </a:moveTo>
+                <a:lnTo>
+                  <a:pt x="120000" y="0"/>
+                </a:lnTo>
+                <a:lnTo>
+                  <a:pt x="120000" y="120000"/>
+                </a:lnTo>
+                <a:lnTo>
+                  <a:pt x="0" y="120000"/>
+                </a:lnTo>
+                <a:close/>
+              </a:path>
+            </a:pathLst>
+          </a:custGeom>
+        </p:spPr>
+      </p:sp>
+      <p:sp>
+        <p:nvSpPr>
+          <p:cNvPr id="612" name="Google Shape;612;ge12b3e3c4e_0_1076:notes"/>
+          <p:cNvSpPr txBox="1">
+            <a:spLocks noGrp="1"/>
+          </p:cNvSpPr>
+          <p:nvPr>
+            <p:ph type="body" idx="1"/>
+          </p:nvPr>
+        </p:nvSpPr>
+        <p:spPr>
+          <a:xfrm>
+            <a:off x="685800" y="4343400"/>
+            <a:ext cx="5486400" cy="4114800"/>
+          </a:xfrm>
+          <a:prstGeom prst="rect">
+            <a:avLst/>
+          </a:prstGeom>
+        </p:spPr>
+        <p:txBody>
+          <a:bodyPr spcFirstLastPara="1" wrap="square" lIns="91425" tIns="91425" rIns="91425" bIns="91425" anchor="t" anchorCtr="0">
+            <a:noAutofit/>
+          </a:bodyPr>
+          <a:lstStyle/>
+          <a:p>
+            <a:pPr marL="0" lvl="0" indent="0" algn="l" rtl="0">
+              <a:spcBef>
+                <a:spcPts val="0"/>
+              </a:spcBef>
+              <a:spcAft>
+                <a:spcPts val="0"/>
+              </a:spcAft>
+              <a:buNone/>
+            </a:pPr>
+            <a:endParaRPr/>
+          </a:p>
+        </p:txBody>
+      </p:sp>
+    </p:spTree>
+    <p:extLst>
+      <p:ext uri="{BB962C8B-B14F-4D97-AF65-F5344CB8AC3E}">
+        <p14:creationId xmlns:p14="http://schemas.microsoft.com/office/powerpoint/2010/main" val="4124952933"/>
       </p:ext>
     </p:extLst>
   </p:cSld>
@@ -24225,7 +24445,7 @@
                 <a:latin typeface="Malgun Gothic" panose="020B0503020000020004" pitchFamily="34" charset="-127"/>
                 <a:ea typeface="Malgun Gothic" panose="020B0503020000020004" pitchFamily="34" charset="-127"/>
               </a:rPr>
-              <a:t>)</a:t>
+              <a:t>).</a:t>
             </a:r>
             <a:endParaRPr lang="ko-KR" altLang="en-US" sz="2000" u="none" strike="noStrike" dirty="0">
               <a:effectLst/>
@@ -25230,9 +25450,6 @@
               <a:buNone/>
             </a:pPr>
             <a:endParaRPr>
-              <a:solidFill>
-                <a:schemeClr val="accent3"/>
-              </a:solidFill>
               <a:latin typeface="Malgun Gothic" panose="020B0503020000020004" pitchFamily="34" charset="-127"/>
               <a:ea typeface="Malgun Gothic" panose="020B0503020000020004" pitchFamily="34" charset="-127"/>
             </a:endParaRPr>
@@ -25255,8 +25472,8 @@
         </p:nvSpPr>
         <p:spPr>
           <a:xfrm>
-            <a:off x="420494" y="1853438"/>
-            <a:ext cx="3777321" cy="2245075"/>
+            <a:off x="611512" y="1853438"/>
+            <a:ext cx="3395288" cy="2245075"/>
           </a:xfrm>
           <a:prstGeom prst="rect">
             <a:avLst/>
@@ -25545,7 +25762,7 @@
                 <a:latin typeface="Malgun Gothic" panose="020B0503020000020004" pitchFamily="34" charset="-127"/>
                 <a:ea typeface="Malgun Gothic" panose="020B0503020000020004" pitchFamily="34" charset="-127"/>
               </a:rPr>
-              <a:t>비열효과를 고려하여 구현하였다</a:t>
+              <a:t>비열효과를 고려하여 구현할 계획</a:t>
             </a:r>
             <a:r>
               <a:rPr lang="en-US" altLang="ko-KR" sz="1600" dirty="0">
@@ -25562,7 +25779,9 @@
             <a:pPr algn="ctr"/>
             <a:endParaRPr lang="en-US" altLang="ko-KR" sz="1600" u="none" strike="noStrike" dirty="0">
               <a:solidFill>
-                <a:schemeClr val="accent3"/>
+                <a:schemeClr val="accent4">
+                  <a:lumMod val="10000"/>
+                </a:schemeClr>
               </a:solidFill>
               <a:effectLst/>
               <a:latin typeface="Malgun Gothic" panose="020B0503020000020004" pitchFamily="34" charset="-127"/>
@@ -25574,40 +25793,22 @@
             <a:r>
               <a:rPr lang="ko-KR" altLang="en-US" sz="1600" u="none" strike="noStrike" dirty="0">
                 <a:solidFill>
-                  <a:schemeClr val="accent3"/>
+                  <a:schemeClr val="accent4">
+                    <a:lumMod val="10000"/>
+                  </a:schemeClr>
                 </a:solidFill>
                 <a:effectLst/>
                 <a:latin typeface="Malgun Gothic" panose="020B0503020000020004" pitchFamily="34" charset="-127"/>
                 <a:ea typeface="Malgun Gothic" panose="020B0503020000020004" pitchFamily="34" charset="-127"/>
               </a:rPr>
-              <a:t>온도 관리가 게임의 중요한 컨텐츠 </a:t>
-            </a:r>
-            <a:r>
-              <a:rPr lang="ko-KR" altLang="en-US" sz="1600" u="none" strike="noStrike" dirty="0" err="1">
-                <a:solidFill>
-                  <a:schemeClr val="accent3"/>
-                </a:solidFill>
-                <a:effectLst/>
-                <a:latin typeface="Malgun Gothic" panose="020B0503020000020004" pitchFamily="34" charset="-127"/>
-                <a:ea typeface="Malgun Gothic" panose="020B0503020000020004" pitchFamily="34" charset="-127"/>
-              </a:rPr>
-              <a:t>이미로</a:t>
-            </a:r>
-            <a:r>
-              <a:rPr lang="ko-KR" altLang="en-US" sz="1600" u="none" strike="noStrike" dirty="0">
-                <a:solidFill>
-                  <a:schemeClr val="accent3"/>
-                </a:solidFill>
-                <a:effectLst/>
-                <a:latin typeface="Malgun Gothic" panose="020B0503020000020004" pitchFamily="34" charset="-127"/>
-                <a:ea typeface="Malgun Gothic" panose="020B0503020000020004" pitchFamily="34" charset="-127"/>
-              </a:rPr>
-              <a:t> 쉽게 오브젝트들의 온도를 보기 위해</a:t>
+              <a:t>배경이 뜨거운 사막지대이기 때문에</a:t>
             </a:r>
             <a:r>
               <a:rPr lang="en-US" altLang="ko-KR" sz="1600" u="none" strike="noStrike" dirty="0">
                 <a:solidFill>
-                  <a:schemeClr val="accent3"/>
+                  <a:schemeClr val="accent4">
+                    <a:lumMod val="10000"/>
+                  </a:schemeClr>
                 </a:solidFill>
                 <a:effectLst/>
                 <a:latin typeface="Malgun Gothic" panose="020B0503020000020004" pitchFamily="34" charset="-127"/>
@@ -25618,7 +25819,87 @@
             <a:r>
               <a:rPr lang="ko-KR" altLang="en-US" sz="1600" u="none" strike="noStrike" dirty="0">
                 <a:solidFill>
-                  <a:schemeClr val="accent3"/>
+                  <a:schemeClr val="accent4">
+                    <a:lumMod val="10000"/>
+                  </a:schemeClr>
+                </a:solidFill>
+                <a:effectLst/>
+                <a:latin typeface="Malgun Gothic" panose="020B0503020000020004" pitchFamily="34" charset="-127"/>
+                <a:ea typeface="Malgun Gothic" panose="020B0503020000020004" pitchFamily="34" charset="-127"/>
+              </a:rPr>
+              <a:t>온도는 생존에 있어 중요한 요소이다</a:t>
+            </a:r>
+            <a:r>
+              <a:rPr lang="en-US" altLang="ko-KR" sz="1600" u="none" strike="noStrike" dirty="0">
+                <a:solidFill>
+                  <a:schemeClr val="accent4">
+                    <a:lumMod val="10000"/>
+                  </a:schemeClr>
+                </a:solidFill>
+                <a:effectLst/>
+                <a:latin typeface="Malgun Gothic" panose="020B0503020000020004" pitchFamily="34" charset="-127"/>
+                <a:ea typeface="Malgun Gothic" panose="020B0503020000020004" pitchFamily="34" charset="-127"/>
+              </a:rPr>
+              <a:t>. </a:t>
+            </a:r>
+            <a:r>
+              <a:rPr lang="ko-KR" altLang="en-US" sz="1600" u="none" strike="noStrike" dirty="0">
+                <a:solidFill>
+                  <a:schemeClr val="accent4">
+                    <a:lumMod val="10000"/>
+                  </a:schemeClr>
+                </a:solidFill>
+                <a:effectLst/>
+                <a:latin typeface="Malgun Gothic" panose="020B0503020000020004" pitchFamily="34" charset="-127"/>
+                <a:ea typeface="Malgun Gothic" panose="020B0503020000020004" pitchFamily="34" charset="-127"/>
+              </a:rPr>
+              <a:t>그런 만큼 온도를 관리하는 게 중요한데</a:t>
+            </a:r>
+            <a:r>
+              <a:rPr lang="en-US" altLang="ko-KR" sz="1600" u="none" strike="noStrike" dirty="0">
+                <a:solidFill>
+                  <a:schemeClr val="accent4">
+                    <a:lumMod val="10000"/>
+                  </a:schemeClr>
+                </a:solidFill>
+                <a:effectLst/>
+                <a:latin typeface="Malgun Gothic" panose="020B0503020000020004" pitchFamily="34" charset="-127"/>
+                <a:ea typeface="Malgun Gothic" panose="020B0503020000020004" pitchFamily="34" charset="-127"/>
+              </a:rPr>
+              <a:t>, </a:t>
+            </a:r>
+            <a:r>
+              <a:rPr lang="ko-KR" altLang="en-US" sz="1600" u="none" strike="noStrike" dirty="0">
+                <a:solidFill>
+                  <a:schemeClr val="accent4">
+                    <a:lumMod val="10000"/>
+                  </a:schemeClr>
+                </a:solidFill>
+                <a:effectLst/>
+                <a:latin typeface="Malgun Gothic" panose="020B0503020000020004" pitchFamily="34" charset="-127"/>
+                <a:ea typeface="Malgun Gothic" panose="020B0503020000020004" pitchFamily="34" charset="-127"/>
+              </a:rPr>
+              <a:t>눈으로 쉽게 보기 위해</a:t>
+            </a:r>
+            <a:r>
+              <a:rPr lang="en-US" altLang="ko-KR" sz="1600" u="none" strike="noStrike" dirty="0">
+                <a:solidFill>
+                  <a:schemeClr val="accent4">
+                    <a:lumMod val="10000"/>
+                  </a:schemeClr>
+                </a:solidFill>
+                <a:effectLst/>
+                <a:latin typeface="Malgun Gothic" panose="020B0503020000020004" pitchFamily="34" charset="-127"/>
+                <a:ea typeface="Malgun Gothic" panose="020B0503020000020004" pitchFamily="34" charset="-127"/>
+              </a:rPr>
+              <a:t>, </a:t>
+            </a:r>
+            <a:r>
+              <a:rPr lang="ko-KR" altLang="en-US" sz="1600" u="none" strike="noStrike" dirty="0">
+                <a:solidFill>
+                  <a:schemeClr val="accent4">
+                    <a:lumMod val="10000"/>
+                  </a:schemeClr>
                 </a:solidFill>
                 <a:effectLst/>
                 <a:latin typeface="Malgun Gothic" panose="020B0503020000020004" pitchFamily="34" charset="-127"/>
@@ -25629,7 +25910,9 @@
             <a:r>
               <a:rPr lang="en-US" altLang="ko-KR" sz="1600" u="none" strike="noStrike" dirty="0">
                 <a:solidFill>
-                  <a:schemeClr val="accent3"/>
+                  <a:schemeClr val="accent4">
+                    <a:lumMod val="10000"/>
+                  </a:schemeClr>
                 </a:solidFill>
                 <a:effectLst/>
                 <a:latin typeface="Malgun Gothic" panose="020B0503020000020004" pitchFamily="34" charset="-127"/>
@@ -25639,7 +25922,9 @@
             </a:r>
             <a:endParaRPr lang="en-US" sz="1200" dirty="0">
               <a:solidFill>
-                <a:schemeClr val="accent3"/>
+                <a:schemeClr val="accent4">
+                  <a:lumMod val="10000"/>
+                </a:schemeClr>
               </a:solidFill>
               <a:latin typeface="Malgun Gothic" panose="020B0503020000020004" pitchFamily="34" charset="-127"/>
               <a:ea typeface="Malgun Gothic" panose="020B0503020000020004" pitchFamily="34" charset="-127"/>
@@ -25922,9 +26207,6 @@
               <a:buNone/>
             </a:pPr>
             <a:endParaRPr>
-              <a:solidFill>
-                <a:schemeClr val="accent3"/>
-              </a:solidFill>
               <a:latin typeface="Malgun Gothic" panose="020B0503020000020004" pitchFamily="34" charset="-127"/>
               <a:ea typeface="Malgun Gothic" panose="020B0503020000020004" pitchFamily="34" charset="-127"/>
             </a:endParaRPr>
@@ -25981,7 +26263,7 @@
     </p:spTree>
     <p:extLst>
       <p:ext uri="{BB962C8B-B14F-4D97-AF65-F5344CB8AC3E}">
-        <p14:creationId xmlns:p14="http://schemas.microsoft.com/office/powerpoint/2010/main" val="3776430033"/>
+        <p14:creationId xmlns:p14="http://schemas.microsoft.com/office/powerpoint/2010/main" val="925640650"/>
       </p:ext>
     </p:extLst>
   </p:cSld>
@@ -26185,7 +26467,7 @@
         </p:nvSpPr>
         <p:spPr>
           <a:xfrm>
-            <a:off x="327506" y="1698281"/>
+            <a:off x="420495" y="1698284"/>
             <a:ext cx="3777321" cy="2555385"/>
           </a:xfrm>
           <a:prstGeom prst="rect">
@@ -26223,9 +26505,6 @@
               <a:buNone/>
             </a:pPr>
             <a:endParaRPr>
-              <a:solidFill>
-                <a:schemeClr val="accent3"/>
-              </a:solidFill>
               <a:latin typeface="Malgun Gothic" panose="020B0503020000020004" pitchFamily="34" charset="-127"/>
               <a:ea typeface="Malgun Gothic" panose="020B0503020000020004" pitchFamily="34" charset="-127"/>
             </a:endParaRPr>
@@ -26248,8 +26527,8 @@
         </p:nvSpPr>
         <p:spPr>
           <a:xfrm>
-            <a:off x="262500" y="1870711"/>
-            <a:ext cx="3907331" cy="2245075"/>
+            <a:off x="611512" y="1853438"/>
+            <a:ext cx="3395288" cy="2245075"/>
           </a:xfrm>
           <a:prstGeom prst="rect">
             <a:avLst/>
@@ -26491,9 +26770,37 @@
           <a:p>
             <a:pPr algn="ctr"/>
             <a:r>
+              <a:rPr lang="ko-KR" altLang="en-US" sz="1800" u="none" strike="noStrike" dirty="0">
+                <a:solidFill>
+                  <a:schemeClr val="accent4">
+                    <a:lumMod val="10000"/>
+                  </a:schemeClr>
+                </a:solidFill>
+                <a:effectLst/>
+                <a:latin typeface="Malgun Gothic" panose="020B0503020000020004" pitchFamily="34" charset="-127"/>
+                <a:ea typeface="Malgun Gothic" panose="020B0503020000020004" pitchFamily="34" charset="-127"/>
+              </a:rPr>
+              <a:t>열화상 카메라를 구현하기 위해서</a:t>
+            </a:r>
+            <a:r>
+              <a:rPr lang="en-US" altLang="ko-KR" sz="1800" u="none" strike="noStrike" dirty="0">
+                <a:solidFill>
+                  <a:schemeClr val="accent4">
+                    <a:lumMod val="10000"/>
+                  </a:schemeClr>
+                </a:solidFill>
+                <a:effectLst/>
+                <a:latin typeface="Malgun Gothic" panose="020B0503020000020004" pitchFamily="34" charset="-127"/>
+                <a:ea typeface="Malgun Gothic" panose="020B0503020000020004" pitchFamily="34" charset="-127"/>
+              </a:rPr>
+              <a:t> </a:t>
+            </a:r>
+            <a:r>
               <a:rPr lang="en-US" altLang="ko-Kore-KR" sz="1800" u="none" strike="noStrike" dirty="0">
                 <a:solidFill>
-                  <a:schemeClr val="accent3"/>
+                  <a:schemeClr val="accent4">
+                    <a:lumMod val="10000"/>
+                  </a:schemeClr>
                 </a:solidFill>
                 <a:effectLst/>
                 <a:latin typeface="Malgun Gothic" panose="020B0503020000020004" pitchFamily="34" charset="-127"/>
@@ -26502,64 +26809,37 @@
               <a:t>Line Tracer</a:t>
             </a:r>
             <a:r>
-              <a:rPr lang="ko-KR" altLang="en-US" sz="1800" u="none" strike="noStrike" dirty="0">
+              <a:rPr lang="ko-KR" altLang="en-US" sz="1800" u="none" strike="noStrike" dirty="0" err="1">
                 <a:solidFill>
-                  <a:schemeClr val="accent3"/>
+                  <a:schemeClr val="accent4">
+                    <a:lumMod val="10000"/>
+                  </a:schemeClr>
                 </a:solidFill>
                 <a:effectLst/>
                 <a:latin typeface="Malgun Gothic" panose="020B0503020000020004" pitchFamily="34" charset="-127"/>
                 <a:ea typeface="Malgun Gothic" panose="020B0503020000020004" pitchFamily="34" charset="-127"/>
               </a:rPr>
-              <a:t>가 확인중인 </a:t>
+              <a:t>를</a:t>
             </a:r>
             <a:r>
-              <a:rPr lang="en-US" altLang="ko-Kore-KR" sz="1800" u="none" strike="noStrike" dirty="0">
+              <a:rPr lang="ko-KR" altLang="en-US" sz="1800" u="none" strike="noStrike" dirty="0">
                 <a:solidFill>
-                  <a:schemeClr val="accent3"/>
+                  <a:schemeClr val="accent4">
+                    <a:lumMod val="10000"/>
+                  </a:schemeClr>
                 </a:solidFill>
                 <a:effectLst/>
                 <a:latin typeface="Malgun Gothic" panose="020B0503020000020004" pitchFamily="34" charset="-127"/>
                 <a:ea typeface="Malgun Gothic" panose="020B0503020000020004" pitchFamily="34" charset="-127"/>
               </a:rPr>
-              <a:t>Landscape</a:t>
-            </a:r>
-            <a:r>
-              <a:rPr lang="ko-KR" altLang="en-US" sz="1800" u="none" strike="noStrike" dirty="0">
-                <a:solidFill>
-                  <a:schemeClr val="accent3"/>
-                </a:solidFill>
-                <a:effectLst/>
-                <a:latin typeface="Malgun Gothic" panose="020B0503020000020004" pitchFamily="34" charset="-127"/>
-                <a:ea typeface="Malgun Gothic" panose="020B0503020000020004" pitchFamily="34" charset="-127"/>
-              </a:rPr>
-              <a:t>에 </a:t>
-            </a:r>
-            <a:r>
-              <a:rPr lang="en-US" altLang="ko-Kore-KR" sz="1800" u="none" strike="noStrike" dirty="0">
-                <a:solidFill>
-                  <a:schemeClr val="accent3"/>
-                </a:solidFill>
-                <a:effectLst/>
-                <a:latin typeface="Malgun Gothic" panose="020B0503020000020004" pitchFamily="34" charset="-127"/>
-                <a:ea typeface="Malgun Gothic" panose="020B0503020000020004" pitchFamily="34" charset="-127"/>
-              </a:rPr>
-              <a:t>Decal</a:t>
-            </a:r>
-            <a:r>
-              <a:rPr lang="ko-KR" altLang="en-US" sz="1800" u="none" strike="noStrike" dirty="0">
-                <a:solidFill>
-                  <a:schemeClr val="accent3"/>
-                </a:solidFill>
-                <a:effectLst/>
-                <a:latin typeface="Malgun Gothic" panose="020B0503020000020004" pitchFamily="34" charset="-127"/>
-                <a:ea typeface="Malgun Gothic" panose="020B0503020000020004" pitchFamily="34" charset="-127"/>
-              </a:rPr>
-              <a:t>을 배치시켜</a:t>
+              <a:t> 배치해</a:t>
             </a:r>
             <a:r>
               <a:rPr lang="en-US" altLang="ko-KR" sz="1800" u="none" strike="noStrike" dirty="0">
                 <a:solidFill>
-                  <a:schemeClr val="accent3"/>
+                  <a:schemeClr val="accent4">
+                    <a:lumMod val="10000"/>
+                  </a:schemeClr>
                 </a:solidFill>
                 <a:effectLst/>
                 <a:latin typeface="Malgun Gothic" panose="020B0503020000020004" pitchFamily="34" charset="-127"/>
@@ -26570,128 +26850,48 @@
             <a:r>
               <a:rPr lang="ko-KR" altLang="en-US" sz="1800" u="none" strike="noStrike" dirty="0">
                 <a:solidFill>
-                  <a:schemeClr val="accent3"/>
+                  <a:schemeClr val="accent4">
+                    <a:lumMod val="10000"/>
+                  </a:schemeClr>
                 </a:solidFill>
                 <a:effectLst/>
                 <a:latin typeface="Malgun Gothic" panose="020B0503020000020004" pitchFamily="34" charset="-127"/>
                 <a:ea typeface="Malgun Gothic" panose="020B0503020000020004" pitchFamily="34" charset="-127"/>
               </a:rPr>
-              <a:t>계산 된 각도로부터 나온 온도 값에 해당하는 </a:t>
+              <a:t>지형의 각도를 파악하고</a:t>
             </a:r>
             <a:r>
-              <a:rPr lang="en-US" altLang="ko-Kore-KR" sz="1800" u="none" strike="noStrike" dirty="0">
+              <a:rPr lang="en-US" altLang="ko-KR" sz="1800" u="none" strike="noStrike" dirty="0">
                 <a:solidFill>
-                  <a:schemeClr val="accent3"/>
+                  <a:schemeClr val="accent4">
+                    <a:lumMod val="10000"/>
+                  </a:schemeClr>
                 </a:solidFill>
                 <a:effectLst/>
                 <a:latin typeface="Malgun Gothic" panose="020B0503020000020004" pitchFamily="34" charset="-127"/>
                 <a:ea typeface="Malgun Gothic" panose="020B0503020000020004" pitchFamily="34" charset="-127"/>
               </a:rPr>
-              <a:t>Material</a:t>
+              <a:t>, </a:t>
             </a:r>
             <a:r>
               <a:rPr lang="ko-KR" altLang="en-US" sz="1800" u="none" strike="noStrike" dirty="0">
                 <a:solidFill>
-                  <a:schemeClr val="accent3"/>
+                  <a:schemeClr val="accent4">
+                    <a:lumMod val="10000"/>
+                  </a:schemeClr>
                 </a:solidFill>
                 <a:effectLst/>
                 <a:latin typeface="Malgun Gothic" panose="020B0503020000020004" pitchFamily="34" charset="-127"/>
                 <a:ea typeface="Malgun Gothic" panose="020B0503020000020004" pitchFamily="34" charset="-127"/>
               </a:rPr>
-              <a:t>을 </a:t>
-            </a:r>
-            <a:r>
-              <a:rPr lang="en-US" altLang="ko-Kore-KR" sz="1800" u="none" strike="noStrike" dirty="0">
-                <a:solidFill>
-                  <a:schemeClr val="accent3"/>
-                </a:solidFill>
-                <a:effectLst/>
-                <a:latin typeface="Malgun Gothic" panose="020B0503020000020004" pitchFamily="34" charset="-127"/>
-                <a:ea typeface="Malgun Gothic" panose="020B0503020000020004" pitchFamily="34" charset="-127"/>
-              </a:rPr>
-              <a:t>Decal</a:t>
-            </a:r>
-            <a:r>
-              <a:rPr lang="ko-KR" altLang="en-US" sz="1800" u="none" strike="noStrike" dirty="0">
-                <a:solidFill>
-                  <a:schemeClr val="accent3"/>
-                </a:solidFill>
-                <a:effectLst/>
-                <a:latin typeface="Malgun Gothic" panose="020B0503020000020004" pitchFamily="34" charset="-127"/>
-                <a:ea typeface="Malgun Gothic" panose="020B0503020000020004" pitchFamily="34" charset="-127"/>
-              </a:rPr>
-              <a:t>에 넣고 </a:t>
-            </a:r>
-            <a:r>
-              <a:rPr lang="en-US" altLang="ko-Kore-KR" sz="1800" u="none" strike="noStrike" dirty="0">
-                <a:solidFill>
-                  <a:schemeClr val="accent3"/>
-                </a:solidFill>
-                <a:effectLst/>
-                <a:latin typeface="Malgun Gothic" panose="020B0503020000020004" pitchFamily="34" charset="-127"/>
-                <a:ea typeface="Malgun Gothic" panose="020B0503020000020004" pitchFamily="34" charset="-127"/>
-              </a:rPr>
-              <a:t>Landscape</a:t>
-            </a:r>
-            <a:r>
-              <a:rPr lang="ko-KR" altLang="en-US" sz="1800" u="none" strike="noStrike" dirty="0">
-                <a:solidFill>
-                  <a:schemeClr val="accent3"/>
-                </a:solidFill>
-                <a:effectLst/>
-                <a:latin typeface="Malgun Gothic" panose="020B0503020000020004" pitchFamily="34" charset="-127"/>
-                <a:ea typeface="Malgun Gothic" panose="020B0503020000020004" pitchFamily="34" charset="-127"/>
-              </a:rPr>
-              <a:t>에 비추게 한다</a:t>
+              <a:t>태양과 지면의 각도 차이를 계산한다</a:t>
             </a:r>
             <a:r>
               <a:rPr lang="en-US" altLang="ko-KR" sz="1800" u="none" strike="noStrike" dirty="0">
                 <a:solidFill>
-                  <a:schemeClr val="accent3"/>
-                </a:solidFill>
-                <a:effectLst/>
-                <a:latin typeface="Malgun Gothic" panose="020B0503020000020004" pitchFamily="34" charset="-127"/>
-                <a:ea typeface="Malgun Gothic" panose="020B0503020000020004" pitchFamily="34" charset="-127"/>
-              </a:rPr>
-              <a:t>. Decal</a:t>
-            </a:r>
-            <a:r>
-              <a:rPr lang="ko-KR" altLang="en-US" sz="1800" u="none" strike="noStrike" dirty="0">
-                <a:solidFill>
-                  <a:schemeClr val="accent3"/>
-                </a:solidFill>
-                <a:effectLst/>
-                <a:latin typeface="Malgun Gothic" panose="020B0503020000020004" pitchFamily="34" charset="-127"/>
-                <a:ea typeface="Malgun Gothic" panose="020B0503020000020004" pitchFamily="34" charset="-127"/>
-              </a:rPr>
-              <a:t>의 색상도 매 </a:t>
-            </a:r>
-            <a:r>
-              <a:rPr lang="en-US" altLang="ko-KR" sz="1800" u="none" strike="noStrike" dirty="0">
-                <a:solidFill>
-                  <a:schemeClr val="accent3"/>
-                </a:solidFill>
-                <a:effectLst/>
-                <a:latin typeface="Malgun Gothic" panose="020B0503020000020004" pitchFamily="34" charset="-127"/>
-                <a:ea typeface="Malgun Gothic" panose="020B0503020000020004" pitchFamily="34" charset="-127"/>
-              </a:rPr>
-              <a:t>Tick</a:t>
-            </a:r>
-            <a:r>
-              <a:rPr lang="ko-KR" altLang="en-US" sz="1800" u="none" strike="noStrike" dirty="0">
-                <a:solidFill>
-                  <a:schemeClr val="accent3"/>
-                </a:solidFill>
-                <a:effectLst/>
-                <a:latin typeface="Malgun Gothic" panose="020B0503020000020004" pitchFamily="34" charset="-127"/>
-                <a:ea typeface="Malgun Gothic" panose="020B0503020000020004" pitchFamily="34" charset="-127"/>
-              </a:rPr>
-              <a:t>마다 업데이트 된다</a:t>
-            </a:r>
-            <a:r>
-              <a:rPr lang="en-US" altLang="ko-KR" sz="1800" u="none" strike="noStrike" dirty="0">
-                <a:solidFill>
-                  <a:schemeClr val="accent3"/>
+                  <a:schemeClr val="accent4">
+                    <a:lumMod val="10000"/>
+                  </a:schemeClr>
                 </a:solidFill>
                 <a:effectLst/>
                 <a:latin typeface="Malgun Gothic" panose="020B0503020000020004" pitchFamily="34" charset="-127"/>
@@ -26701,7 +26901,9 @@
             </a:r>
             <a:endParaRPr lang="en-US" sz="1200" dirty="0">
               <a:solidFill>
-                <a:schemeClr val="accent3"/>
+                <a:schemeClr val="accent4">
+                  <a:lumMod val="10000"/>
+                </a:schemeClr>
               </a:solidFill>
               <a:latin typeface="Malgun Gothic" panose="020B0503020000020004" pitchFamily="34" charset="-127"/>
               <a:ea typeface="Malgun Gothic" panose="020B0503020000020004" pitchFamily="34" charset="-127"/>
@@ -26804,9 +27006,6 @@
               <a:buNone/>
             </a:pPr>
             <a:endParaRPr>
-              <a:solidFill>
-                <a:schemeClr val="accent3"/>
-              </a:solidFill>
               <a:latin typeface="Malgun Gothic" panose="020B0503020000020004" pitchFamily="34" charset="-127"/>
               <a:ea typeface="Malgun Gothic" panose="020B0503020000020004" pitchFamily="34" charset="-127"/>
             </a:endParaRPr>
@@ -26896,9 +27095,6 @@
               <a:buNone/>
             </a:pPr>
             <a:endParaRPr>
-              <a:solidFill>
-                <a:schemeClr val="accent3"/>
-              </a:solidFill>
               <a:latin typeface="Malgun Gothic" panose="020B0503020000020004" pitchFamily="34" charset="-127"/>
               <a:ea typeface="Malgun Gothic" panose="020B0503020000020004" pitchFamily="34" charset="-127"/>
             </a:endParaRPr>
@@ -26990,9 +27186,6 @@
               <a:buNone/>
             </a:pPr>
             <a:endParaRPr>
-              <a:solidFill>
-                <a:schemeClr val="accent3"/>
-              </a:solidFill>
               <a:latin typeface="Malgun Gothic" panose="020B0503020000020004" pitchFamily="34" charset="-127"/>
               <a:ea typeface="Malgun Gothic" panose="020B0503020000020004" pitchFamily="34" charset="-127"/>
             </a:endParaRPr>
@@ -27001,10 +27194,10 @@
       </p:sp>
       <p:pic>
         <p:nvPicPr>
-          <p:cNvPr id="6146" name="Picture 2">
+          <p:cNvPr id="5122" name="Picture 2">
             <a:extLst>
               <a:ext uri="{FF2B5EF4-FFF2-40B4-BE49-F238E27FC236}">
-                <a16:creationId xmlns:a16="http://schemas.microsoft.com/office/drawing/2014/main" id="{A52B6127-6687-4C69-A4C8-AED4CC3EF80B}"/>
+                <a16:creationId xmlns:a16="http://schemas.microsoft.com/office/drawing/2014/main" id="{63A1AA5A-A071-1A1A-BE42-D451406422D7}"/>
               </a:ext>
             </a:extLst>
           </p:cNvPr>
@@ -27028,8 +27221,8 @@
         </p:blipFill>
         <p:spPr bwMode="auto">
           <a:xfrm>
-            <a:off x="4250850" y="1681919"/>
-            <a:ext cx="4581656" cy="2622661"/>
+            <a:off x="4388833" y="1565629"/>
+            <a:ext cx="4481766" cy="2820692"/>
           </a:xfrm>
           <a:prstGeom prst="rect">
             <a:avLst/>
@@ -27049,7 +27242,7 @@
     </p:spTree>
     <p:extLst>
       <p:ext uri="{BB962C8B-B14F-4D97-AF65-F5344CB8AC3E}">
-        <p14:creationId xmlns:p14="http://schemas.microsoft.com/office/powerpoint/2010/main" val="1471924433"/>
+        <p14:creationId xmlns:p14="http://schemas.microsoft.com/office/powerpoint/2010/main" val="306543238"/>
       </p:ext>
     </p:extLst>
   </p:cSld>
@@ -27156,6 +27349,1115 @@
                 <a:latin typeface="Malgun Gothic" panose="020B0503020000020004" pitchFamily="34" charset="-127"/>
                 <a:ea typeface="Malgun Gothic" panose="020B0503020000020004" pitchFamily="34" charset="-127"/>
               </a:rPr>
+              <a:t>열화상 카메라</a:t>
+            </a:r>
+            <a:endParaRPr sz="3500" dirty="0">
+              <a:latin typeface="Malgun Gothic" panose="020B0503020000020004" pitchFamily="34" charset="-127"/>
+              <a:ea typeface="Malgun Gothic" panose="020B0503020000020004" pitchFamily="34" charset="-127"/>
+            </a:endParaRPr>
+          </a:p>
+        </p:txBody>
+      </p:sp>
+      <p:sp>
+        <p:nvSpPr>
+          <p:cNvPr id="10" name="Google Shape;511;p32">
+            <a:extLst>
+              <a:ext uri="{FF2B5EF4-FFF2-40B4-BE49-F238E27FC236}">
+                <a16:creationId xmlns:a16="http://schemas.microsoft.com/office/drawing/2014/main" id="{6BBD31FC-82D4-DCB8-7615-8839CE949E6A}"/>
+              </a:ext>
+            </a:extLst>
+          </p:cNvPr>
+          <p:cNvSpPr/>
+          <p:nvPr/>
+        </p:nvSpPr>
+        <p:spPr>
+          <a:xfrm flipH="1">
+            <a:off x="4572000" y="127106"/>
+            <a:ext cx="4581656" cy="240222"/>
+          </a:xfrm>
+          <a:custGeom>
+            <a:avLst/>
+            <a:gdLst/>
+            <a:ahLst/>
+            <a:cxnLst/>
+            <a:rect l="l" t="t" r="r" b="b"/>
+            <a:pathLst>
+              <a:path w="139962" h="8561" extrusionOk="0">
+                <a:moveTo>
+                  <a:pt x="0" y="0"/>
+                </a:moveTo>
+                <a:lnTo>
+                  <a:pt x="0" y="8560"/>
+                </a:lnTo>
+                <a:cubicBezTo>
+                  <a:pt x="0" y="8560"/>
+                  <a:pt x="138215" y="6307"/>
+                  <a:pt x="139088" y="3154"/>
+                </a:cubicBezTo>
+                <a:cubicBezTo>
+                  <a:pt x="139962" y="0"/>
+                  <a:pt x="0" y="0"/>
+                  <a:pt x="0" y="0"/>
+                </a:cubicBezTo>
+                <a:close/>
+              </a:path>
+            </a:pathLst>
+          </a:custGeom>
+          <a:solidFill>
+            <a:schemeClr val="accent4"/>
+          </a:solidFill>
+          <a:ln>
+            <a:noFill/>
+          </a:ln>
+        </p:spPr>
+        <p:txBody>
+          <a:bodyPr spcFirstLastPara="1" wrap="square" lIns="91425" tIns="91425" rIns="91425" bIns="91425" anchor="ctr" anchorCtr="0">
+            <a:noAutofit/>
+          </a:bodyPr>
+          <a:lstStyle/>
+          <a:p>
+            <a:pPr marL="0" lvl="0" indent="0" algn="l" rtl="0">
+              <a:spcBef>
+                <a:spcPts val="0"/>
+              </a:spcBef>
+              <a:spcAft>
+                <a:spcPts val="0"/>
+              </a:spcAft>
+              <a:buNone/>
+            </a:pPr>
+            <a:endParaRPr>
+              <a:latin typeface="Malgun Gothic" panose="020B0503020000020004" pitchFamily="34" charset="-127"/>
+              <a:ea typeface="Malgun Gothic" panose="020B0503020000020004" pitchFamily="34" charset="-127"/>
+            </a:endParaRPr>
+          </a:p>
+        </p:txBody>
+      </p:sp>
+      <p:sp>
+        <p:nvSpPr>
+          <p:cNvPr id="11" name="Google Shape;512;p32">
+            <a:extLst>
+              <a:ext uri="{FF2B5EF4-FFF2-40B4-BE49-F238E27FC236}">
+                <a16:creationId xmlns:a16="http://schemas.microsoft.com/office/drawing/2014/main" id="{95F41CDD-3B98-52CA-13FD-29AC9E3DF5D7}"/>
+              </a:ext>
+            </a:extLst>
+          </p:cNvPr>
+          <p:cNvSpPr/>
+          <p:nvPr/>
+        </p:nvSpPr>
+        <p:spPr>
+          <a:xfrm>
+            <a:off x="327506" y="1698281"/>
+            <a:ext cx="3777321" cy="2555385"/>
+          </a:xfrm>
+          <a:prstGeom prst="rect">
+            <a:avLst/>
+          </a:prstGeom>
+          <a:ln/>
+        </p:spPr>
+        <p:style>
+          <a:lnRef idx="2">
+            <a:schemeClr val="dk1"/>
+          </a:lnRef>
+          <a:fillRef idx="1">
+            <a:schemeClr val="lt1"/>
+          </a:fillRef>
+          <a:effectRef idx="0">
+            <a:schemeClr val="dk1"/>
+          </a:effectRef>
+          <a:fontRef idx="minor">
+            <a:schemeClr val="dk1"/>
+          </a:fontRef>
+        </p:style>
+        <p:txBody>
+          <a:bodyPr spcFirstLastPara="1" wrap="square" lIns="91425" tIns="91425" rIns="91425" bIns="91425" anchor="ctr" anchorCtr="0">
+            <a:noAutofit/>
+          </a:bodyPr>
+          <a:lstStyle/>
+          <a:p>
+            <a:pPr marL="0" lvl="0" indent="0" algn="l" rtl="0">
+              <a:spcBef>
+                <a:spcPts val="0"/>
+              </a:spcBef>
+              <a:spcAft>
+                <a:spcPts val="0"/>
+              </a:spcAft>
+              <a:buNone/>
+            </a:pPr>
+            <a:endParaRPr>
+              <a:latin typeface="Malgun Gothic" panose="020B0503020000020004" pitchFamily="34" charset="-127"/>
+              <a:ea typeface="Malgun Gothic" panose="020B0503020000020004" pitchFamily="34" charset="-127"/>
+            </a:endParaRPr>
+          </a:p>
+        </p:txBody>
+      </p:sp>
+      <p:sp>
+        <p:nvSpPr>
+          <p:cNvPr id="13" name="Google Shape;514;p32">
+            <a:extLst>
+              <a:ext uri="{FF2B5EF4-FFF2-40B4-BE49-F238E27FC236}">
+                <a16:creationId xmlns:a16="http://schemas.microsoft.com/office/drawing/2014/main" id="{EA94CF90-E160-3A33-9DD6-4DF6132BB48F}"/>
+              </a:ext>
+            </a:extLst>
+          </p:cNvPr>
+          <p:cNvSpPr txBox="1">
+            <a:spLocks/>
+          </p:cNvSpPr>
+          <p:nvPr/>
+        </p:nvSpPr>
+        <p:spPr>
+          <a:xfrm>
+            <a:off x="311494" y="1870711"/>
+            <a:ext cx="3777320" cy="2245075"/>
+          </a:xfrm>
+          <a:prstGeom prst="rect">
+            <a:avLst/>
+          </a:prstGeom>
+        </p:spPr>
+        <p:txBody>
+          <a:bodyPr spcFirstLastPara="1" wrap="square" lIns="91425" tIns="91425" rIns="91425" bIns="91425" anchor="ctr" anchorCtr="0">
+            <a:noAutofit/>
+          </a:bodyPr>
+          <a:lstStyle>
+            <a:defPPr marR="0" lvl="0" algn="l" rtl="0">
+              <a:lnSpc>
+                <a:spcPct val="100000"/>
+              </a:lnSpc>
+              <a:spcBef>
+                <a:spcPts val="0"/>
+              </a:spcBef>
+              <a:spcAft>
+                <a:spcPts val="0"/>
+              </a:spcAft>
+            </a:defPPr>
+            <a:lvl1pPr marR="0" lvl="0" algn="l" rtl="0">
+              <a:lnSpc>
+                <a:spcPct val="100000"/>
+              </a:lnSpc>
+              <a:spcBef>
+                <a:spcPts val="0"/>
+              </a:spcBef>
+              <a:spcAft>
+                <a:spcPts val="0"/>
+              </a:spcAft>
+              <a:buClr>
+                <a:srgbClr val="000000"/>
+              </a:buClr>
+              <a:buFont typeface="Arial"/>
+              <a:defRPr sz="1400" b="0" i="0" u="none" strike="noStrike" cap="none">
+                <a:solidFill>
+                  <a:srgbClr val="000000"/>
+                </a:solidFill>
+                <a:latin typeface="Arial"/>
+                <a:ea typeface="Arial"/>
+                <a:cs typeface="Arial"/>
+                <a:sym typeface="Arial"/>
+              </a:defRPr>
+            </a:lvl1pPr>
+            <a:lvl2pPr marR="0" lvl="1" algn="l" rtl="0">
+              <a:lnSpc>
+                <a:spcPct val="100000"/>
+              </a:lnSpc>
+              <a:spcBef>
+                <a:spcPts val="0"/>
+              </a:spcBef>
+              <a:spcAft>
+                <a:spcPts val="0"/>
+              </a:spcAft>
+              <a:buClr>
+                <a:srgbClr val="000000"/>
+              </a:buClr>
+              <a:buFont typeface="Arial"/>
+              <a:defRPr sz="1400" b="0" i="0" u="none" strike="noStrike" cap="none">
+                <a:solidFill>
+                  <a:srgbClr val="000000"/>
+                </a:solidFill>
+                <a:latin typeface="Arial"/>
+                <a:ea typeface="Arial"/>
+                <a:cs typeface="Arial"/>
+                <a:sym typeface="Arial"/>
+              </a:defRPr>
+            </a:lvl2pPr>
+            <a:lvl3pPr marR="0" lvl="2" algn="l" rtl="0">
+              <a:lnSpc>
+                <a:spcPct val="100000"/>
+              </a:lnSpc>
+              <a:spcBef>
+                <a:spcPts val="0"/>
+              </a:spcBef>
+              <a:spcAft>
+                <a:spcPts val="0"/>
+              </a:spcAft>
+              <a:buClr>
+                <a:srgbClr val="000000"/>
+              </a:buClr>
+              <a:buFont typeface="Arial"/>
+              <a:defRPr sz="1400" b="0" i="0" u="none" strike="noStrike" cap="none">
+                <a:solidFill>
+                  <a:srgbClr val="000000"/>
+                </a:solidFill>
+                <a:latin typeface="Arial"/>
+                <a:ea typeface="Arial"/>
+                <a:cs typeface="Arial"/>
+                <a:sym typeface="Arial"/>
+              </a:defRPr>
+            </a:lvl3pPr>
+            <a:lvl4pPr marR="0" lvl="3" algn="l" rtl="0">
+              <a:lnSpc>
+                <a:spcPct val="100000"/>
+              </a:lnSpc>
+              <a:spcBef>
+                <a:spcPts val="0"/>
+              </a:spcBef>
+              <a:spcAft>
+                <a:spcPts val="0"/>
+              </a:spcAft>
+              <a:buClr>
+                <a:srgbClr val="000000"/>
+              </a:buClr>
+              <a:buFont typeface="Arial"/>
+              <a:defRPr sz="1400" b="0" i="0" u="none" strike="noStrike" cap="none">
+                <a:solidFill>
+                  <a:srgbClr val="000000"/>
+                </a:solidFill>
+                <a:latin typeface="Arial"/>
+                <a:ea typeface="Arial"/>
+                <a:cs typeface="Arial"/>
+                <a:sym typeface="Arial"/>
+              </a:defRPr>
+            </a:lvl4pPr>
+            <a:lvl5pPr marR="0" lvl="4" algn="l" rtl="0">
+              <a:lnSpc>
+                <a:spcPct val="100000"/>
+              </a:lnSpc>
+              <a:spcBef>
+                <a:spcPts val="0"/>
+              </a:spcBef>
+              <a:spcAft>
+                <a:spcPts val="0"/>
+              </a:spcAft>
+              <a:buClr>
+                <a:srgbClr val="000000"/>
+              </a:buClr>
+              <a:buFont typeface="Arial"/>
+              <a:defRPr sz="1400" b="0" i="0" u="none" strike="noStrike" cap="none">
+                <a:solidFill>
+                  <a:srgbClr val="000000"/>
+                </a:solidFill>
+                <a:latin typeface="Arial"/>
+                <a:ea typeface="Arial"/>
+                <a:cs typeface="Arial"/>
+                <a:sym typeface="Arial"/>
+              </a:defRPr>
+            </a:lvl5pPr>
+            <a:lvl6pPr marR="0" lvl="5" algn="l" rtl="0">
+              <a:lnSpc>
+                <a:spcPct val="100000"/>
+              </a:lnSpc>
+              <a:spcBef>
+                <a:spcPts val="0"/>
+              </a:spcBef>
+              <a:spcAft>
+                <a:spcPts val="0"/>
+              </a:spcAft>
+              <a:buClr>
+                <a:srgbClr val="000000"/>
+              </a:buClr>
+              <a:buFont typeface="Arial"/>
+              <a:defRPr sz="1400" b="0" i="0" u="none" strike="noStrike" cap="none">
+                <a:solidFill>
+                  <a:srgbClr val="000000"/>
+                </a:solidFill>
+                <a:latin typeface="Arial"/>
+                <a:ea typeface="Arial"/>
+                <a:cs typeface="Arial"/>
+                <a:sym typeface="Arial"/>
+              </a:defRPr>
+            </a:lvl6pPr>
+            <a:lvl7pPr marR="0" lvl="6" algn="l" rtl="0">
+              <a:lnSpc>
+                <a:spcPct val="100000"/>
+              </a:lnSpc>
+              <a:spcBef>
+                <a:spcPts val="0"/>
+              </a:spcBef>
+              <a:spcAft>
+                <a:spcPts val="0"/>
+              </a:spcAft>
+              <a:buClr>
+                <a:srgbClr val="000000"/>
+              </a:buClr>
+              <a:buFont typeface="Arial"/>
+              <a:defRPr sz="1400" b="0" i="0" u="none" strike="noStrike" cap="none">
+                <a:solidFill>
+                  <a:srgbClr val="000000"/>
+                </a:solidFill>
+                <a:latin typeface="Arial"/>
+                <a:ea typeface="Arial"/>
+                <a:cs typeface="Arial"/>
+                <a:sym typeface="Arial"/>
+              </a:defRPr>
+            </a:lvl7pPr>
+            <a:lvl8pPr marR="0" lvl="7" algn="l" rtl="0">
+              <a:lnSpc>
+                <a:spcPct val="100000"/>
+              </a:lnSpc>
+              <a:spcBef>
+                <a:spcPts val="0"/>
+              </a:spcBef>
+              <a:spcAft>
+                <a:spcPts val="0"/>
+              </a:spcAft>
+              <a:buClr>
+                <a:srgbClr val="000000"/>
+              </a:buClr>
+              <a:buFont typeface="Arial"/>
+              <a:defRPr sz="1400" b="0" i="0" u="none" strike="noStrike" cap="none">
+                <a:solidFill>
+                  <a:srgbClr val="000000"/>
+                </a:solidFill>
+                <a:latin typeface="Arial"/>
+                <a:ea typeface="Arial"/>
+                <a:cs typeface="Arial"/>
+                <a:sym typeface="Arial"/>
+              </a:defRPr>
+            </a:lvl8pPr>
+            <a:lvl9pPr marR="0" lvl="8" algn="l" rtl="0">
+              <a:lnSpc>
+                <a:spcPct val="100000"/>
+              </a:lnSpc>
+              <a:spcBef>
+                <a:spcPts val="0"/>
+              </a:spcBef>
+              <a:spcAft>
+                <a:spcPts val="0"/>
+              </a:spcAft>
+              <a:buClr>
+                <a:srgbClr val="000000"/>
+              </a:buClr>
+              <a:buFont typeface="Arial"/>
+              <a:defRPr sz="1400" b="0" i="0" u="none" strike="noStrike" cap="none">
+                <a:solidFill>
+                  <a:srgbClr val="000000"/>
+                </a:solidFill>
+                <a:latin typeface="Arial"/>
+                <a:ea typeface="Arial"/>
+                <a:cs typeface="Arial"/>
+                <a:sym typeface="Arial"/>
+              </a:defRPr>
+            </a:lvl9pPr>
+          </a:lstStyle>
+          <a:p>
+            <a:pPr algn="ctr"/>
+            <a:r>
+              <a:rPr lang="en-US" altLang="ko-Kore-KR" sz="1800" u="none" strike="noStrike" dirty="0">
+                <a:solidFill>
+                  <a:schemeClr val="accent4">
+                    <a:lumMod val="10000"/>
+                  </a:schemeClr>
+                </a:solidFill>
+                <a:effectLst/>
+                <a:latin typeface="Malgun Gothic" panose="020B0503020000020004" pitchFamily="34" charset="-127"/>
+                <a:ea typeface="Malgun Gothic" panose="020B0503020000020004" pitchFamily="34" charset="-127"/>
+              </a:rPr>
+              <a:t>Line Tracer</a:t>
+            </a:r>
+            <a:r>
+              <a:rPr lang="ko-KR" altLang="en-US" sz="1800" u="none" strike="noStrike" dirty="0">
+                <a:solidFill>
+                  <a:schemeClr val="accent4">
+                    <a:lumMod val="10000"/>
+                  </a:schemeClr>
+                </a:solidFill>
+                <a:effectLst/>
+                <a:latin typeface="Malgun Gothic" panose="020B0503020000020004" pitchFamily="34" charset="-127"/>
+                <a:ea typeface="Malgun Gothic" panose="020B0503020000020004" pitchFamily="34" charset="-127"/>
+              </a:rPr>
+              <a:t>가 확인중인 </a:t>
+            </a:r>
+            <a:r>
+              <a:rPr lang="en-US" altLang="ko-Kore-KR" sz="1800" u="none" strike="noStrike" dirty="0">
+                <a:solidFill>
+                  <a:schemeClr val="accent4">
+                    <a:lumMod val="10000"/>
+                  </a:schemeClr>
+                </a:solidFill>
+                <a:effectLst/>
+                <a:latin typeface="Malgun Gothic" panose="020B0503020000020004" pitchFamily="34" charset="-127"/>
+                <a:ea typeface="Malgun Gothic" panose="020B0503020000020004" pitchFamily="34" charset="-127"/>
+              </a:rPr>
+              <a:t>Landscape</a:t>
+            </a:r>
+            <a:r>
+              <a:rPr lang="ko-KR" altLang="en-US" sz="1800" u="none" strike="noStrike" dirty="0">
+                <a:solidFill>
+                  <a:schemeClr val="accent4">
+                    <a:lumMod val="10000"/>
+                  </a:schemeClr>
+                </a:solidFill>
+                <a:effectLst/>
+                <a:latin typeface="Malgun Gothic" panose="020B0503020000020004" pitchFamily="34" charset="-127"/>
+                <a:ea typeface="Malgun Gothic" panose="020B0503020000020004" pitchFamily="34" charset="-127"/>
+              </a:rPr>
+              <a:t>에 </a:t>
+            </a:r>
+            <a:r>
+              <a:rPr lang="en-US" altLang="ko-Kore-KR" sz="1800" u="none" strike="noStrike" dirty="0">
+                <a:solidFill>
+                  <a:schemeClr val="accent4">
+                    <a:lumMod val="10000"/>
+                  </a:schemeClr>
+                </a:solidFill>
+                <a:effectLst/>
+                <a:latin typeface="Malgun Gothic" panose="020B0503020000020004" pitchFamily="34" charset="-127"/>
+                <a:ea typeface="Malgun Gothic" panose="020B0503020000020004" pitchFamily="34" charset="-127"/>
+              </a:rPr>
+              <a:t>Decal</a:t>
+            </a:r>
+            <a:r>
+              <a:rPr lang="ko-KR" altLang="en-US" sz="1800" u="none" strike="noStrike" dirty="0">
+                <a:solidFill>
+                  <a:schemeClr val="accent4">
+                    <a:lumMod val="10000"/>
+                  </a:schemeClr>
+                </a:solidFill>
+                <a:effectLst/>
+                <a:latin typeface="Malgun Gothic" panose="020B0503020000020004" pitchFamily="34" charset="-127"/>
+                <a:ea typeface="Malgun Gothic" panose="020B0503020000020004" pitchFamily="34" charset="-127"/>
+              </a:rPr>
+              <a:t>을 배치시켜</a:t>
+            </a:r>
+            <a:r>
+              <a:rPr lang="en-US" altLang="ko-KR" sz="1800" u="none" strike="noStrike" dirty="0">
+                <a:solidFill>
+                  <a:schemeClr val="accent4">
+                    <a:lumMod val="10000"/>
+                  </a:schemeClr>
+                </a:solidFill>
+                <a:effectLst/>
+                <a:latin typeface="Malgun Gothic" panose="020B0503020000020004" pitchFamily="34" charset="-127"/>
+                <a:ea typeface="Malgun Gothic" panose="020B0503020000020004" pitchFamily="34" charset="-127"/>
+              </a:rPr>
+              <a:t>, </a:t>
+            </a:r>
+            <a:r>
+              <a:rPr lang="ko-KR" altLang="en-US" sz="1800" u="none" strike="noStrike" dirty="0">
+                <a:solidFill>
+                  <a:schemeClr val="accent4">
+                    <a:lumMod val="10000"/>
+                  </a:schemeClr>
+                </a:solidFill>
+                <a:effectLst/>
+                <a:latin typeface="Malgun Gothic" panose="020B0503020000020004" pitchFamily="34" charset="-127"/>
+                <a:ea typeface="Malgun Gothic" panose="020B0503020000020004" pitchFamily="34" charset="-127"/>
+              </a:rPr>
+              <a:t>계산 된 각도로부터 나온 온도 값에 해당하는 </a:t>
+            </a:r>
+            <a:r>
+              <a:rPr lang="en-US" altLang="ko-Kore-KR" sz="1800" u="none" strike="noStrike" dirty="0">
+                <a:solidFill>
+                  <a:schemeClr val="accent4">
+                    <a:lumMod val="10000"/>
+                  </a:schemeClr>
+                </a:solidFill>
+                <a:effectLst/>
+                <a:latin typeface="Malgun Gothic" panose="020B0503020000020004" pitchFamily="34" charset="-127"/>
+                <a:ea typeface="Malgun Gothic" panose="020B0503020000020004" pitchFamily="34" charset="-127"/>
+              </a:rPr>
+              <a:t>Material</a:t>
+            </a:r>
+            <a:r>
+              <a:rPr lang="ko-KR" altLang="en-US" sz="1800" u="none" strike="noStrike" dirty="0">
+                <a:solidFill>
+                  <a:schemeClr val="accent4">
+                    <a:lumMod val="10000"/>
+                  </a:schemeClr>
+                </a:solidFill>
+                <a:effectLst/>
+                <a:latin typeface="Malgun Gothic" panose="020B0503020000020004" pitchFamily="34" charset="-127"/>
+                <a:ea typeface="Malgun Gothic" panose="020B0503020000020004" pitchFamily="34" charset="-127"/>
+              </a:rPr>
+              <a:t>을 </a:t>
+            </a:r>
+            <a:r>
+              <a:rPr lang="en-US" altLang="ko-Kore-KR" sz="1800" u="none" strike="noStrike" dirty="0">
+                <a:solidFill>
+                  <a:schemeClr val="accent4">
+                    <a:lumMod val="10000"/>
+                  </a:schemeClr>
+                </a:solidFill>
+                <a:effectLst/>
+                <a:latin typeface="Malgun Gothic" panose="020B0503020000020004" pitchFamily="34" charset="-127"/>
+                <a:ea typeface="Malgun Gothic" panose="020B0503020000020004" pitchFamily="34" charset="-127"/>
+              </a:rPr>
+              <a:t>Decal</a:t>
+            </a:r>
+            <a:r>
+              <a:rPr lang="ko-KR" altLang="en-US" sz="1800" u="none" strike="noStrike" dirty="0">
+                <a:solidFill>
+                  <a:schemeClr val="accent4">
+                    <a:lumMod val="10000"/>
+                  </a:schemeClr>
+                </a:solidFill>
+                <a:effectLst/>
+                <a:latin typeface="Malgun Gothic" panose="020B0503020000020004" pitchFamily="34" charset="-127"/>
+                <a:ea typeface="Malgun Gothic" panose="020B0503020000020004" pitchFamily="34" charset="-127"/>
+              </a:rPr>
+              <a:t>에 넣고 </a:t>
+            </a:r>
+            <a:r>
+              <a:rPr lang="en-US" altLang="ko-Kore-KR" sz="1800" u="none" strike="noStrike" dirty="0">
+                <a:solidFill>
+                  <a:schemeClr val="accent4">
+                    <a:lumMod val="10000"/>
+                  </a:schemeClr>
+                </a:solidFill>
+                <a:effectLst/>
+                <a:latin typeface="Malgun Gothic" panose="020B0503020000020004" pitchFamily="34" charset="-127"/>
+                <a:ea typeface="Malgun Gothic" panose="020B0503020000020004" pitchFamily="34" charset="-127"/>
+              </a:rPr>
+              <a:t>Landscape</a:t>
+            </a:r>
+            <a:r>
+              <a:rPr lang="ko-KR" altLang="en-US" sz="1800" u="none" strike="noStrike" dirty="0">
+                <a:solidFill>
+                  <a:schemeClr val="accent4">
+                    <a:lumMod val="10000"/>
+                  </a:schemeClr>
+                </a:solidFill>
+                <a:effectLst/>
+                <a:latin typeface="Malgun Gothic" panose="020B0503020000020004" pitchFamily="34" charset="-127"/>
+                <a:ea typeface="Malgun Gothic" panose="020B0503020000020004" pitchFamily="34" charset="-127"/>
+              </a:rPr>
+              <a:t>에 비추게 한다</a:t>
+            </a:r>
+            <a:r>
+              <a:rPr lang="en-US" altLang="ko-KR" sz="1800" u="none" strike="noStrike" dirty="0">
+                <a:solidFill>
+                  <a:schemeClr val="accent4">
+                    <a:lumMod val="10000"/>
+                  </a:schemeClr>
+                </a:solidFill>
+                <a:effectLst/>
+                <a:latin typeface="Malgun Gothic" panose="020B0503020000020004" pitchFamily="34" charset="-127"/>
+                <a:ea typeface="Malgun Gothic" panose="020B0503020000020004" pitchFamily="34" charset="-127"/>
+              </a:rPr>
+              <a:t>. </a:t>
+            </a:r>
+            <a:r>
+              <a:rPr lang="en-US" altLang="ko-Kore-KR" sz="1800" u="none" strike="noStrike" dirty="0">
+                <a:solidFill>
+                  <a:schemeClr val="accent4">
+                    <a:lumMod val="10000"/>
+                  </a:schemeClr>
+                </a:solidFill>
+                <a:effectLst/>
+                <a:latin typeface="Malgun Gothic" panose="020B0503020000020004" pitchFamily="34" charset="-127"/>
+                <a:ea typeface="Malgun Gothic" panose="020B0503020000020004" pitchFamily="34" charset="-127"/>
+              </a:rPr>
+              <a:t>Tick</a:t>
+            </a:r>
+            <a:r>
+              <a:rPr lang="ko-KR" altLang="en-US" sz="1800" u="none" strike="noStrike" dirty="0">
+                <a:solidFill>
+                  <a:schemeClr val="accent4">
+                    <a:lumMod val="10000"/>
+                  </a:schemeClr>
+                </a:solidFill>
+                <a:effectLst/>
+                <a:latin typeface="Malgun Gothic" panose="020B0503020000020004" pitchFamily="34" charset="-127"/>
+                <a:ea typeface="Malgun Gothic" panose="020B0503020000020004" pitchFamily="34" charset="-127"/>
+              </a:rPr>
+              <a:t>마다 </a:t>
+            </a:r>
+            <a:r>
+              <a:rPr lang="en-US" altLang="ko-Kore-KR" sz="1800" u="none" strike="noStrike" dirty="0">
+                <a:solidFill>
+                  <a:schemeClr val="accent4">
+                    <a:lumMod val="10000"/>
+                  </a:schemeClr>
+                </a:solidFill>
+                <a:effectLst/>
+                <a:latin typeface="Malgun Gothic" panose="020B0503020000020004" pitchFamily="34" charset="-127"/>
+                <a:ea typeface="Malgun Gothic" panose="020B0503020000020004" pitchFamily="34" charset="-127"/>
+              </a:rPr>
+              <a:t>update</a:t>
+            </a:r>
+            <a:r>
+              <a:rPr lang="ko-KR" altLang="en-US" sz="1800" u="none" strike="noStrike" dirty="0">
+                <a:solidFill>
+                  <a:schemeClr val="accent4">
+                    <a:lumMod val="10000"/>
+                  </a:schemeClr>
+                </a:solidFill>
+                <a:effectLst/>
+                <a:latin typeface="Malgun Gothic" panose="020B0503020000020004" pitchFamily="34" charset="-127"/>
+                <a:ea typeface="Malgun Gothic" panose="020B0503020000020004" pitchFamily="34" charset="-127"/>
+              </a:rPr>
+              <a:t>시켜 색이 태양의 각도에 따라 계속 변화하게 된다</a:t>
+            </a:r>
+            <a:r>
+              <a:rPr lang="en-US" altLang="ko-KR" sz="1800" u="none" strike="noStrike" dirty="0">
+                <a:solidFill>
+                  <a:schemeClr val="accent4">
+                    <a:lumMod val="10000"/>
+                  </a:schemeClr>
+                </a:solidFill>
+                <a:effectLst/>
+                <a:latin typeface="Malgun Gothic" panose="020B0503020000020004" pitchFamily="34" charset="-127"/>
+                <a:ea typeface="Malgun Gothic" panose="020B0503020000020004" pitchFamily="34" charset="-127"/>
+              </a:rPr>
+              <a:t>.</a:t>
+            </a:r>
+            <a:endParaRPr lang="en-US" sz="1200" dirty="0">
+              <a:solidFill>
+                <a:schemeClr val="accent4">
+                  <a:lumMod val="10000"/>
+                </a:schemeClr>
+              </a:solidFill>
+              <a:latin typeface="Malgun Gothic" panose="020B0503020000020004" pitchFamily="34" charset="-127"/>
+              <a:ea typeface="Malgun Gothic" panose="020B0503020000020004" pitchFamily="34" charset="-127"/>
+            </a:endParaRPr>
+          </a:p>
+        </p:txBody>
+      </p:sp>
+      <p:sp>
+        <p:nvSpPr>
+          <p:cNvPr id="14" name="Google Shape;515;p32">
+            <a:extLst>
+              <a:ext uri="{FF2B5EF4-FFF2-40B4-BE49-F238E27FC236}">
+                <a16:creationId xmlns:a16="http://schemas.microsoft.com/office/drawing/2014/main" id="{3B8C6626-A165-A1CD-0E01-6ACE26CAED82}"/>
+              </a:ext>
+            </a:extLst>
+          </p:cNvPr>
+          <p:cNvSpPr/>
+          <p:nvPr/>
+        </p:nvSpPr>
+        <p:spPr>
+          <a:xfrm>
+            <a:off x="8025294" y="445033"/>
+            <a:ext cx="807212" cy="807212"/>
+          </a:xfrm>
+          <a:custGeom>
+            <a:avLst/>
+            <a:gdLst/>
+            <a:ahLst/>
+            <a:cxnLst/>
+            <a:rect l="l" t="t" r="r" b="b"/>
+            <a:pathLst>
+              <a:path w="95106" h="95106" extrusionOk="0">
+                <a:moveTo>
+                  <a:pt x="47553" y="1"/>
+                </a:moveTo>
+                <a:cubicBezTo>
+                  <a:pt x="34941" y="1"/>
+                  <a:pt x="22846" y="5011"/>
+                  <a:pt x="13928" y="13929"/>
+                </a:cubicBezTo>
+                <a:cubicBezTo>
+                  <a:pt x="5009" y="22846"/>
+                  <a:pt x="1" y="34942"/>
+                  <a:pt x="1" y="47553"/>
+                </a:cubicBezTo>
+                <a:cubicBezTo>
+                  <a:pt x="1" y="60166"/>
+                  <a:pt x="5009" y="72261"/>
+                  <a:pt x="13928" y="81179"/>
+                </a:cubicBezTo>
+                <a:cubicBezTo>
+                  <a:pt x="22846" y="90097"/>
+                  <a:pt x="34941" y="95106"/>
+                  <a:pt x="47553" y="95106"/>
+                </a:cubicBezTo>
+                <a:cubicBezTo>
+                  <a:pt x="60164" y="95106"/>
+                  <a:pt x="72261" y="90097"/>
+                  <a:pt x="81178" y="81179"/>
+                </a:cubicBezTo>
+                <a:cubicBezTo>
+                  <a:pt x="90096" y="72261"/>
+                  <a:pt x="95106" y="60166"/>
+                  <a:pt x="95106" y="47553"/>
+                </a:cubicBezTo>
+                <a:cubicBezTo>
+                  <a:pt x="95106" y="34942"/>
+                  <a:pt x="90096" y="22846"/>
+                  <a:pt x="81178" y="13929"/>
+                </a:cubicBezTo>
+                <a:cubicBezTo>
+                  <a:pt x="72261" y="5011"/>
+                  <a:pt x="60164" y="1"/>
+                  <a:pt x="47553" y="1"/>
+                </a:cubicBezTo>
+                <a:close/>
+              </a:path>
+            </a:pathLst>
+          </a:custGeom>
+          <a:solidFill>
+            <a:srgbClr val="FFFFFF"/>
+          </a:solidFill>
+          <a:ln>
+            <a:noFill/>
+          </a:ln>
+        </p:spPr>
+        <p:txBody>
+          <a:bodyPr spcFirstLastPara="1" wrap="square" lIns="91425" tIns="91425" rIns="91425" bIns="91425" anchor="ctr" anchorCtr="0">
+            <a:noAutofit/>
+          </a:bodyPr>
+          <a:lstStyle/>
+          <a:p>
+            <a:pPr marL="0" lvl="0" indent="0" algn="l" rtl="0">
+              <a:spcBef>
+                <a:spcPts val="0"/>
+              </a:spcBef>
+              <a:spcAft>
+                <a:spcPts val="0"/>
+              </a:spcAft>
+              <a:buNone/>
+            </a:pPr>
+            <a:endParaRPr>
+              <a:latin typeface="Malgun Gothic" panose="020B0503020000020004" pitchFamily="34" charset="-127"/>
+              <a:ea typeface="Malgun Gothic" panose="020B0503020000020004" pitchFamily="34" charset="-127"/>
+            </a:endParaRPr>
+          </a:p>
+        </p:txBody>
+      </p:sp>
+      <p:sp>
+        <p:nvSpPr>
+          <p:cNvPr id="15" name="Google Shape;516;p32">
+            <a:extLst>
+              <a:ext uri="{FF2B5EF4-FFF2-40B4-BE49-F238E27FC236}">
+                <a16:creationId xmlns:a16="http://schemas.microsoft.com/office/drawing/2014/main" id="{685B5934-825C-7487-AE61-E82CD97BAC19}"/>
+              </a:ext>
+            </a:extLst>
+          </p:cNvPr>
+          <p:cNvSpPr/>
+          <p:nvPr/>
+        </p:nvSpPr>
+        <p:spPr>
+          <a:xfrm>
+            <a:off x="7966089" y="1017722"/>
+            <a:ext cx="1030298" cy="110448"/>
+          </a:xfrm>
+          <a:custGeom>
+            <a:avLst/>
+            <a:gdLst/>
+            <a:ahLst/>
+            <a:cxnLst/>
+            <a:rect l="l" t="t" r="r" b="b"/>
+            <a:pathLst>
+              <a:path w="121390" h="13013" extrusionOk="0">
+                <a:moveTo>
+                  <a:pt x="91142" y="1"/>
+                </a:moveTo>
+                <a:cubicBezTo>
+                  <a:pt x="73615" y="1"/>
+                  <a:pt x="68808" y="2162"/>
+                  <a:pt x="75811" y="2761"/>
+                </a:cubicBezTo>
+                <a:cubicBezTo>
+                  <a:pt x="82812" y="3361"/>
+                  <a:pt x="95344" y="7055"/>
+                  <a:pt x="57186" y="7055"/>
+                </a:cubicBezTo>
+                <a:cubicBezTo>
+                  <a:pt x="41599" y="7055"/>
+                  <a:pt x="1" y="13013"/>
+                  <a:pt x="63716" y="13013"/>
+                </a:cubicBezTo>
+                <a:lnTo>
+                  <a:pt x="104134" y="13013"/>
+                </a:lnTo>
+                <a:cubicBezTo>
+                  <a:pt x="121390" y="13013"/>
+                  <a:pt x="112208" y="8027"/>
+                  <a:pt x="100347" y="8027"/>
+                </a:cubicBezTo>
+                <a:cubicBezTo>
+                  <a:pt x="94710" y="8027"/>
+                  <a:pt x="119564" y="1"/>
+                  <a:pt x="91142" y="1"/>
+                </a:cubicBezTo>
+                <a:close/>
+              </a:path>
+            </a:pathLst>
+          </a:custGeom>
+          <a:solidFill>
+            <a:schemeClr val="accent4"/>
+          </a:solidFill>
+          <a:ln>
+            <a:noFill/>
+          </a:ln>
+        </p:spPr>
+        <p:txBody>
+          <a:bodyPr spcFirstLastPara="1" wrap="square" lIns="91425" tIns="91425" rIns="91425" bIns="91425" anchor="ctr" anchorCtr="0">
+            <a:noAutofit/>
+          </a:bodyPr>
+          <a:lstStyle/>
+          <a:p>
+            <a:pPr marL="0" lvl="0" indent="0" algn="l" rtl="0">
+              <a:spcBef>
+                <a:spcPts val="0"/>
+              </a:spcBef>
+              <a:spcAft>
+                <a:spcPts val="0"/>
+              </a:spcAft>
+              <a:buNone/>
+            </a:pPr>
+            <a:endParaRPr>
+              <a:latin typeface="Malgun Gothic" panose="020B0503020000020004" pitchFamily="34" charset="-127"/>
+              <a:ea typeface="Malgun Gothic" panose="020B0503020000020004" pitchFamily="34" charset="-127"/>
+            </a:endParaRPr>
+          </a:p>
+        </p:txBody>
+      </p:sp>
+      <p:sp>
+        <p:nvSpPr>
+          <p:cNvPr id="16" name="Google Shape;517;p32">
+            <a:extLst>
+              <a:ext uri="{FF2B5EF4-FFF2-40B4-BE49-F238E27FC236}">
+                <a16:creationId xmlns:a16="http://schemas.microsoft.com/office/drawing/2014/main" id="{85394488-E6E9-CEE3-6C2B-31588984FE4B}"/>
+              </a:ext>
+            </a:extLst>
+          </p:cNvPr>
+          <p:cNvSpPr/>
+          <p:nvPr/>
+        </p:nvSpPr>
+        <p:spPr>
+          <a:xfrm>
+            <a:off x="7844109" y="940013"/>
+            <a:ext cx="684890" cy="91512"/>
+          </a:xfrm>
+          <a:custGeom>
+            <a:avLst/>
+            <a:gdLst/>
+            <a:ahLst/>
+            <a:cxnLst/>
+            <a:rect l="l" t="t" r="r" b="b"/>
+            <a:pathLst>
+              <a:path w="80694" h="10782" extrusionOk="0">
+                <a:moveTo>
+                  <a:pt x="17112" y="0"/>
+                </a:moveTo>
+                <a:cubicBezTo>
+                  <a:pt x="1" y="0"/>
+                  <a:pt x="13695" y="10530"/>
+                  <a:pt x="13695" y="10530"/>
+                </a:cubicBezTo>
+                <a:cubicBezTo>
+                  <a:pt x="13695" y="10530"/>
+                  <a:pt x="28045" y="10782"/>
+                  <a:pt x="42988" y="10782"/>
+                </a:cubicBezTo>
+                <a:cubicBezTo>
+                  <a:pt x="61391" y="10782"/>
+                  <a:pt x="80694" y="10400"/>
+                  <a:pt x="75194" y="8697"/>
+                </a:cubicBezTo>
+                <a:cubicBezTo>
+                  <a:pt x="65231" y="5611"/>
+                  <a:pt x="30655" y="5219"/>
+                  <a:pt x="33435" y="4024"/>
+                </a:cubicBezTo>
+                <a:cubicBezTo>
+                  <a:pt x="36216" y="2831"/>
+                  <a:pt x="39834" y="981"/>
+                  <a:pt x="19350" y="54"/>
+                </a:cubicBezTo>
+                <a:cubicBezTo>
+                  <a:pt x="18552" y="18"/>
+                  <a:pt x="17806" y="0"/>
+                  <a:pt x="17112" y="0"/>
+                </a:cubicBezTo>
+                <a:close/>
+              </a:path>
+            </a:pathLst>
+          </a:custGeom>
+          <a:solidFill>
+            <a:schemeClr val="accent5"/>
+          </a:solidFill>
+          <a:ln>
+            <a:noFill/>
+          </a:ln>
+        </p:spPr>
+        <p:txBody>
+          <a:bodyPr spcFirstLastPara="1" wrap="square" lIns="91425" tIns="91425" rIns="91425" bIns="91425" anchor="ctr" anchorCtr="0">
+            <a:noAutofit/>
+          </a:bodyPr>
+          <a:lstStyle/>
+          <a:p>
+            <a:pPr marL="0" lvl="0" indent="0" algn="l" rtl="0">
+              <a:spcBef>
+                <a:spcPts val="0"/>
+              </a:spcBef>
+              <a:spcAft>
+                <a:spcPts val="0"/>
+              </a:spcAft>
+              <a:buNone/>
+            </a:pPr>
+            <a:endParaRPr>
+              <a:latin typeface="Malgun Gothic" panose="020B0503020000020004" pitchFamily="34" charset="-127"/>
+              <a:ea typeface="Malgun Gothic" panose="020B0503020000020004" pitchFamily="34" charset="-127"/>
+            </a:endParaRPr>
+          </a:p>
+        </p:txBody>
+      </p:sp>
+      <p:pic>
+        <p:nvPicPr>
+          <p:cNvPr id="6146" name="Picture 2">
+            <a:extLst>
+              <a:ext uri="{FF2B5EF4-FFF2-40B4-BE49-F238E27FC236}">
+                <a16:creationId xmlns:a16="http://schemas.microsoft.com/office/drawing/2014/main" id="{A52B6127-6687-4C69-A4C8-AED4CC3EF80B}"/>
+              </a:ext>
+            </a:extLst>
+          </p:cNvPr>
+          <p:cNvPicPr>
+            <a:picLocks noChangeAspect="1" noChangeArrowheads="1"/>
+          </p:cNvPicPr>
+          <p:nvPr/>
+        </p:nvPicPr>
+        <p:blipFill>
+          <a:blip r:embed="rId3">
+            <a:extLst>
+              <a:ext uri="{28A0092B-C50C-407E-A947-70E740481C1C}">
+                <a14:useLocalDpi xmlns:a14="http://schemas.microsoft.com/office/drawing/2010/main" val="0"/>
+              </a:ext>
+            </a:extLst>
+          </a:blip>
+          <a:srcRect/>
+          <a:stretch>
+            <a:fillRect/>
+          </a:stretch>
+        </p:blipFill>
+        <p:spPr bwMode="auto">
+          <a:xfrm>
+            <a:off x="4250850" y="1681919"/>
+            <a:ext cx="4581656" cy="2622661"/>
+          </a:xfrm>
+          <a:prstGeom prst="rect">
+            <a:avLst/>
+          </a:prstGeom>
+          <a:noFill/>
+          <a:extLst>
+            <a:ext uri="{909E8E84-426E-40DD-AFC4-6F175D3DCCD1}">
+              <a14:hiddenFill xmlns:a14="http://schemas.microsoft.com/office/drawing/2010/main">
+                <a:solidFill>
+                  <a:srgbClr val="FFFFFF"/>
+                </a:solidFill>
+              </a14:hiddenFill>
+            </a:ext>
+          </a:extLst>
+        </p:spPr>
+      </p:pic>
+    </p:spTree>
+    <p:extLst>
+      <p:ext uri="{BB962C8B-B14F-4D97-AF65-F5344CB8AC3E}">
+        <p14:creationId xmlns:p14="http://schemas.microsoft.com/office/powerpoint/2010/main" val="2767213828"/>
+      </p:ext>
+    </p:extLst>
+  </p:cSld>
+  <p:clrMapOvr>
+    <a:masterClrMapping/>
+  </p:clrMapOvr>
+</p:sld>
+</file>
+
+<file path=ppt/slides/slide15.xml><?xml version="1.0" encoding="utf-8"?>
+<p:sld xmlns:a="http://schemas.openxmlformats.org/drawingml/2006/main" xmlns:r="http://schemas.openxmlformats.org/officeDocument/2006/relationships" xmlns:p="http://schemas.openxmlformats.org/presentationml/2006/main">
+  <p:cSld>
+    <p:spTree>
+      <p:nvGrpSpPr>
+        <p:cNvPr id="1" name="Shape 415"/>
+        <p:cNvGrpSpPr/>
+        <p:nvPr/>
+      </p:nvGrpSpPr>
+      <p:grpSpPr>
+        <a:xfrm>
+          <a:off x="0" y="0"/>
+          <a:ext cx="0" cy="0"/>
+          <a:chOff x="0" y="0"/>
+          <a:chExt cx="0" cy="0"/>
+        </a:xfrm>
+      </p:grpSpPr>
+      <p:sp>
+        <p:nvSpPr>
+          <p:cNvPr id="9" name="Google Shape;510;p32">
+            <a:extLst>
+              <a:ext uri="{FF2B5EF4-FFF2-40B4-BE49-F238E27FC236}">
+                <a16:creationId xmlns:a16="http://schemas.microsoft.com/office/drawing/2014/main" id="{C857C7BC-B9DE-034E-3A4C-1D2D9DEC7E78}"/>
+              </a:ext>
+            </a:extLst>
+          </p:cNvPr>
+          <p:cNvSpPr txBox="1">
+            <a:spLocks noGrp="1"/>
+          </p:cNvSpPr>
+          <p:nvPr>
+            <p:ph type="title"/>
+          </p:nvPr>
+        </p:nvSpPr>
+        <p:spPr>
+          <a:xfrm>
+            <a:off x="720000" y="445025"/>
+            <a:ext cx="7704000" cy="495000"/>
+          </a:xfrm>
+          <a:prstGeom prst="rect">
+            <a:avLst/>
+          </a:prstGeom>
+        </p:spPr>
+        <p:style>
+          <a:lnRef idx="2">
+            <a:schemeClr val="accent2"/>
+          </a:lnRef>
+          <a:fillRef idx="1">
+            <a:schemeClr val="lt1"/>
+          </a:fillRef>
+          <a:effectRef idx="0">
+            <a:schemeClr val="accent2"/>
+          </a:effectRef>
+          <a:fontRef idx="minor">
+            <a:schemeClr val="dk1"/>
+          </a:fontRef>
+        </p:style>
+        <p:txBody>
+          <a:bodyPr spcFirstLastPara="1" wrap="square" lIns="91425" tIns="91425" rIns="91425" bIns="91425" anchor="ctr" anchorCtr="0">
+            <a:noAutofit/>
+          </a:bodyPr>
+          <a:lstStyle/>
+          <a:p>
+            <a:pPr marL="0" lvl="0" indent="0" algn="ctr" rtl="0">
+              <a:spcBef>
+                <a:spcPts val="0"/>
+              </a:spcBef>
+              <a:spcAft>
+                <a:spcPts val="0"/>
+              </a:spcAft>
+              <a:buNone/>
+            </a:pPr>
+            <a:r>
+              <a:rPr lang="en-US" altLang="ko-KR" sz="3500" dirty="0">
+                <a:latin typeface="Malgun Gothic" panose="020B0503020000020004" pitchFamily="34" charset="-127"/>
+                <a:ea typeface="Malgun Gothic" panose="020B0503020000020004" pitchFamily="34" charset="-127"/>
+              </a:rPr>
+              <a:t>04. </a:t>
+            </a:r>
+            <a:r>
+              <a:rPr lang="ko-KR" altLang="en-US" sz="3500" dirty="0">
+                <a:latin typeface="Malgun Gothic" panose="020B0503020000020004" pitchFamily="34" charset="-127"/>
+                <a:ea typeface="Malgun Gothic" panose="020B0503020000020004" pitchFamily="34" charset="-127"/>
+              </a:rPr>
+              <a:t>중점 연구 </a:t>
+            </a:r>
+            <a:r>
+              <a:rPr lang="en-US" altLang="ko-KR" sz="3500" dirty="0">
+                <a:latin typeface="Malgun Gothic" panose="020B0503020000020004" pitchFamily="34" charset="-127"/>
+                <a:ea typeface="Malgun Gothic" panose="020B0503020000020004" pitchFamily="34" charset="-127"/>
+              </a:rPr>
+              <a:t>– </a:t>
+            </a:r>
+            <a:r>
+              <a:rPr lang="ko-KR" altLang="en-US" sz="3500" dirty="0">
+                <a:latin typeface="Malgun Gothic" panose="020B0503020000020004" pitchFamily="34" charset="-127"/>
+                <a:ea typeface="Malgun Gothic" panose="020B0503020000020004" pitchFamily="34" charset="-127"/>
+              </a:rPr>
               <a:t>지형 변화</a:t>
             </a:r>
             <a:endParaRPr sz="3500" dirty="0">
@@ -27260,7 +28562,9 @@
             <a:avLst/>
           </a:prstGeom>
           <a:solidFill>
-            <a:schemeClr val="bg2"/>
+            <a:schemeClr val="bg1">
+              <a:lumMod val="75000"/>
+            </a:schemeClr>
           </a:solidFill>
           <a:ln/>
         </p:spPr>
@@ -27956,7 +29260,7 @@
 </p:sld>
 </file>
 
-<file path=ppt/slides/slide15.xml><?xml version="1.0" encoding="utf-8"?>
+<file path=ppt/slides/slide16.xml><?xml version="1.0" encoding="utf-8"?>
 <p:sld xmlns:a="http://schemas.openxmlformats.org/drawingml/2006/main" xmlns:r="http://schemas.openxmlformats.org/officeDocument/2006/relationships" xmlns:p="http://schemas.openxmlformats.org/presentationml/2006/main">
   <p:cSld>
     <p:spTree>
@@ -28157,7 +29461,9 @@
             <a:avLst/>
           </a:prstGeom>
           <a:solidFill>
-            <a:schemeClr val="bg2"/>
+            <a:schemeClr val="bg1">
+              <a:lumMod val="75000"/>
+            </a:schemeClr>
           </a:solidFill>
           <a:ln/>
         </p:spPr>
@@ -28987,7 +30293,1081 @@
 </p:sld>
 </file>
 
-<file path=ppt/slides/slide16.xml><?xml version="1.0" encoding="utf-8"?>
+<file path=ppt/slides/slide17.xml><?xml version="1.0" encoding="utf-8"?>
+<p:sld xmlns:a="http://schemas.openxmlformats.org/drawingml/2006/main" xmlns:r="http://schemas.openxmlformats.org/officeDocument/2006/relationships" xmlns:p="http://schemas.openxmlformats.org/presentationml/2006/main">
+  <p:cSld>
+    <p:spTree>
+      <p:nvGrpSpPr>
+        <p:cNvPr id="1" name="Shape 415"/>
+        <p:cNvGrpSpPr/>
+        <p:nvPr/>
+      </p:nvGrpSpPr>
+      <p:grpSpPr>
+        <a:xfrm>
+          <a:off x="0" y="0"/>
+          <a:ext cx="0" cy="0"/>
+          <a:chOff x="0" y="0"/>
+          <a:chExt cx="0" cy="0"/>
+        </a:xfrm>
+      </p:grpSpPr>
+      <p:sp>
+        <p:nvSpPr>
+          <p:cNvPr id="9" name="Google Shape;510;p32">
+            <a:extLst>
+              <a:ext uri="{FF2B5EF4-FFF2-40B4-BE49-F238E27FC236}">
+                <a16:creationId xmlns:a16="http://schemas.microsoft.com/office/drawing/2014/main" id="{C857C7BC-B9DE-034E-3A4C-1D2D9DEC7E78}"/>
+              </a:ext>
+            </a:extLst>
+          </p:cNvPr>
+          <p:cNvSpPr txBox="1">
+            <a:spLocks noGrp="1"/>
+          </p:cNvSpPr>
+          <p:nvPr>
+            <p:ph type="title"/>
+          </p:nvPr>
+        </p:nvSpPr>
+        <p:spPr>
+          <a:xfrm>
+            <a:off x="720000" y="445025"/>
+            <a:ext cx="7704000" cy="495000"/>
+          </a:xfrm>
+          <a:prstGeom prst="rect">
+            <a:avLst/>
+          </a:prstGeom>
+        </p:spPr>
+        <p:style>
+          <a:lnRef idx="2">
+            <a:schemeClr val="accent2"/>
+          </a:lnRef>
+          <a:fillRef idx="1">
+            <a:schemeClr val="lt1"/>
+          </a:fillRef>
+          <a:effectRef idx="0">
+            <a:schemeClr val="accent2"/>
+          </a:effectRef>
+          <a:fontRef idx="minor">
+            <a:schemeClr val="dk1"/>
+          </a:fontRef>
+        </p:style>
+        <p:txBody>
+          <a:bodyPr spcFirstLastPara="1" wrap="square" lIns="91425" tIns="91425" rIns="91425" bIns="91425" anchor="ctr" anchorCtr="0">
+            <a:noAutofit/>
+          </a:bodyPr>
+          <a:lstStyle/>
+          <a:p>
+            <a:pPr marL="0" lvl="0" indent="0" algn="ctr" rtl="0">
+              <a:spcBef>
+                <a:spcPts val="0"/>
+              </a:spcBef>
+              <a:spcAft>
+                <a:spcPts val="0"/>
+              </a:spcAft>
+              <a:buNone/>
+            </a:pPr>
+            <a:r>
+              <a:rPr lang="en-US" altLang="ko-KR" sz="3500" dirty="0">
+                <a:latin typeface="맑은 고딕" panose="020B0503020000020004" pitchFamily="50" charset="-127"/>
+                <a:ea typeface="맑은 고딕" panose="020B0503020000020004" pitchFamily="50" charset="-127"/>
+              </a:rPr>
+              <a:t>04. </a:t>
+            </a:r>
+            <a:r>
+              <a:rPr lang="ko-KR" altLang="en-US" sz="3500" dirty="0">
+                <a:latin typeface="맑은 고딕" panose="020B0503020000020004" pitchFamily="50" charset="-127"/>
+                <a:ea typeface="맑은 고딕" panose="020B0503020000020004" pitchFamily="50" charset="-127"/>
+              </a:rPr>
+              <a:t>중점 연구 </a:t>
+            </a:r>
+            <a:r>
+              <a:rPr lang="en-US" altLang="ko-KR" sz="3500" dirty="0">
+                <a:latin typeface="맑은 고딕" panose="020B0503020000020004" pitchFamily="50" charset="-127"/>
+                <a:ea typeface="맑은 고딕" panose="020B0503020000020004" pitchFamily="50" charset="-127"/>
+              </a:rPr>
+              <a:t>– </a:t>
+            </a:r>
+            <a:r>
+              <a:rPr lang="ko-KR" altLang="en-US" sz="3500" dirty="0">
+                <a:latin typeface="맑은 고딕" panose="020B0503020000020004" pitchFamily="50" charset="-127"/>
+                <a:ea typeface="맑은 고딕" panose="020B0503020000020004" pitchFamily="50" charset="-127"/>
+              </a:rPr>
+              <a:t>서버</a:t>
+            </a:r>
+            <a:endParaRPr sz="3500" dirty="0">
+              <a:latin typeface="맑은 고딕" panose="020B0503020000020004" pitchFamily="50" charset="-127"/>
+              <a:ea typeface="맑은 고딕" panose="020B0503020000020004" pitchFamily="50" charset="-127"/>
+            </a:endParaRPr>
+          </a:p>
+        </p:txBody>
+      </p:sp>
+      <p:sp>
+        <p:nvSpPr>
+          <p:cNvPr id="10" name="Google Shape;511;p32">
+            <a:extLst>
+              <a:ext uri="{FF2B5EF4-FFF2-40B4-BE49-F238E27FC236}">
+                <a16:creationId xmlns:a16="http://schemas.microsoft.com/office/drawing/2014/main" id="{6BBD31FC-82D4-DCB8-7615-8839CE949E6A}"/>
+              </a:ext>
+            </a:extLst>
+          </p:cNvPr>
+          <p:cNvSpPr/>
+          <p:nvPr/>
+        </p:nvSpPr>
+        <p:spPr>
+          <a:xfrm flipH="1">
+            <a:off x="4572000" y="127106"/>
+            <a:ext cx="4581656" cy="240222"/>
+          </a:xfrm>
+          <a:custGeom>
+            <a:avLst/>
+            <a:gdLst/>
+            <a:ahLst/>
+            <a:cxnLst/>
+            <a:rect l="l" t="t" r="r" b="b"/>
+            <a:pathLst>
+              <a:path w="139962" h="8561" extrusionOk="0">
+                <a:moveTo>
+                  <a:pt x="0" y="0"/>
+                </a:moveTo>
+                <a:lnTo>
+                  <a:pt x="0" y="8560"/>
+                </a:lnTo>
+                <a:cubicBezTo>
+                  <a:pt x="0" y="8560"/>
+                  <a:pt x="138215" y="6307"/>
+                  <a:pt x="139088" y="3154"/>
+                </a:cubicBezTo>
+                <a:cubicBezTo>
+                  <a:pt x="139962" y="0"/>
+                  <a:pt x="0" y="0"/>
+                  <a:pt x="0" y="0"/>
+                </a:cubicBezTo>
+                <a:close/>
+              </a:path>
+            </a:pathLst>
+          </a:custGeom>
+          <a:solidFill>
+            <a:schemeClr val="accent4"/>
+          </a:solidFill>
+          <a:ln>
+            <a:noFill/>
+          </a:ln>
+        </p:spPr>
+        <p:txBody>
+          <a:bodyPr spcFirstLastPara="1" wrap="square" lIns="91425" tIns="91425" rIns="91425" bIns="91425" anchor="ctr" anchorCtr="0">
+            <a:noAutofit/>
+          </a:bodyPr>
+          <a:lstStyle/>
+          <a:p>
+            <a:pPr marL="0" lvl="0" indent="0" algn="l" rtl="0">
+              <a:spcBef>
+                <a:spcPts val="0"/>
+              </a:spcBef>
+              <a:spcAft>
+                <a:spcPts val="0"/>
+              </a:spcAft>
+              <a:buNone/>
+            </a:pPr>
+            <a:endParaRPr>
+              <a:latin typeface="Malgun Gothic" panose="020B0503020000020004" pitchFamily="34" charset="-127"/>
+              <a:ea typeface="Malgun Gothic" panose="020B0503020000020004" pitchFamily="34" charset="-127"/>
+            </a:endParaRPr>
+          </a:p>
+        </p:txBody>
+      </p:sp>
+      <p:sp>
+        <p:nvSpPr>
+          <p:cNvPr id="11" name="Google Shape;512;p32">
+            <a:extLst>
+              <a:ext uri="{FF2B5EF4-FFF2-40B4-BE49-F238E27FC236}">
+                <a16:creationId xmlns:a16="http://schemas.microsoft.com/office/drawing/2014/main" id="{95F41CDD-3B98-52CA-13FD-29AC9E3DF5D7}"/>
+              </a:ext>
+            </a:extLst>
+          </p:cNvPr>
+          <p:cNvSpPr/>
+          <p:nvPr/>
+        </p:nvSpPr>
+        <p:spPr>
+          <a:xfrm>
+            <a:off x="1218379" y="1671596"/>
+            <a:ext cx="6625730" cy="2816569"/>
+          </a:xfrm>
+          <a:prstGeom prst="rect">
+            <a:avLst/>
+          </a:prstGeom>
+          <a:solidFill>
+            <a:schemeClr val="bg2"/>
+          </a:solidFill>
+          <a:ln/>
+        </p:spPr>
+        <p:style>
+          <a:lnRef idx="2">
+            <a:schemeClr val="dk1"/>
+          </a:lnRef>
+          <a:fillRef idx="1">
+            <a:schemeClr val="lt1"/>
+          </a:fillRef>
+          <a:effectRef idx="0">
+            <a:schemeClr val="dk1"/>
+          </a:effectRef>
+          <a:fontRef idx="minor">
+            <a:schemeClr val="dk1"/>
+          </a:fontRef>
+        </p:style>
+        <p:txBody>
+          <a:bodyPr spcFirstLastPara="1" wrap="square" lIns="91425" tIns="91425" rIns="91425" bIns="91425" anchor="ctr" anchorCtr="0">
+            <a:noAutofit/>
+          </a:bodyPr>
+          <a:lstStyle/>
+          <a:p>
+            <a:pPr marL="0" lvl="0" indent="0" algn="l" rtl="0">
+              <a:spcBef>
+                <a:spcPts val="0"/>
+              </a:spcBef>
+              <a:spcAft>
+                <a:spcPts val="0"/>
+              </a:spcAft>
+              <a:buNone/>
+            </a:pPr>
+            <a:r>
+              <a:rPr lang="ko-KR" altLang="en-US" sz="1800" dirty="0">
+                <a:solidFill>
+                  <a:schemeClr val="accent3"/>
+                </a:solidFill>
+                <a:latin typeface="맑은 고딕" panose="020B0503020000020004" pitchFamily="50" charset="-127"/>
+                <a:ea typeface="맑은 고딕" panose="020B0503020000020004" pitchFamily="50" charset="-127"/>
+              </a:rPr>
+              <a:t> 서버에서 플레이어의 모든 자원</a:t>
+            </a:r>
+            <a:r>
+              <a:rPr lang="en-US" altLang="ko-KR" sz="1800" dirty="0">
+                <a:solidFill>
+                  <a:schemeClr val="accent3"/>
+                </a:solidFill>
+                <a:latin typeface="맑은 고딕" panose="020B0503020000020004" pitchFamily="50" charset="-127"/>
+                <a:ea typeface="맑은 고딕" panose="020B0503020000020004" pitchFamily="50" charset="-127"/>
+              </a:rPr>
+              <a:t>, </a:t>
+            </a:r>
+            <a:r>
+              <a:rPr lang="ko-KR" altLang="en-US" sz="1800" dirty="0">
+                <a:solidFill>
+                  <a:schemeClr val="accent3"/>
+                </a:solidFill>
+                <a:latin typeface="맑은 고딕" panose="020B0503020000020004" pitchFamily="50" charset="-127"/>
+                <a:ea typeface="맑은 고딕" panose="020B0503020000020004" pitchFamily="50" charset="-127"/>
+              </a:rPr>
+              <a:t>정책</a:t>
+            </a:r>
+            <a:r>
+              <a:rPr lang="en-US" altLang="ko-KR" sz="1800" dirty="0">
+                <a:solidFill>
+                  <a:schemeClr val="accent3"/>
+                </a:solidFill>
+                <a:latin typeface="맑은 고딕" panose="020B0503020000020004" pitchFamily="50" charset="-127"/>
+                <a:ea typeface="맑은 고딕" panose="020B0503020000020004" pitchFamily="50" charset="-127"/>
+              </a:rPr>
+              <a:t>, </a:t>
+            </a:r>
+            <a:r>
+              <a:rPr lang="ko-KR" altLang="en-US" sz="1800" dirty="0">
+                <a:solidFill>
+                  <a:schemeClr val="accent3"/>
+                </a:solidFill>
+                <a:latin typeface="맑은 고딕" panose="020B0503020000020004" pitchFamily="50" charset="-127"/>
+                <a:ea typeface="맑은 고딕" panose="020B0503020000020004" pitchFamily="50" charset="-127"/>
+              </a:rPr>
+              <a:t>행복도</a:t>
+            </a:r>
+            <a:r>
+              <a:rPr lang="en-US" altLang="ko-KR" sz="1800" dirty="0">
+                <a:solidFill>
+                  <a:schemeClr val="accent3"/>
+                </a:solidFill>
+                <a:latin typeface="맑은 고딕" panose="020B0503020000020004" pitchFamily="50" charset="-127"/>
+                <a:ea typeface="맑은 고딕" panose="020B0503020000020004" pitchFamily="50" charset="-127"/>
+              </a:rPr>
+              <a:t>, NPC</a:t>
+            </a:r>
+            <a:r>
+              <a:rPr lang="ko-KR" altLang="en-US" sz="1800" dirty="0">
+                <a:solidFill>
+                  <a:schemeClr val="accent3"/>
+                </a:solidFill>
+                <a:latin typeface="맑은 고딕" panose="020B0503020000020004" pitchFamily="50" charset="-127"/>
+                <a:ea typeface="맑은 고딕" panose="020B0503020000020004" pitchFamily="50" charset="-127"/>
+              </a:rPr>
+              <a:t> 등을 관리할 계획</a:t>
+            </a:r>
+            <a:r>
+              <a:rPr lang="en-US" altLang="ko-KR" sz="1800" dirty="0">
+                <a:solidFill>
+                  <a:schemeClr val="accent3"/>
+                </a:solidFill>
+                <a:latin typeface="맑은 고딕" panose="020B0503020000020004" pitchFamily="50" charset="-127"/>
+                <a:ea typeface="맑은 고딕" panose="020B0503020000020004" pitchFamily="50" charset="-127"/>
+              </a:rPr>
+              <a:t>.</a:t>
+            </a:r>
+          </a:p>
+          <a:p>
+            <a:pPr marL="0" lvl="0" indent="0" algn="l" rtl="0">
+              <a:spcBef>
+                <a:spcPts val="0"/>
+              </a:spcBef>
+              <a:spcAft>
+                <a:spcPts val="0"/>
+              </a:spcAft>
+              <a:buNone/>
+            </a:pPr>
+            <a:r>
+              <a:rPr lang="ko-KR" altLang="en-US" sz="1800">
+                <a:solidFill>
+                  <a:schemeClr val="accent3"/>
+                </a:solidFill>
+                <a:latin typeface="맑은 고딕" panose="020B0503020000020004" pitchFamily="50" charset="-127"/>
+                <a:ea typeface="맑은 고딕" panose="020B0503020000020004" pitchFamily="50" charset="-127"/>
+              </a:rPr>
+              <a:t>게임 </a:t>
+            </a:r>
+            <a:r>
+              <a:rPr lang="ko-KR" altLang="en-US" sz="1800" dirty="0">
+                <a:solidFill>
+                  <a:schemeClr val="accent3"/>
+                </a:solidFill>
+                <a:latin typeface="맑은 고딕" panose="020B0503020000020004" pitchFamily="50" charset="-127"/>
+                <a:ea typeface="맑은 고딕" panose="020B0503020000020004" pitchFamily="50" charset="-127"/>
+              </a:rPr>
+              <a:t>내에 있는 </a:t>
+            </a:r>
+            <a:r>
+              <a:rPr lang="en-US" altLang="ko-KR" sz="1800" dirty="0">
+                <a:solidFill>
+                  <a:schemeClr val="accent3"/>
+                </a:solidFill>
+                <a:latin typeface="맑은 고딕" panose="020B0503020000020004" pitchFamily="50" charset="-127"/>
+                <a:ea typeface="맑은 고딕" panose="020B0503020000020004" pitchFamily="50" charset="-127"/>
+              </a:rPr>
+              <a:t>NPC</a:t>
+            </a:r>
+            <a:r>
+              <a:rPr lang="ko-KR" altLang="en-US" sz="1800" dirty="0">
+                <a:solidFill>
+                  <a:schemeClr val="accent3"/>
+                </a:solidFill>
+                <a:latin typeface="맑은 고딕" panose="020B0503020000020004" pitchFamily="50" charset="-127"/>
+                <a:ea typeface="맑은 고딕" panose="020B0503020000020004" pitchFamily="50" charset="-127"/>
+              </a:rPr>
+              <a:t>들의 행동 </a:t>
+            </a:r>
+            <a:r>
+              <a:rPr lang="en-US" altLang="ko-KR" sz="1800" dirty="0">
+                <a:solidFill>
+                  <a:schemeClr val="accent3"/>
+                </a:solidFill>
+                <a:latin typeface="맑은 고딕" panose="020B0503020000020004" pitchFamily="50" charset="-127"/>
+                <a:ea typeface="맑은 고딕" panose="020B0503020000020004" pitchFamily="50" charset="-127"/>
+              </a:rPr>
+              <a:t>AI(</a:t>
+            </a:r>
+            <a:r>
+              <a:rPr lang="ko-KR" altLang="en-US" sz="1800" dirty="0">
+                <a:solidFill>
+                  <a:schemeClr val="accent3"/>
+                </a:solidFill>
+                <a:latin typeface="맑은 고딕" panose="020B0503020000020004" pitchFamily="50" charset="-127"/>
+                <a:ea typeface="맑은 고딕" panose="020B0503020000020004" pitchFamily="50" charset="-127"/>
+              </a:rPr>
+              <a:t>자원 채취</a:t>
+            </a:r>
+            <a:r>
+              <a:rPr lang="en-US" altLang="ko-KR" sz="1800" dirty="0">
+                <a:solidFill>
+                  <a:schemeClr val="accent3"/>
+                </a:solidFill>
+                <a:latin typeface="맑은 고딕" panose="020B0503020000020004" pitchFamily="50" charset="-127"/>
+                <a:ea typeface="맑은 고딕" panose="020B0503020000020004" pitchFamily="50" charset="-127"/>
+              </a:rPr>
+              <a:t>, </a:t>
+            </a:r>
+            <a:r>
+              <a:rPr lang="ko-KR" altLang="en-US" sz="1800" dirty="0">
+                <a:solidFill>
+                  <a:schemeClr val="accent3"/>
+                </a:solidFill>
+                <a:latin typeface="맑은 고딕" panose="020B0503020000020004" pitchFamily="50" charset="-127"/>
+                <a:ea typeface="맑은 고딕" panose="020B0503020000020004" pitchFamily="50" charset="-127"/>
+              </a:rPr>
+              <a:t>이동</a:t>
+            </a:r>
+            <a:r>
+              <a:rPr lang="en-US" altLang="ko-KR" sz="1800" dirty="0">
+                <a:solidFill>
+                  <a:schemeClr val="accent3"/>
+                </a:solidFill>
+                <a:latin typeface="맑은 고딕" panose="020B0503020000020004" pitchFamily="50" charset="-127"/>
+                <a:ea typeface="맑은 고딕" panose="020B0503020000020004" pitchFamily="50" charset="-127"/>
+              </a:rPr>
+              <a:t>, </a:t>
+            </a:r>
+            <a:r>
+              <a:rPr lang="ko-KR" altLang="en-US" sz="1800" dirty="0">
+                <a:solidFill>
+                  <a:schemeClr val="accent3"/>
+                </a:solidFill>
+                <a:latin typeface="맑은 고딕" panose="020B0503020000020004" pitchFamily="50" charset="-127"/>
+                <a:ea typeface="맑은 고딕" panose="020B0503020000020004" pitchFamily="50" charset="-127"/>
+              </a:rPr>
+              <a:t>약탈</a:t>
+            </a:r>
+            <a:r>
+              <a:rPr lang="en-US" altLang="ko-KR" sz="1800" dirty="0">
+                <a:solidFill>
+                  <a:schemeClr val="accent3"/>
+                </a:solidFill>
+                <a:latin typeface="맑은 고딕" panose="020B0503020000020004" pitchFamily="50" charset="-127"/>
+                <a:ea typeface="맑은 고딕" panose="020B0503020000020004" pitchFamily="50" charset="-127"/>
+              </a:rPr>
+              <a:t>, </a:t>
+            </a:r>
+            <a:r>
+              <a:rPr lang="ko-KR" altLang="en-US" sz="1800" dirty="0">
+                <a:solidFill>
+                  <a:schemeClr val="accent3"/>
+                </a:solidFill>
+                <a:latin typeface="맑은 고딕" panose="020B0503020000020004" pitchFamily="50" charset="-127"/>
+                <a:ea typeface="맑은 고딕" panose="020B0503020000020004" pitchFamily="50" charset="-127"/>
+              </a:rPr>
+              <a:t>방어</a:t>
+            </a:r>
+            <a:r>
+              <a:rPr lang="en-US" altLang="ko-KR" sz="1800" dirty="0">
+                <a:solidFill>
+                  <a:schemeClr val="accent3"/>
+                </a:solidFill>
+                <a:latin typeface="맑은 고딕" panose="020B0503020000020004" pitchFamily="50" charset="-127"/>
+                <a:ea typeface="맑은 고딕" panose="020B0503020000020004" pitchFamily="50" charset="-127"/>
+              </a:rPr>
+              <a:t> </a:t>
+            </a:r>
+            <a:r>
+              <a:rPr lang="ko-KR" altLang="en-US" sz="1800" dirty="0">
+                <a:solidFill>
+                  <a:schemeClr val="accent3"/>
+                </a:solidFill>
+                <a:latin typeface="맑은 고딕" panose="020B0503020000020004" pitchFamily="50" charset="-127"/>
+                <a:ea typeface="맑은 고딕" panose="020B0503020000020004" pitchFamily="50" charset="-127"/>
+              </a:rPr>
+              <a:t>등</a:t>
+            </a:r>
+            <a:r>
+              <a:rPr lang="en-US" altLang="ko-KR" sz="1800" dirty="0">
+                <a:solidFill>
+                  <a:schemeClr val="accent3"/>
+                </a:solidFill>
+                <a:latin typeface="맑은 고딕" panose="020B0503020000020004" pitchFamily="50" charset="-127"/>
+                <a:ea typeface="맑은 고딕" panose="020B0503020000020004" pitchFamily="50" charset="-127"/>
+              </a:rPr>
+              <a:t>)</a:t>
+            </a:r>
+            <a:r>
+              <a:rPr lang="ko-KR" altLang="en-US" sz="1800" dirty="0">
+                <a:solidFill>
+                  <a:schemeClr val="accent3"/>
+                </a:solidFill>
+                <a:latin typeface="맑은 고딕" panose="020B0503020000020004" pitchFamily="50" charset="-127"/>
+                <a:ea typeface="맑은 고딕" panose="020B0503020000020004" pitchFamily="50" charset="-127"/>
+              </a:rPr>
+              <a:t>를 서버에서 관리하는 시스템을 구현할 계획</a:t>
+            </a:r>
+            <a:endParaRPr sz="1800" dirty="0">
+              <a:solidFill>
+                <a:schemeClr val="accent3"/>
+              </a:solidFill>
+              <a:latin typeface="맑은 고딕" panose="020B0503020000020004" pitchFamily="50" charset="-127"/>
+              <a:ea typeface="맑은 고딕" panose="020B0503020000020004" pitchFamily="50" charset="-127"/>
+            </a:endParaRPr>
+          </a:p>
+        </p:txBody>
+      </p:sp>
+      <p:sp>
+        <p:nvSpPr>
+          <p:cNvPr id="13" name="Google Shape;514;p32">
+            <a:extLst>
+              <a:ext uri="{FF2B5EF4-FFF2-40B4-BE49-F238E27FC236}">
+                <a16:creationId xmlns:a16="http://schemas.microsoft.com/office/drawing/2014/main" id="{EA94CF90-E160-3A33-9DD6-4DF6132BB48F}"/>
+              </a:ext>
+            </a:extLst>
+          </p:cNvPr>
+          <p:cNvSpPr txBox="1">
+            <a:spLocks/>
+          </p:cNvSpPr>
+          <p:nvPr/>
+        </p:nvSpPr>
+        <p:spPr>
+          <a:xfrm>
+            <a:off x="445826" y="1957344"/>
+            <a:ext cx="3913811" cy="2245075"/>
+          </a:xfrm>
+          <a:prstGeom prst="rect">
+            <a:avLst/>
+          </a:prstGeom>
+        </p:spPr>
+        <p:txBody>
+          <a:bodyPr spcFirstLastPara="1" wrap="square" lIns="91425" tIns="91425" rIns="91425" bIns="91425" anchor="ctr" anchorCtr="0">
+            <a:noAutofit/>
+          </a:bodyPr>
+          <a:lstStyle>
+            <a:defPPr marR="0" lvl="0" algn="l" rtl="0">
+              <a:lnSpc>
+                <a:spcPct val="100000"/>
+              </a:lnSpc>
+              <a:spcBef>
+                <a:spcPts val="0"/>
+              </a:spcBef>
+              <a:spcAft>
+                <a:spcPts val="0"/>
+              </a:spcAft>
+            </a:defPPr>
+            <a:lvl1pPr marR="0" lvl="0" algn="l" rtl="0">
+              <a:lnSpc>
+                <a:spcPct val="100000"/>
+              </a:lnSpc>
+              <a:spcBef>
+                <a:spcPts val="0"/>
+              </a:spcBef>
+              <a:spcAft>
+                <a:spcPts val="0"/>
+              </a:spcAft>
+              <a:buClr>
+                <a:srgbClr val="000000"/>
+              </a:buClr>
+              <a:buFont typeface="Arial"/>
+              <a:defRPr sz="1400" b="0" i="0" u="none" strike="noStrike" cap="none">
+                <a:solidFill>
+                  <a:srgbClr val="000000"/>
+                </a:solidFill>
+                <a:latin typeface="Arial"/>
+                <a:ea typeface="Arial"/>
+                <a:cs typeface="Arial"/>
+                <a:sym typeface="Arial"/>
+              </a:defRPr>
+            </a:lvl1pPr>
+            <a:lvl2pPr marR="0" lvl="1" algn="l" rtl="0">
+              <a:lnSpc>
+                <a:spcPct val="100000"/>
+              </a:lnSpc>
+              <a:spcBef>
+                <a:spcPts val="0"/>
+              </a:spcBef>
+              <a:spcAft>
+                <a:spcPts val="0"/>
+              </a:spcAft>
+              <a:buClr>
+                <a:srgbClr val="000000"/>
+              </a:buClr>
+              <a:buFont typeface="Arial"/>
+              <a:defRPr sz="1400" b="0" i="0" u="none" strike="noStrike" cap="none">
+                <a:solidFill>
+                  <a:srgbClr val="000000"/>
+                </a:solidFill>
+                <a:latin typeface="Arial"/>
+                <a:ea typeface="Arial"/>
+                <a:cs typeface="Arial"/>
+                <a:sym typeface="Arial"/>
+              </a:defRPr>
+            </a:lvl2pPr>
+            <a:lvl3pPr marR="0" lvl="2" algn="l" rtl="0">
+              <a:lnSpc>
+                <a:spcPct val="100000"/>
+              </a:lnSpc>
+              <a:spcBef>
+                <a:spcPts val="0"/>
+              </a:spcBef>
+              <a:spcAft>
+                <a:spcPts val="0"/>
+              </a:spcAft>
+              <a:buClr>
+                <a:srgbClr val="000000"/>
+              </a:buClr>
+              <a:buFont typeface="Arial"/>
+              <a:defRPr sz="1400" b="0" i="0" u="none" strike="noStrike" cap="none">
+                <a:solidFill>
+                  <a:srgbClr val="000000"/>
+                </a:solidFill>
+                <a:latin typeface="Arial"/>
+                <a:ea typeface="Arial"/>
+                <a:cs typeface="Arial"/>
+                <a:sym typeface="Arial"/>
+              </a:defRPr>
+            </a:lvl3pPr>
+            <a:lvl4pPr marR="0" lvl="3" algn="l" rtl="0">
+              <a:lnSpc>
+                <a:spcPct val="100000"/>
+              </a:lnSpc>
+              <a:spcBef>
+                <a:spcPts val="0"/>
+              </a:spcBef>
+              <a:spcAft>
+                <a:spcPts val="0"/>
+              </a:spcAft>
+              <a:buClr>
+                <a:srgbClr val="000000"/>
+              </a:buClr>
+              <a:buFont typeface="Arial"/>
+              <a:defRPr sz="1400" b="0" i="0" u="none" strike="noStrike" cap="none">
+                <a:solidFill>
+                  <a:srgbClr val="000000"/>
+                </a:solidFill>
+                <a:latin typeface="Arial"/>
+                <a:ea typeface="Arial"/>
+                <a:cs typeface="Arial"/>
+                <a:sym typeface="Arial"/>
+              </a:defRPr>
+            </a:lvl4pPr>
+            <a:lvl5pPr marR="0" lvl="4" algn="l" rtl="0">
+              <a:lnSpc>
+                <a:spcPct val="100000"/>
+              </a:lnSpc>
+              <a:spcBef>
+                <a:spcPts val="0"/>
+              </a:spcBef>
+              <a:spcAft>
+                <a:spcPts val="0"/>
+              </a:spcAft>
+              <a:buClr>
+                <a:srgbClr val="000000"/>
+              </a:buClr>
+              <a:buFont typeface="Arial"/>
+              <a:defRPr sz="1400" b="0" i="0" u="none" strike="noStrike" cap="none">
+                <a:solidFill>
+                  <a:srgbClr val="000000"/>
+                </a:solidFill>
+                <a:latin typeface="Arial"/>
+                <a:ea typeface="Arial"/>
+                <a:cs typeface="Arial"/>
+                <a:sym typeface="Arial"/>
+              </a:defRPr>
+            </a:lvl5pPr>
+            <a:lvl6pPr marR="0" lvl="5" algn="l" rtl="0">
+              <a:lnSpc>
+                <a:spcPct val="100000"/>
+              </a:lnSpc>
+              <a:spcBef>
+                <a:spcPts val="0"/>
+              </a:spcBef>
+              <a:spcAft>
+                <a:spcPts val="0"/>
+              </a:spcAft>
+              <a:buClr>
+                <a:srgbClr val="000000"/>
+              </a:buClr>
+              <a:buFont typeface="Arial"/>
+              <a:defRPr sz="1400" b="0" i="0" u="none" strike="noStrike" cap="none">
+                <a:solidFill>
+                  <a:srgbClr val="000000"/>
+                </a:solidFill>
+                <a:latin typeface="Arial"/>
+                <a:ea typeface="Arial"/>
+                <a:cs typeface="Arial"/>
+                <a:sym typeface="Arial"/>
+              </a:defRPr>
+            </a:lvl6pPr>
+            <a:lvl7pPr marR="0" lvl="6" algn="l" rtl="0">
+              <a:lnSpc>
+                <a:spcPct val="100000"/>
+              </a:lnSpc>
+              <a:spcBef>
+                <a:spcPts val="0"/>
+              </a:spcBef>
+              <a:spcAft>
+                <a:spcPts val="0"/>
+              </a:spcAft>
+              <a:buClr>
+                <a:srgbClr val="000000"/>
+              </a:buClr>
+              <a:buFont typeface="Arial"/>
+              <a:defRPr sz="1400" b="0" i="0" u="none" strike="noStrike" cap="none">
+                <a:solidFill>
+                  <a:srgbClr val="000000"/>
+                </a:solidFill>
+                <a:latin typeface="Arial"/>
+                <a:ea typeface="Arial"/>
+                <a:cs typeface="Arial"/>
+                <a:sym typeface="Arial"/>
+              </a:defRPr>
+            </a:lvl7pPr>
+            <a:lvl8pPr marR="0" lvl="7" algn="l" rtl="0">
+              <a:lnSpc>
+                <a:spcPct val="100000"/>
+              </a:lnSpc>
+              <a:spcBef>
+                <a:spcPts val="0"/>
+              </a:spcBef>
+              <a:spcAft>
+                <a:spcPts val="0"/>
+              </a:spcAft>
+              <a:buClr>
+                <a:srgbClr val="000000"/>
+              </a:buClr>
+              <a:buFont typeface="Arial"/>
+              <a:defRPr sz="1400" b="0" i="0" u="none" strike="noStrike" cap="none">
+                <a:solidFill>
+                  <a:srgbClr val="000000"/>
+                </a:solidFill>
+                <a:latin typeface="Arial"/>
+                <a:ea typeface="Arial"/>
+                <a:cs typeface="Arial"/>
+                <a:sym typeface="Arial"/>
+              </a:defRPr>
+            </a:lvl8pPr>
+            <a:lvl9pPr marR="0" lvl="8" algn="l" rtl="0">
+              <a:lnSpc>
+                <a:spcPct val="100000"/>
+              </a:lnSpc>
+              <a:spcBef>
+                <a:spcPts val="0"/>
+              </a:spcBef>
+              <a:spcAft>
+                <a:spcPts val="0"/>
+              </a:spcAft>
+              <a:buClr>
+                <a:srgbClr val="000000"/>
+              </a:buClr>
+              <a:buFont typeface="Arial"/>
+              <a:defRPr sz="1400" b="0" i="0" u="none" strike="noStrike" cap="none">
+                <a:solidFill>
+                  <a:srgbClr val="000000"/>
+                </a:solidFill>
+                <a:latin typeface="Arial"/>
+                <a:ea typeface="Arial"/>
+                <a:cs typeface="Arial"/>
+                <a:sym typeface="Arial"/>
+              </a:defRPr>
+            </a:lvl9pPr>
+          </a:lstStyle>
+          <a:p>
+            <a:pPr algn="l" rtl="0">
+              <a:spcBef>
+                <a:spcPts val="0"/>
+              </a:spcBef>
+              <a:spcAft>
+                <a:spcPts val="1200"/>
+              </a:spcAft>
+            </a:pPr>
+            <a:endParaRPr lang="en-US" altLang="ko-KR" sz="1600" u="none" strike="noStrike" dirty="0">
+              <a:solidFill>
+                <a:schemeClr val="accent3"/>
+              </a:solidFill>
+              <a:effectLst/>
+              <a:latin typeface="맑은 고딕" panose="020B0503020000020004" pitchFamily="50" charset="-127"/>
+              <a:ea typeface="맑은 고딕" panose="020B0503020000020004" pitchFamily="50" charset="-127"/>
+            </a:endParaRPr>
+          </a:p>
+        </p:txBody>
+      </p:sp>
+      <p:sp>
+        <p:nvSpPr>
+          <p:cNvPr id="14" name="Google Shape;515;p32">
+            <a:extLst>
+              <a:ext uri="{FF2B5EF4-FFF2-40B4-BE49-F238E27FC236}">
+                <a16:creationId xmlns:a16="http://schemas.microsoft.com/office/drawing/2014/main" id="{3B8C6626-A165-A1CD-0E01-6ACE26CAED82}"/>
+              </a:ext>
+            </a:extLst>
+          </p:cNvPr>
+          <p:cNvSpPr/>
+          <p:nvPr/>
+        </p:nvSpPr>
+        <p:spPr>
+          <a:xfrm>
+            <a:off x="8025294" y="445033"/>
+            <a:ext cx="807212" cy="807212"/>
+          </a:xfrm>
+          <a:custGeom>
+            <a:avLst/>
+            <a:gdLst/>
+            <a:ahLst/>
+            <a:cxnLst/>
+            <a:rect l="l" t="t" r="r" b="b"/>
+            <a:pathLst>
+              <a:path w="95106" h="95106" extrusionOk="0">
+                <a:moveTo>
+                  <a:pt x="47553" y="1"/>
+                </a:moveTo>
+                <a:cubicBezTo>
+                  <a:pt x="34941" y="1"/>
+                  <a:pt x="22846" y="5011"/>
+                  <a:pt x="13928" y="13929"/>
+                </a:cubicBezTo>
+                <a:cubicBezTo>
+                  <a:pt x="5009" y="22846"/>
+                  <a:pt x="1" y="34942"/>
+                  <a:pt x="1" y="47553"/>
+                </a:cubicBezTo>
+                <a:cubicBezTo>
+                  <a:pt x="1" y="60166"/>
+                  <a:pt x="5009" y="72261"/>
+                  <a:pt x="13928" y="81179"/>
+                </a:cubicBezTo>
+                <a:cubicBezTo>
+                  <a:pt x="22846" y="90097"/>
+                  <a:pt x="34941" y="95106"/>
+                  <a:pt x="47553" y="95106"/>
+                </a:cubicBezTo>
+                <a:cubicBezTo>
+                  <a:pt x="60164" y="95106"/>
+                  <a:pt x="72261" y="90097"/>
+                  <a:pt x="81178" y="81179"/>
+                </a:cubicBezTo>
+                <a:cubicBezTo>
+                  <a:pt x="90096" y="72261"/>
+                  <a:pt x="95106" y="60166"/>
+                  <a:pt x="95106" y="47553"/>
+                </a:cubicBezTo>
+                <a:cubicBezTo>
+                  <a:pt x="95106" y="34942"/>
+                  <a:pt x="90096" y="22846"/>
+                  <a:pt x="81178" y="13929"/>
+                </a:cubicBezTo>
+                <a:cubicBezTo>
+                  <a:pt x="72261" y="5011"/>
+                  <a:pt x="60164" y="1"/>
+                  <a:pt x="47553" y="1"/>
+                </a:cubicBezTo>
+                <a:close/>
+              </a:path>
+            </a:pathLst>
+          </a:custGeom>
+          <a:solidFill>
+            <a:srgbClr val="FFFFFF"/>
+          </a:solidFill>
+          <a:ln>
+            <a:noFill/>
+          </a:ln>
+        </p:spPr>
+        <p:txBody>
+          <a:bodyPr spcFirstLastPara="1" wrap="square" lIns="91425" tIns="91425" rIns="91425" bIns="91425" anchor="ctr" anchorCtr="0">
+            <a:noAutofit/>
+          </a:bodyPr>
+          <a:lstStyle/>
+          <a:p>
+            <a:pPr marL="0" lvl="0" indent="0" algn="l" rtl="0">
+              <a:spcBef>
+                <a:spcPts val="0"/>
+              </a:spcBef>
+              <a:spcAft>
+                <a:spcPts val="0"/>
+              </a:spcAft>
+              <a:buNone/>
+            </a:pPr>
+            <a:endParaRPr>
+              <a:solidFill>
+                <a:schemeClr val="accent3"/>
+              </a:solidFill>
+              <a:latin typeface="맑은 고딕" panose="020B0503020000020004" pitchFamily="50" charset="-127"/>
+              <a:ea typeface="맑은 고딕" panose="020B0503020000020004" pitchFamily="50" charset="-127"/>
+            </a:endParaRPr>
+          </a:p>
+        </p:txBody>
+      </p:sp>
+      <p:sp>
+        <p:nvSpPr>
+          <p:cNvPr id="15" name="Google Shape;516;p32">
+            <a:extLst>
+              <a:ext uri="{FF2B5EF4-FFF2-40B4-BE49-F238E27FC236}">
+                <a16:creationId xmlns:a16="http://schemas.microsoft.com/office/drawing/2014/main" id="{685B5934-825C-7487-AE61-E82CD97BAC19}"/>
+              </a:ext>
+            </a:extLst>
+          </p:cNvPr>
+          <p:cNvSpPr/>
+          <p:nvPr/>
+        </p:nvSpPr>
+        <p:spPr>
+          <a:xfrm>
+            <a:off x="7966089" y="1017722"/>
+            <a:ext cx="1030298" cy="110448"/>
+          </a:xfrm>
+          <a:custGeom>
+            <a:avLst/>
+            <a:gdLst/>
+            <a:ahLst/>
+            <a:cxnLst/>
+            <a:rect l="l" t="t" r="r" b="b"/>
+            <a:pathLst>
+              <a:path w="121390" h="13013" extrusionOk="0">
+                <a:moveTo>
+                  <a:pt x="91142" y="1"/>
+                </a:moveTo>
+                <a:cubicBezTo>
+                  <a:pt x="73615" y="1"/>
+                  <a:pt x="68808" y="2162"/>
+                  <a:pt x="75811" y="2761"/>
+                </a:cubicBezTo>
+                <a:cubicBezTo>
+                  <a:pt x="82812" y="3361"/>
+                  <a:pt x="95344" y="7055"/>
+                  <a:pt x="57186" y="7055"/>
+                </a:cubicBezTo>
+                <a:cubicBezTo>
+                  <a:pt x="41599" y="7055"/>
+                  <a:pt x="1" y="13013"/>
+                  <a:pt x="63716" y="13013"/>
+                </a:cubicBezTo>
+                <a:lnTo>
+                  <a:pt x="104134" y="13013"/>
+                </a:lnTo>
+                <a:cubicBezTo>
+                  <a:pt x="121390" y="13013"/>
+                  <a:pt x="112208" y="8027"/>
+                  <a:pt x="100347" y="8027"/>
+                </a:cubicBezTo>
+                <a:cubicBezTo>
+                  <a:pt x="94710" y="8027"/>
+                  <a:pt x="119564" y="1"/>
+                  <a:pt x="91142" y="1"/>
+                </a:cubicBezTo>
+                <a:close/>
+              </a:path>
+            </a:pathLst>
+          </a:custGeom>
+          <a:solidFill>
+            <a:schemeClr val="accent4"/>
+          </a:solidFill>
+          <a:ln>
+            <a:noFill/>
+          </a:ln>
+        </p:spPr>
+        <p:txBody>
+          <a:bodyPr spcFirstLastPara="1" wrap="square" lIns="91425" tIns="91425" rIns="91425" bIns="91425" anchor="ctr" anchorCtr="0">
+            <a:noAutofit/>
+          </a:bodyPr>
+          <a:lstStyle/>
+          <a:p>
+            <a:pPr marL="0" lvl="0" indent="0" algn="l" rtl="0">
+              <a:spcBef>
+                <a:spcPts val="0"/>
+              </a:spcBef>
+              <a:spcAft>
+                <a:spcPts val="0"/>
+              </a:spcAft>
+              <a:buNone/>
+            </a:pPr>
+            <a:endParaRPr>
+              <a:solidFill>
+                <a:schemeClr val="accent3"/>
+              </a:solidFill>
+              <a:latin typeface="맑은 고딕" panose="020B0503020000020004" pitchFamily="50" charset="-127"/>
+              <a:ea typeface="맑은 고딕" panose="020B0503020000020004" pitchFamily="50" charset="-127"/>
+            </a:endParaRPr>
+          </a:p>
+        </p:txBody>
+      </p:sp>
+      <p:sp>
+        <p:nvSpPr>
+          <p:cNvPr id="16" name="Google Shape;517;p32">
+            <a:extLst>
+              <a:ext uri="{FF2B5EF4-FFF2-40B4-BE49-F238E27FC236}">
+                <a16:creationId xmlns:a16="http://schemas.microsoft.com/office/drawing/2014/main" id="{85394488-E6E9-CEE3-6C2B-31588984FE4B}"/>
+              </a:ext>
+            </a:extLst>
+          </p:cNvPr>
+          <p:cNvSpPr/>
+          <p:nvPr/>
+        </p:nvSpPr>
+        <p:spPr>
+          <a:xfrm>
+            <a:off x="7844109" y="940013"/>
+            <a:ext cx="684890" cy="91512"/>
+          </a:xfrm>
+          <a:custGeom>
+            <a:avLst/>
+            <a:gdLst/>
+            <a:ahLst/>
+            <a:cxnLst/>
+            <a:rect l="l" t="t" r="r" b="b"/>
+            <a:pathLst>
+              <a:path w="80694" h="10782" extrusionOk="0">
+                <a:moveTo>
+                  <a:pt x="17112" y="0"/>
+                </a:moveTo>
+                <a:cubicBezTo>
+                  <a:pt x="1" y="0"/>
+                  <a:pt x="13695" y="10530"/>
+                  <a:pt x="13695" y="10530"/>
+                </a:cubicBezTo>
+                <a:cubicBezTo>
+                  <a:pt x="13695" y="10530"/>
+                  <a:pt x="28045" y="10782"/>
+                  <a:pt x="42988" y="10782"/>
+                </a:cubicBezTo>
+                <a:cubicBezTo>
+                  <a:pt x="61391" y="10782"/>
+                  <a:pt x="80694" y="10400"/>
+                  <a:pt x="75194" y="8697"/>
+                </a:cubicBezTo>
+                <a:cubicBezTo>
+                  <a:pt x="65231" y="5611"/>
+                  <a:pt x="30655" y="5219"/>
+                  <a:pt x="33435" y="4024"/>
+                </a:cubicBezTo>
+                <a:cubicBezTo>
+                  <a:pt x="36216" y="2831"/>
+                  <a:pt x="39834" y="981"/>
+                  <a:pt x="19350" y="54"/>
+                </a:cubicBezTo>
+                <a:cubicBezTo>
+                  <a:pt x="18552" y="18"/>
+                  <a:pt x="17806" y="0"/>
+                  <a:pt x="17112" y="0"/>
+                </a:cubicBezTo>
+                <a:close/>
+              </a:path>
+            </a:pathLst>
+          </a:custGeom>
+          <a:solidFill>
+            <a:schemeClr val="accent5"/>
+          </a:solidFill>
+          <a:ln>
+            <a:noFill/>
+          </a:ln>
+        </p:spPr>
+        <p:txBody>
+          <a:bodyPr spcFirstLastPara="1" wrap="square" lIns="91425" tIns="91425" rIns="91425" bIns="91425" anchor="ctr" anchorCtr="0">
+            <a:noAutofit/>
+          </a:bodyPr>
+          <a:lstStyle/>
+          <a:p>
+            <a:pPr marL="0" lvl="0" indent="0" algn="l" rtl="0">
+              <a:spcBef>
+                <a:spcPts val="0"/>
+              </a:spcBef>
+              <a:spcAft>
+                <a:spcPts val="0"/>
+              </a:spcAft>
+              <a:buNone/>
+            </a:pPr>
+            <a:endParaRPr>
+              <a:solidFill>
+                <a:schemeClr val="accent3"/>
+              </a:solidFill>
+              <a:latin typeface="맑은 고딕" panose="020B0503020000020004" pitchFamily="50" charset="-127"/>
+              <a:ea typeface="맑은 고딕" panose="020B0503020000020004" pitchFamily="50" charset="-127"/>
+            </a:endParaRPr>
+          </a:p>
+        </p:txBody>
+      </p:sp>
+    </p:spTree>
+    <p:extLst>
+      <p:ext uri="{BB962C8B-B14F-4D97-AF65-F5344CB8AC3E}">
+        <p14:creationId xmlns:p14="http://schemas.microsoft.com/office/powerpoint/2010/main" val="962153224"/>
+      </p:ext>
+    </p:extLst>
+  </p:cSld>
+  <p:clrMapOvr>
+    <a:masterClrMapping/>
+  </p:clrMapOvr>
+</p:sld>
+</file>
+
+<file path=ppt/slides/slide18.xml><?xml version="1.0" encoding="utf-8"?>
 <p:sld xmlns:a="http://schemas.openxmlformats.org/drawingml/2006/main" xmlns:r="http://schemas.openxmlformats.org/officeDocument/2006/relationships" xmlns:p="http://schemas.openxmlformats.org/presentationml/2006/main">
   <p:cSld>
     <p:bg>
@@ -29904,7 +32284,7 @@
 </p:sld>
 </file>
 
-<file path=ppt/slides/slide17.xml><?xml version="1.0" encoding="utf-8"?>
+<file path=ppt/slides/slide19.xml><?xml version="1.0" encoding="utf-8"?>
 <p:sld xmlns:a="http://schemas.openxmlformats.org/drawingml/2006/main" xmlns:r="http://schemas.openxmlformats.org/officeDocument/2006/relationships" xmlns:p="http://schemas.openxmlformats.org/presentationml/2006/main">
   <p:cSld>
     <p:spTree>
@@ -37102,7 +39482,667 @@
 </p:sld>
 </file>
 
-<file path=ppt/slides/slide18.xml><?xml version="1.0" encoding="utf-8"?>
+<file path=ppt/slides/slide2.xml><?xml version="1.0" encoding="utf-8"?>
+<p:sld xmlns:a="http://schemas.openxmlformats.org/drawingml/2006/main" xmlns:r="http://schemas.openxmlformats.org/officeDocument/2006/relationships" xmlns:p="http://schemas.openxmlformats.org/presentationml/2006/main">
+  <p:cSld>
+    <p:spTree>
+      <p:nvGrpSpPr>
+        <p:cNvPr id="1" name="Shape 384"/>
+        <p:cNvGrpSpPr/>
+        <p:nvPr/>
+      </p:nvGrpSpPr>
+      <p:grpSpPr>
+        <a:xfrm>
+          <a:off x="0" y="0"/>
+          <a:ext cx="0" cy="0"/>
+          <a:chOff x="0" y="0"/>
+          <a:chExt cx="0" cy="0"/>
+        </a:xfrm>
+      </p:grpSpPr>
+      <p:sp>
+        <p:nvSpPr>
+          <p:cNvPr id="385" name="Google Shape;385;p27"/>
+          <p:cNvSpPr/>
+          <p:nvPr/>
+        </p:nvSpPr>
+        <p:spPr>
+          <a:xfrm flipH="1">
+            <a:off x="4573045" y="232650"/>
+            <a:ext cx="4581656" cy="240222"/>
+          </a:xfrm>
+          <a:custGeom>
+            <a:avLst/>
+            <a:gdLst/>
+            <a:ahLst/>
+            <a:cxnLst/>
+            <a:rect l="l" t="t" r="r" b="b"/>
+            <a:pathLst>
+              <a:path w="139962" h="8561" extrusionOk="0">
+                <a:moveTo>
+                  <a:pt x="0" y="0"/>
+                </a:moveTo>
+                <a:lnTo>
+                  <a:pt x="0" y="8560"/>
+                </a:lnTo>
+                <a:cubicBezTo>
+                  <a:pt x="0" y="8560"/>
+                  <a:pt x="138215" y="6307"/>
+                  <a:pt x="139088" y="3154"/>
+                </a:cubicBezTo>
+                <a:cubicBezTo>
+                  <a:pt x="139962" y="0"/>
+                  <a:pt x="0" y="0"/>
+                  <a:pt x="0" y="0"/>
+                </a:cubicBezTo>
+                <a:close/>
+              </a:path>
+            </a:pathLst>
+          </a:custGeom>
+          <a:solidFill>
+            <a:schemeClr val="accent4"/>
+          </a:solidFill>
+          <a:ln>
+            <a:noFill/>
+          </a:ln>
+        </p:spPr>
+        <p:txBody>
+          <a:bodyPr spcFirstLastPara="1" wrap="square" lIns="91425" tIns="91425" rIns="91425" bIns="91425" anchor="ctr" anchorCtr="0">
+            <a:noAutofit/>
+          </a:bodyPr>
+          <a:lstStyle/>
+          <a:p>
+            <a:pPr marL="0" lvl="0" indent="0" algn="l" rtl="0">
+              <a:spcBef>
+                <a:spcPts val="0"/>
+              </a:spcBef>
+              <a:spcAft>
+                <a:spcPts val="0"/>
+              </a:spcAft>
+              <a:buNone/>
+            </a:pPr>
+            <a:endParaRPr>
+              <a:solidFill>
+                <a:schemeClr val="accent3"/>
+              </a:solidFill>
+              <a:latin typeface="Malgun Gothic" panose="020B0503020000020004" pitchFamily="34" charset="-127"/>
+              <a:ea typeface="Malgun Gothic" panose="020B0503020000020004" pitchFamily="34" charset="-127"/>
+            </a:endParaRPr>
+          </a:p>
+        </p:txBody>
+      </p:sp>
+      <p:sp>
+        <p:nvSpPr>
+          <p:cNvPr id="3" name="제목 2">
+            <a:extLst>
+              <a:ext uri="{FF2B5EF4-FFF2-40B4-BE49-F238E27FC236}">
+                <a16:creationId xmlns:a16="http://schemas.microsoft.com/office/drawing/2014/main" id="{F875B2AE-D179-4AB4-F2F0-9729ECCE1807}"/>
+              </a:ext>
+            </a:extLst>
+          </p:cNvPr>
+          <p:cNvSpPr>
+            <a:spLocks noGrp="1"/>
+          </p:cNvSpPr>
+          <p:nvPr>
+            <p:ph type="title"/>
+          </p:nvPr>
+        </p:nvSpPr>
+        <p:spPr/>
+        <p:txBody>
+          <a:bodyPr/>
+          <a:lstStyle/>
+          <a:p>
+            <a:r>
+              <a:rPr lang="en-US" altLang="en-US" dirty="0">
+                <a:latin typeface="Malgun Gothic" panose="020B0503020000020004" pitchFamily="34" charset="-127"/>
+                <a:ea typeface="Malgun Gothic" panose="020B0503020000020004" pitchFamily="34" charset="-127"/>
+              </a:rPr>
+              <a:t>SURVIL</a:t>
+            </a:r>
+            <a:endParaRPr lang="ko-Kore-KR" altLang="en-US" dirty="0">
+              <a:latin typeface="Malgun Gothic" panose="020B0503020000020004" pitchFamily="34" charset="-127"/>
+              <a:ea typeface="Malgun Gothic" panose="020B0503020000020004" pitchFamily="34" charset="-127"/>
+            </a:endParaRPr>
+          </a:p>
+        </p:txBody>
+      </p:sp>
+      <p:sp>
+        <p:nvSpPr>
+          <p:cNvPr id="387" name="Google Shape;387;p27"/>
+          <p:cNvSpPr txBox="1">
+            <a:spLocks noGrp="1"/>
+          </p:cNvSpPr>
+          <p:nvPr>
+            <p:ph type="body" idx="1"/>
+          </p:nvPr>
+        </p:nvSpPr>
+        <p:spPr>
+          <a:xfrm>
+            <a:off x="720000" y="1017725"/>
+            <a:ext cx="7708800" cy="3350700"/>
+          </a:xfrm>
+          <a:prstGeom prst="rect">
+            <a:avLst/>
+          </a:prstGeom>
+        </p:spPr>
+        <p:txBody>
+          <a:bodyPr spcFirstLastPara="1" wrap="square" lIns="91425" tIns="91425" rIns="91425" bIns="91425" anchor="t" anchorCtr="0">
+            <a:noAutofit/>
+          </a:bodyPr>
+          <a:lstStyle/>
+          <a:p>
+            <a:pPr algn="l" rtl="0">
+              <a:spcBef>
+                <a:spcPts val="0"/>
+              </a:spcBef>
+              <a:spcAft>
+                <a:spcPts val="1200"/>
+              </a:spcAft>
+            </a:pPr>
+            <a:r>
+              <a:rPr lang="en-US" altLang="ko-KR" sz="1600" u="none" strike="noStrike" dirty="0">
+                <a:effectLst/>
+                <a:latin typeface="Malgun Gothic" panose="020B0503020000020004" pitchFamily="34" charset="-127"/>
+                <a:ea typeface="Malgun Gothic" panose="020B0503020000020004" pitchFamily="34" charset="-127"/>
+              </a:rPr>
+              <a:t>3D </a:t>
+            </a:r>
+            <a:r>
+              <a:rPr lang="ko-KR" altLang="en-US" sz="1600" u="none" strike="noStrike" dirty="0">
+                <a:effectLst/>
+                <a:latin typeface="Malgun Gothic" panose="020B0503020000020004" pitchFamily="34" charset="-127"/>
+                <a:ea typeface="Malgun Gothic" panose="020B0503020000020004" pitchFamily="34" charset="-127"/>
+              </a:rPr>
+              <a:t>실시간 전략 시뮬레이션</a:t>
+            </a:r>
+            <a:endParaRPr lang="en-US" altLang="ko-KR" sz="1600" u="none" strike="noStrike" dirty="0">
+              <a:effectLst/>
+              <a:latin typeface="Malgun Gothic" panose="020B0503020000020004" pitchFamily="34" charset="-127"/>
+              <a:ea typeface="Malgun Gothic" panose="020B0503020000020004" pitchFamily="34" charset="-127"/>
+            </a:endParaRPr>
+          </a:p>
+          <a:p>
+            <a:pPr lvl="1">
+              <a:spcAft>
+                <a:spcPts val="1200"/>
+              </a:spcAft>
+            </a:pPr>
+            <a:r>
+              <a:rPr lang="ko-KR" altLang="en-US" sz="1600" dirty="0">
+                <a:latin typeface="Malgun Gothic" panose="020B0503020000020004" pitchFamily="34" charset="-127"/>
+                <a:ea typeface="Malgun Gothic" panose="020B0503020000020004" pitchFamily="34" charset="-127"/>
+              </a:rPr>
+              <a:t>마을 성장 시뮬레이션 </a:t>
+            </a:r>
+            <a:r>
+              <a:rPr lang="en-US" altLang="ko-KR" sz="1600" dirty="0">
+                <a:latin typeface="Malgun Gothic" panose="020B0503020000020004" pitchFamily="34" charset="-127"/>
+                <a:ea typeface="Malgun Gothic" panose="020B0503020000020004" pitchFamily="34" charset="-127"/>
+              </a:rPr>
+              <a:t>(</a:t>
+            </a:r>
+            <a:r>
+              <a:rPr lang="ko-KR" altLang="en-US" sz="1600" dirty="0">
+                <a:latin typeface="Malgun Gothic" panose="020B0503020000020004" pitchFamily="34" charset="-127"/>
+                <a:ea typeface="Malgun Gothic" panose="020B0503020000020004" pitchFamily="34" charset="-127"/>
+              </a:rPr>
+              <a:t>건물 짓기</a:t>
+            </a:r>
+            <a:r>
+              <a:rPr lang="en-US" altLang="ko-KR" sz="1600" dirty="0">
+                <a:latin typeface="Malgun Gothic" panose="020B0503020000020004" pitchFamily="34" charset="-127"/>
+                <a:ea typeface="Malgun Gothic" panose="020B0503020000020004" pitchFamily="34" charset="-127"/>
+              </a:rPr>
+              <a:t>/</a:t>
+            </a:r>
+            <a:r>
+              <a:rPr lang="ko-KR" altLang="en-US" sz="1600" dirty="0">
+                <a:latin typeface="Malgun Gothic" panose="020B0503020000020004" pitchFamily="34" charset="-127"/>
+                <a:ea typeface="Malgun Gothic" panose="020B0503020000020004" pitchFamily="34" charset="-127"/>
+              </a:rPr>
+              <a:t>정책설정</a:t>
+            </a:r>
+            <a:r>
+              <a:rPr lang="en-US" altLang="ko-KR" sz="1600" dirty="0">
+                <a:latin typeface="Malgun Gothic" panose="020B0503020000020004" pitchFamily="34" charset="-127"/>
+                <a:ea typeface="Malgun Gothic" panose="020B0503020000020004" pitchFamily="34" charset="-127"/>
+              </a:rPr>
+              <a:t>/</a:t>
+            </a:r>
+            <a:r>
+              <a:rPr lang="ko-KR" altLang="en-US" sz="1600" dirty="0">
+                <a:latin typeface="Malgun Gothic" panose="020B0503020000020004" pitchFamily="34" charset="-127"/>
+                <a:ea typeface="Malgun Gothic" panose="020B0503020000020004" pitchFamily="34" charset="-127"/>
+              </a:rPr>
+              <a:t>일꾼배치</a:t>
+            </a:r>
+            <a:r>
+              <a:rPr lang="en-US" altLang="ko-KR" sz="1600" dirty="0">
+                <a:latin typeface="Malgun Gothic" panose="020B0503020000020004" pitchFamily="34" charset="-127"/>
+                <a:ea typeface="Malgun Gothic" panose="020B0503020000020004" pitchFamily="34" charset="-127"/>
+              </a:rPr>
+              <a:t>)</a:t>
+            </a:r>
+            <a:endParaRPr lang="en-US" altLang="ko-KR" sz="1600" u="none" strike="noStrike" dirty="0">
+              <a:effectLst/>
+              <a:latin typeface="Malgun Gothic" panose="020B0503020000020004" pitchFamily="34" charset="-127"/>
+              <a:ea typeface="Malgun Gothic" panose="020B0503020000020004" pitchFamily="34" charset="-127"/>
+            </a:endParaRPr>
+          </a:p>
+          <a:p>
+            <a:pPr lvl="1">
+              <a:spcAft>
+                <a:spcPts val="1200"/>
+              </a:spcAft>
+            </a:pPr>
+            <a:r>
+              <a:rPr lang="ko-KR" altLang="en-US" sz="1600" u="none" strike="noStrike" dirty="0">
+                <a:effectLst/>
+                <a:latin typeface="Malgun Gothic" panose="020B0503020000020004" pitchFamily="34" charset="-127"/>
+                <a:ea typeface="Malgun Gothic" panose="020B0503020000020004" pitchFamily="34" charset="-127"/>
+              </a:rPr>
+              <a:t>사막환경에서 </a:t>
+            </a:r>
+            <a:r>
+              <a:rPr lang="en-US" altLang="ko-KR" sz="1600" u="none" strike="noStrike" dirty="0">
+                <a:effectLst/>
+                <a:latin typeface="Malgun Gothic" panose="020B0503020000020004" pitchFamily="34" charset="-127"/>
+                <a:ea typeface="Malgun Gothic" panose="020B0503020000020004" pitchFamily="34" charset="-127"/>
+              </a:rPr>
+              <a:t>60</a:t>
+            </a:r>
+            <a:r>
+              <a:rPr lang="ko-KR" altLang="en-US" sz="1600" u="none" strike="noStrike" dirty="0">
+                <a:effectLst/>
+                <a:latin typeface="Malgun Gothic" panose="020B0503020000020004" pitchFamily="34" charset="-127"/>
+                <a:ea typeface="Malgun Gothic" panose="020B0503020000020004" pitchFamily="34" charset="-127"/>
+              </a:rPr>
+              <a:t>일간 생존</a:t>
+            </a:r>
+            <a:endParaRPr lang="en-US" altLang="ko-KR" sz="1600" u="none" strike="noStrike" dirty="0">
+              <a:effectLst/>
+              <a:latin typeface="Malgun Gothic" panose="020B0503020000020004" pitchFamily="34" charset="-127"/>
+              <a:ea typeface="Malgun Gothic" panose="020B0503020000020004" pitchFamily="34" charset="-127"/>
+            </a:endParaRPr>
+          </a:p>
+          <a:p>
+            <a:pPr algn="l" rtl="0">
+              <a:spcBef>
+                <a:spcPts val="0"/>
+              </a:spcBef>
+              <a:spcAft>
+                <a:spcPts val="1200"/>
+              </a:spcAft>
+            </a:pPr>
+            <a:r>
+              <a:rPr lang="ko-KR" altLang="en-US" sz="1600" dirty="0">
+                <a:latin typeface="Malgun Gothic" panose="020B0503020000020004" pitchFamily="34" charset="-127"/>
+                <a:ea typeface="Malgun Gothic" panose="020B0503020000020004" pitchFamily="34" charset="-127"/>
+              </a:rPr>
+              <a:t>멀티플레이어</a:t>
+            </a:r>
+            <a:endParaRPr lang="en-US" altLang="ko-KR" sz="1600" dirty="0">
+              <a:latin typeface="Malgun Gothic" panose="020B0503020000020004" pitchFamily="34" charset="-127"/>
+              <a:ea typeface="Malgun Gothic" panose="020B0503020000020004" pitchFamily="34" charset="-127"/>
+            </a:endParaRPr>
+          </a:p>
+          <a:p>
+            <a:pPr lvl="1">
+              <a:spcAft>
+                <a:spcPts val="1200"/>
+              </a:spcAft>
+            </a:pPr>
+            <a:r>
+              <a:rPr lang="ko-KR" altLang="en-US" sz="1600" dirty="0">
+                <a:latin typeface="Malgun Gothic" panose="020B0503020000020004" pitchFamily="34" charset="-127"/>
+                <a:ea typeface="Malgun Gothic" panose="020B0503020000020004" pitchFamily="34" charset="-127"/>
+              </a:rPr>
+              <a:t>약탈과 거래를 통한 마을 간 경쟁</a:t>
+            </a:r>
+            <a:endParaRPr lang="en-US" altLang="ko-KR" sz="1600" dirty="0">
+              <a:latin typeface="Malgun Gothic" panose="020B0503020000020004" pitchFamily="34" charset="-127"/>
+              <a:ea typeface="Malgun Gothic" panose="020B0503020000020004" pitchFamily="34" charset="-127"/>
+            </a:endParaRPr>
+          </a:p>
+          <a:p>
+            <a:pPr algn="l" rtl="0">
+              <a:spcBef>
+                <a:spcPts val="0"/>
+              </a:spcBef>
+              <a:spcAft>
+                <a:spcPts val="1200"/>
+              </a:spcAft>
+            </a:pPr>
+            <a:r>
+              <a:rPr lang="en-US" altLang="ko-KR" sz="1600" dirty="0">
+                <a:latin typeface="Malgun Gothic" panose="020B0503020000020004" pitchFamily="34" charset="-127"/>
+                <a:ea typeface="Malgun Gothic" panose="020B0503020000020004" pitchFamily="34" charset="-127"/>
+              </a:rPr>
+              <a:t>3</a:t>
+            </a:r>
+            <a:r>
+              <a:rPr lang="ko-KR" altLang="en-US" sz="1600" dirty="0">
+                <a:latin typeface="Malgun Gothic" panose="020B0503020000020004" pitchFamily="34" charset="-127"/>
+                <a:ea typeface="Malgun Gothic" panose="020B0503020000020004" pitchFamily="34" charset="-127"/>
+              </a:rPr>
+              <a:t>인칭 </a:t>
+            </a:r>
+            <a:r>
+              <a:rPr lang="en-US" altLang="ko-KR" sz="1600" dirty="0">
+                <a:latin typeface="Malgun Gothic" panose="020B0503020000020004" pitchFamily="34" charset="-127"/>
+                <a:ea typeface="Malgun Gothic" panose="020B0503020000020004" pitchFamily="34" charset="-127"/>
+              </a:rPr>
+              <a:t>bird eye view</a:t>
+            </a:r>
+            <a:endParaRPr lang="ko-KR" altLang="en-US" sz="1600" u="none" strike="noStrike" dirty="0">
+              <a:effectLst/>
+              <a:latin typeface="Malgun Gothic" panose="020B0503020000020004" pitchFamily="34" charset="-127"/>
+              <a:ea typeface="Malgun Gothic" panose="020B0503020000020004" pitchFamily="34" charset="-127"/>
+            </a:endParaRPr>
+          </a:p>
+          <a:p>
+            <a:pPr algn="l" rtl="0">
+              <a:spcBef>
+                <a:spcPts val="0"/>
+              </a:spcBef>
+              <a:spcAft>
+                <a:spcPts val="1200"/>
+              </a:spcAft>
+            </a:pPr>
+            <a:endParaRPr sz="1200" dirty="0">
+              <a:latin typeface="Malgun Gothic" panose="020B0503020000020004" pitchFamily="34" charset="-127"/>
+              <a:ea typeface="Malgun Gothic" panose="020B0503020000020004" pitchFamily="34" charset="-127"/>
+              <a:cs typeface="Barlow"/>
+              <a:sym typeface="Barlow"/>
+            </a:endParaRPr>
+          </a:p>
+        </p:txBody>
+      </p:sp>
+      <p:sp>
+        <p:nvSpPr>
+          <p:cNvPr id="388" name="Google Shape;388;p27"/>
+          <p:cNvSpPr/>
+          <p:nvPr/>
+        </p:nvSpPr>
+        <p:spPr>
+          <a:xfrm>
+            <a:off x="8025294" y="445033"/>
+            <a:ext cx="807212" cy="807212"/>
+          </a:xfrm>
+          <a:custGeom>
+            <a:avLst/>
+            <a:gdLst/>
+            <a:ahLst/>
+            <a:cxnLst/>
+            <a:rect l="l" t="t" r="r" b="b"/>
+            <a:pathLst>
+              <a:path w="95106" h="95106" extrusionOk="0">
+                <a:moveTo>
+                  <a:pt x="47553" y="1"/>
+                </a:moveTo>
+                <a:cubicBezTo>
+                  <a:pt x="34941" y="1"/>
+                  <a:pt x="22846" y="5011"/>
+                  <a:pt x="13928" y="13929"/>
+                </a:cubicBezTo>
+                <a:cubicBezTo>
+                  <a:pt x="5009" y="22846"/>
+                  <a:pt x="1" y="34942"/>
+                  <a:pt x="1" y="47553"/>
+                </a:cubicBezTo>
+                <a:cubicBezTo>
+                  <a:pt x="1" y="60166"/>
+                  <a:pt x="5009" y="72261"/>
+                  <a:pt x="13928" y="81179"/>
+                </a:cubicBezTo>
+                <a:cubicBezTo>
+                  <a:pt x="22846" y="90097"/>
+                  <a:pt x="34941" y="95106"/>
+                  <a:pt x="47553" y="95106"/>
+                </a:cubicBezTo>
+                <a:cubicBezTo>
+                  <a:pt x="60164" y="95106"/>
+                  <a:pt x="72261" y="90097"/>
+                  <a:pt x="81178" y="81179"/>
+                </a:cubicBezTo>
+                <a:cubicBezTo>
+                  <a:pt x="90096" y="72261"/>
+                  <a:pt x="95106" y="60166"/>
+                  <a:pt x="95106" y="47553"/>
+                </a:cubicBezTo>
+                <a:cubicBezTo>
+                  <a:pt x="95106" y="34942"/>
+                  <a:pt x="90096" y="22846"/>
+                  <a:pt x="81178" y="13929"/>
+                </a:cubicBezTo>
+                <a:cubicBezTo>
+                  <a:pt x="72261" y="5011"/>
+                  <a:pt x="60164" y="1"/>
+                  <a:pt x="47553" y="1"/>
+                </a:cubicBezTo>
+                <a:close/>
+              </a:path>
+            </a:pathLst>
+          </a:custGeom>
+          <a:solidFill>
+            <a:srgbClr val="FFFFFF"/>
+          </a:solidFill>
+          <a:ln>
+            <a:noFill/>
+          </a:ln>
+        </p:spPr>
+        <p:txBody>
+          <a:bodyPr spcFirstLastPara="1" wrap="square" lIns="91425" tIns="91425" rIns="91425" bIns="91425" anchor="ctr" anchorCtr="0">
+            <a:noAutofit/>
+          </a:bodyPr>
+          <a:lstStyle/>
+          <a:p>
+            <a:pPr marL="0" lvl="0" indent="0" algn="l" rtl="0">
+              <a:spcBef>
+                <a:spcPts val="0"/>
+              </a:spcBef>
+              <a:spcAft>
+                <a:spcPts val="0"/>
+              </a:spcAft>
+              <a:buNone/>
+            </a:pPr>
+            <a:endParaRPr>
+              <a:solidFill>
+                <a:schemeClr val="accent3"/>
+              </a:solidFill>
+              <a:latin typeface="Malgun Gothic" panose="020B0503020000020004" pitchFamily="34" charset="-127"/>
+              <a:ea typeface="Malgun Gothic" panose="020B0503020000020004" pitchFamily="34" charset="-127"/>
+            </a:endParaRPr>
+          </a:p>
+        </p:txBody>
+      </p:sp>
+      <p:sp>
+        <p:nvSpPr>
+          <p:cNvPr id="389" name="Google Shape;389;p27"/>
+          <p:cNvSpPr/>
+          <p:nvPr/>
+        </p:nvSpPr>
+        <p:spPr>
+          <a:xfrm>
+            <a:off x="7966089" y="1017722"/>
+            <a:ext cx="1030298" cy="110448"/>
+          </a:xfrm>
+          <a:custGeom>
+            <a:avLst/>
+            <a:gdLst/>
+            <a:ahLst/>
+            <a:cxnLst/>
+            <a:rect l="l" t="t" r="r" b="b"/>
+            <a:pathLst>
+              <a:path w="121390" h="13013" extrusionOk="0">
+                <a:moveTo>
+                  <a:pt x="91142" y="1"/>
+                </a:moveTo>
+                <a:cubicBezTo>
+                  <a:pt x="73615" y="1"/>
+                  <a:pt x="68808" y="2162"/>
+                  <a:pt x="75811" y="2761"/>
+                </a:cubicBezTo>
+                <a:cubicBezTo>
+                  <a:pt x="82812" y="3361"/>
+                  <a:pt x="95344" y="7055"/>
+                  <a:pt x="57186" y="7055"/>
+                </a:cubicBezTo>
+                <a:cubicBezTo>
+                  <a:pt x="41599" y="7055"/>
+                  <a:pt x="1" y="13013"/>
+                  <a:pt x="63716" y="13013"/>
+                </a:cubicBezTo>
+                <a:lnTo>
+                  <a:pt x="104134" y="13013"/>
+                </a:lnTo>
+                <a:cubicBezTo>
+                  <a:pt x="121390" y="13013"/>
+                  <a:pt x="112208" y="8027"/>
+                  <a:pt x="100347" y="8027"/>
+                </a:cubicBezTo>
+                <a:cubicBezTo>
+                  <a:pt x="94710" y="8027"/>
+                  <a:pt x="119564" y="1"/>
+                  <a:pt x="91142" y="1"/>
+                </a:cubicBezTo>
+                <a:close/>
+              </a:path>
+            </a:pathLst>
+          </a:custGeom>
+          <a:solidFill>
+            <a:schemeClr val="accent4"/>
+          </a:solidFill>
+          <a:ln>
+            <a:noFill/>
+          </a:ln>
+        </p:spPr>
+        <p:txBody>
+          <a:bodyPr spcFirstLastPara="1" wrap="square" lIns="91425" tIns="91425" rIns="91425" bIns="91425" anchor="ctr" anchorCtr="0">
+            <a:noAutofit/>
+          </a:bodyPr>
+          <a:lstStyle/>
+          <a:p>
+            <a:pPr marL="0" lvl="0" indent="0" algn="l" rtl="0">
+              <a:spcBef>
+                <a:spcPts val="0"/>
+              </a:spcBef>
+              <a:spcAft>
+                <a:spcPts val="0"/>
+              </a:spcAft>
+              <a:buNone/>
+            </a:pPr>
+            <a:endParaRPr>
+              <a:solidFill>
+                <a:schemeClr val="accent3"/>
+              </a:solidFill>
+              <a:latin typeface="Malgun Gothic" panose="020B0503020000020004" pitchFamily="34" charset="-127"/>
+              <a:ea typeface="Malgun Gothic" panose="020B0503020000020004" pitchFamily="34" charset="-127"/>
+            </a:endParaRPr>
+          </a:p>
+        </p:txBody>
+      </p:sp>
+      <p:sp>
+        <p:nvSpPr>
+          <p:cNvPr id="390" name="Google Shape;390;p27"/>
+          <p:cNvSpPr/>
+          <p:nvPr/>
+        </p:nvSpPr>
+        <p:spPr>
+          <a:xfrm>
+            <a:off x="7844109" y="940013"/>
+            <a:ext cx="684890" cy="91512"/>
+          </a:xfrm>
+          <a:custGeom>
+            <a:avLst/>
+            <a:gdLst/>
+            <a:ahLst/>
+            <a:cxnLst/>
+            <a:rect l="l" t="t" r="r" b="b"/>
+            <a:pathLst>
+              <a:path w="80694" h="10782" extrusionOk="0">
+                <a:moveTo>
+                  <a:pt x="17112" y="0"/>
+                </a:moveTo>
+                <a:cubicBezTo>
+                  <a:pt x="1" y="0"/>
+                  <a:pt x="13695" y="10530"/>
+                  <a:pt x="13695" y="10530"/>
+                </a:cubicBezTo>
+                <a:cubicBezTo>
+                  <a:pt x="13695" y="10530"/>
+                  <a:pt x="28045" y="10782"/>
+                  <a:pt x="42988" y="10782"/>
+                </a:cubicBezTo>
+                <a:cubicBezTo>
+                  <a:pt x="61391" y="10782"/>
+                  <a:pt x="80694" y="10400"/>
+                  <a:pt x="75194" y="8697"/>
+                </a:cubicBezTo>
+                <a:cubicBezTo>
+                  <a:pt x="65231" y="5611"/>
+                  <a:pt x="30655" y="5219"/>
+                  <a:pt x="33435" y="4024"/>
+                </a:cubicBezTo>
+                <a:cubicBezTo>
+                  <a:pt x="36216" y="2831"/>
+                  <a:pt x="39834" y="981"/>
+                  <a:pt x="19350" y="54"/>
+                </a:cubicBezTo>
+                <a:cubicBezTo>
+                  <a:pt x="18552" y="18"/>
+                  <a:pt x="17806" y="0"/>
+                  <a:pt x="17112" y="0"/>
+                </a:cubicBezTo>
+                <a:close/>
+              </a:path>
+            </a:pathLst>
+          </a:custGeom>
+          <a:solidFill>
+            <a:schemeClr val="accent5"/>
+          </a:solidFill>
+          <a:ln>
+            <a:noFill/>
+          </a:ln>
+        </p:spPr>
+        <p:txBody>
+          <a:bodyPr spcFirstLastPara="1" wrap="square" lIns="91425" tIns="91425" rIns="91425" bIns="91425" anchor="ctr" anchorCtr="0">
+            <a:noAutofit/>
+          </a:bodyPr>
+          <a:lstStyle/>
+          <a:p>
+            <a:pPr marL="0" lvl="0" indent="0" algn="l" rtl="0">
+              <a:spcBef>
+                <a:spcPts val="0"/>
+              </a:spcBef>
+              <a:spcAft>
+                <a:spcPts val="0"/>
+              </a:spcAft>
+              <a:buNone/>
+            </a:pPr>
+            <a:endParaRPr>
+              <a:solidFill>
+                <a:schemeClr val="accent3"/>
+              </a:solidFill>
+              <a:latin typeface="Malgun Gothic" panose="020B0503020000020004" pitchFamily="34" charset="-127"/>
+              <a:ea typeface="Malgun Gothic" panose="020B0503020000020004" pitchFamily="34" charset="-127"/>
+            </a:endParaRPr>
+          </a:p>
+        </p:txBody>
+      </p:sp>
+    </p:spTree>
+    <p:extLst>
+      <p:ext uri="{BB962C8B-B14F-4D97-AF65-F5344CB8AC3E}">
+        <p14:creationId xmlns:p14="http://schemas.microsoft.com/office/powerpoint/2010/main" val="1067274822"/>
+      </p:ext>
+    </p:extLst>
+  </p:cSld>
+  <p:clrMapOvr>
+    <a:masterClrMapping/>
+  </p:clrMapOvr>
+</p:sld>
+</file>
+
+<file path=ppt/slides/slide20.xml><?xml version="1.0" encoding="utf-8"?>
 <p:sld xmlns:a="http://schemas.openxmlformats.org/drawingml/2006/main" xmlns:r="http://schemas.openxmlformats.org/officeDocument/2006/relationships" xmlns:p="http://schemas.openxmlformats.org/presentationml/2006/main">
   <p:cSld>
     <p:spTree>
@@ -43563,666 +46603,6 @@
 </p:sld>
 </file>
 
-<file path=ppt/slides/slide2.xml><?xml version="1.0" encoding="utf-8"?>
-<p:sld xmlns:a="http://schemas.openxmlformats.org/drawingml/2006/main" xmlns:r="http://schemas.openxmlformats.org/officeDocument/2006/relationships" xmlns:p="http://schemas.openxmlformats.org/presentationml/2006/main">
-  <p:cSld>
-    <p:spTree>
-      <p:nvGrpSpPr>
-        <p:cNvPr id="1" name="Shape 384"/>
-        <p:cNvGrpSpPr/>
-        <p:nvPr/>
-      </p:nvGrpSpPr>
-      <p:grpSpPr>
-        <a:xfrm>
-          <a:off x="0" y="0"/>
-          <a:ext cx="0" cy="0"/>
-          <a:chOff x="0" y="0"/>
-          <a:chExt cx="0" cy="0"/>
-        </a:xfrm>
-      </p:grpSpPr>
-      <p:sp>
-        <p:nvSpPr>
-          <p:cNvPr id="385" name="Google Shape;385;p27"/>
-          <p:cNvSpPr/>
-          <p:nvPr/>
-        </p:nvSpPr>
-        <p:spPr>
-          <a:xfrm flipH="1">
-            <a:off x="4573045" y="232650"/>
-            <a:ext cx="4581656" cy="240222"/>
-          </a:xfrm>
-          <a:custGeom>
-            <a:avLst/>
-            <a:gdLst/>
-            <a:ahLst/>
-            <a:cxnLst/>
-            <a:rect l="l" t="t" r="r" b="b"/>
-            <a:pathLst>
-              <a:path w="139962" h="8561" extrusionOk="0">
-                <a:moveTo>
-                  <a:pt x="0" y="0"/>
-                </a:moveTo>
-                <a:lnTo>
-                  <a:pt x="0" y="8560"/>
-                </a:lnTo>
-                <a:cubicBezTo>
-                  <a:pt x="0" y="8560"/>
-                  <a:pt x="138215" y="6307"/>
-                  <a:pt x="139088" y="3154"/>
-                </a:cubicBezTo>
-                <a:cubicBezTo>
-                  <a:pt x="139962" y="0"/>
-                  <a:pt x="0" y="0"/>
-                  <a:pt x="0" y="0"/>
-                </a:cubicBezTo>
-                <a:close/>
-              </a:path>
-            </a:pathLst>
-          </a:custGeom>
-          <a:solidFill>
-            <a:schemeClr val="accent4"/>
-          </a:solidFill>
-          <a:ln>
-            <a:noFill/>
-          </a:ln>
-        </p:spPr>
-        <p:txBody>
-          <a:bodyPr spcFirstLastPara="1" wrap="square" lIns="91425" tIns="91425" rIns="91425" bIns="91425" anchor="ctr" anchorCtr="0">
-            <a:noAutofit/>
-          </a:bodyPr>
-          <a:lstStyle/>
-          <a:p>
-            <a:pPr marL="0" lvl="0" indent="0" algn="l" rtl="0">
-              <a:spcBef>
-                <a:spcPts val="0"/>
-              </a:spcBef>
-              <a:spcAft>
-                <a:spcPts val="0"/>
-              </a:spcAft>
-              <a:buNone/>
-            </a:pPr>
-            <a:endParaRPr>
-              <a:solidFill>
-                <a:schemeClr val="accent3"/>
-              </a:solidFill>
-              <a:latin typeface="Malgun Gothic" panose="020B0503020000020004" pitchFamily="34" charset="-127"/>
-              <a:ea typeface="Malgun Gothic" panose="020B0503020000020004" pitchFamily="34" charset="-127"/>
-            </a:endParaRPr>
-          </a:p>
-        </p:txBody>
-      </p:sp>
-      <p:sp>
-        <p:nvSpPr>
-          <p:cNvPr id="3" name="제목 2">
-            <a:extLst>
-              <a:ext uri="{FF2B5EF4-FFF2-40B4-BE49-F238E27FC236}">
-                <a16:creationId xmlns:a16="http://schemas.microsoft.com/office/drawing/2014/main" id="{F875B2AE-D179-4AB4-F2F0-9729ECCE1807}"/>
-              </a:ext>
-            </a:extLst>
-          </p:cNvPr>
-          <p:cNvSpPr>
-            <a:spLocks noGrp="1"/>
-          </p:cNvSpPr>
-          <p:nvPr>
-            <p:ph type="title"/>
-          </p:nvPr>
-        </p:nvSpPr>
-        <p:spPr/>
-        <p:txBody>
-          <a:bodyPr/>
-          <a:lstStyle/>
-          <a:p>
-            <a:r>
-              <a:rPr lang="en-US" altLang="en-US" dirty="0">
-                <a:latin typeface="Malgun Gothic" panose="020B0503020000020004" pitchFamily="34" charset="-127"/>
-                <a:ea typeface="Malgun Gothic" panose="020B0503020000020004" pitchFamily="34" charset="-127"/>
-              </a:rPr>
-              <a:t>SURVIL</a:t>
-            </a:r>
-            <a:endParaRPr lang="ko-Kore-KR" altLang="en-US" dirty="0">
-              <a:latin typeface="Malgun Gothic" panose="020B0503020000020004" pitchFamily="34" charset="-127"/>
-              <a:ea typeface="Malgun Gothic" panose="020B0503020000020004" pitchFamily="34" charset="-127"/>
-            </a:endParaRPr>
-          </a:p>
-        </p:txBody>
-      </p:sp>
-      <p:sp>
-        <p:nvSpPr>
-          <p:cNvPr id="387" name="Google Shape;387;p27"/>
-          <p:cNvSpPr txBox="1">
-            <a:spLocks noGrp="1"/>
-          </p:cNvSpPr>
-          <p:nvPr>
-            <p:ph type="body" idx="1"/>
-          </p:nvPr>
-        </p:nvSpPr>
-        <p:spPr>
-          <a:xfrm>
-            <a:off x="720000" y="1017725"/>
-            <a:ext cx="7708800" cy="3350700"/>
-          </a:xfrm>
-          <a:prstGeom prst="rect">
-            <a:avLst/>
-          </a:prstGeom>
-        </p:spPr>
-        <p:txBody>
-          <a:bodyPr spcFirstLastPara="1" wrap="square" lIns="91425" tIns="91425" rIns="91425" bIns="91425" anchor="t" anchorCtr="0">
-            <a:noAutofit/>
-          </a:bodyPr>
-          <a:lstStyle/>
-          <a:p>
-            <a:pPr algn="l" rtl="0">
-              <a:spcBef>
-                <a:spcPts val="0"/>
-              </a:spcBef>
-              <a:spcAft>
-                <a:spcPts val="1200"/>
-              </a:spcAft>
-            </a:pPr>
-            <a:r>
-              <a:rPr lang="en-US" altLang="ko-KR" sz="1600" u="none" strike="noStrike" dirty="0">
-                <a:effectLst/>
-                <a:latin typeface="Malgun Gothic" panose="020B0503020000020004" pitchFamily="34" charset="-127"/>
-                <a:ea typeface="Malgun Gothic" panose="020B0503020000020004" pitchFamily="34" charset="-127"/>
-              </a:rPr>
-              <a:t>3D </a:t>
-            </a:r>
-            <a:r>
-              <a:rPr lang="ko-KR" altLang="en-US" sz="1600" u="none" strike="noStrike" dirty="0">
-                <a:effectLst/>
-                <a:latin typeface="Malgun Gothic" panose="020B0503020000020004" pitchFamily="34" charset="-127"/>
-                <a:ea typeface="Malgun Gothic" panose="020B0503020000020004" pitchFamily="34" charset="-127"/>
-              </a:rPr>
-              <a:t>실시간 전략 시뮬레이션</a:t>
-            </a:r>
-            <a:endParaRPr lang="en-US" altLang="ko-KR" sz="1600" u="none" strike="noStrike" dirty="0">
-              <a:effectLst/>
-              <a:latin typeface="Malgun Gothic" panose="020B0503020000020004" pitchFamily="34" charset="-127"/>
-              <a:ea typeface="Malgun Gothic" panose="020B0503020000020004" pitchFamily="34" charset="-127"/>
-            </a:endParaRPr>
-          </a:p>
-          <a:p>
-            <a:pPr lvl="1">
-              <a:spcAft>
-                <a:spcPts val="1200"/>
-              </a:spcAft>
-            </a:pPr>
-            <a:r>
-              <a:rPr lang="ko-KR" altLang="en-US" sz="1600" dirty="0">
-                <a:latin typeface="Malgun Gothic" panose="020B0503020000020004" pitchFamily="34" charset="-127"/>
-                <a:ea typeface="Malgun Gothic" panose="020B0503020000020004" pitchFamily="34" charset="-127"/>
-              </a:rPr>
-              <a:t>마을 성장 시뮬레이션 </a:t>
-            </a:r>
-            <a:r>
-              <a:rPr lang="en-US" altLang="ko-KR" sz="1600" dirty="0">
-                <a:latin typeface="Malgun Gothic" panose="020B0503020000020004" pitchFamily="34" charset="-127"/>
-                <a:ea typeface="Malgun Gothic" panose="020B0503020000020004" pitchFamily="34" charset="-127"/>
-              </a:rPr>
-              <a:t>(</a:t>
-            </a:r>
-            <a:r>
-              <a:rPr lang="ko-KR" altLang="en-US" sz="1600" dirty="0">
-                <a:latin typeface="Malgun Gothic" panose="020B0503020000020004" pitchFamily="34" charset="-127"/>
-                <a:ea typeface="Malgun Gothic" panose="020B0503020000020004" pitchFamily="34" charset="-127"/>
-              </a:rPr>
-              <a:t>건물 짓기</a:t>
-            </a:r>
-            <a:r>
-              <a:rPr lang="en-US" altLang="ko-KR" sz="1600" dirty="0">
-                <a:latin typeface="Malgun Gothic" panose="020B0503020000020004" pitchFamily="34" charset="-127"/>
-                <a:ea typeface="Malgun Gothic" panose="020B0503020000020004" pitchFamily="34" charset="-127"/>
-              </a:rPr>
-              <a:t>/</a:t>
-            </a:r>
-            <a:r>
-              <a:rPr lang="ko-KR" altLang="en-US" sz="1600" dirty="0">
-                <a:latin typeface="Malgun Gothic" panose="020B0503020000020004" pitchFamily="34" charset="-127"/>
-                <a:ea typeface="Malgun Gothic" panose="020B0503020000020004" pitchFamily="34" charset="-127"/>
-              </a:rPr>
-              <a:t>정책설정</a:t>
-            </a:r>
-            <a:r>
-              <a:rPr lang="en-US" altLang="ko-KR" sz="1600" dirty="0">
-                <a:latin typeface="Malgun Gothic" panose="020B0503020000020004" pitchFamily="34" charset="-127"/>
-                <a:ea typeface="Malgun Gothic" panose="020B0503020000020004" pitchFamily="34" charset="-127"/>
-              </a:rPr>
-              <a:t>/</a:t>
-            </a:r>
-            <a:r>
-              <a:rPr lang="ko-KR" altLang="en-US" sz="1600" dirty="0">
-                <a:latin typeface="Malgun Gothic" panose="020B0503020000020004" pitchFamily="34" charset="-127"/>
-                <a:ea typeface="Malgun Gothic" panose="020B0503020000020004" pitchFamily="34" charset="-127"/>
-              </a:rPr>
-              <a:t>일꾼배치</a:t>
-            </a:r>
-            <a:r>
-              <a:rPr lang="en-US" altLang="ko-KR" sz="1600" dirty="0">
-                <a:latin typeface="Malgun Gothic" panose="020B0503020000020004" pitchFamily="34" charset="-127"/>
-                <a:ea typeface="Malgun Gothic" panose="020B0503020000020004" pitchFamily="34" charset="-127"/>
-              </a:rPr>
-              <a:t>)</a:t>
-            </a:r>
-            <a:endParaRPr lang="en-US" altLang="ko-KR" sz="1600" u="none" strike="noStrike" dirty="0">
-              <a:effectLst/>
-              <a:latin typeface="Malgun Gothic" panose="020B0503020000020004" pitchFamily="34" charset="-127"/>
-              <a:ea typeface="Malgun Gothic" panose="020B0503020000020004" pitchFamily="34" charset="-127"/>
-            </a:endParaRPr>
-          </a:p>
-          <a:p>
-            <a:pPr lvl="1">
-              <a:spcAft>
-                <a:spcPts val="1200"/>
-              </a:spcAft>
-            </a:pPr>
-            <a:r>
-              <a:rPr lang="ko-KR" altLang="en-US" sz="1600" u="none" strike="noStrike" dirty="0">
-                <a:effectLst/>
-                <a:latin typeface="Malgun Gothic" panose="020B0503020000020004" pitchFamily="34" charset="-127"/>
-                <a:ea typeface="Malgun Gothic" panose="020B0503020000020004" pitchFamily="34" charset="-127"/>
-              </a:rPr>
-              <a:t>사막환경에서 </a:t>
-            </a:r>
-            <a:r>
-              <a:rPr lang="en-US" altLang="ko-KR" sz="1600" u="none" strike="noStrike" dirty="0">
-                <a:effectLst/>
-                <a:latin typeface="Malgun Gothic" panose="020B0503020000020004" pitchFamily="34" charset="-127"/>
-                <a:ea typeface="Malgun Gothic" panose="020B0503020000020004" pitchFamily="34" charset="-127"/>
-              </a:rPr>
-              <a:t>60</a:t>
-            </a:r>
-            <a:r>
-              <a:rPr lang="ko-KR" altLang="en-US" sz="1600" u="none" strike="noStrike" dirty="0">
-                <a:effectLst/>
-                <a:latin typeface="Malgun Gothic" panose="020B0503020000020004" pitchFamily="34" charset="-127"/>
-                <a:ea typeface="Malgun Gothic" panose="020B0503020000020004" pitchFamily="34" charset="-127"/>
-              </a:rPr>
-              <a:t>일간 생존</a:t>
-            </a:r>
-            <a:endParaRPr lang="en-US" altLang="ko-KR" sz="1600" u="none" strike="noStrike" dirty="0">
-              <a:effectLst/>
-              <a:latin typeface="Malgun Gothic" panose="020B0503020000020004" pitchFamily="34" charset="-127"/>
-              <a:ea typeface="Malgun Gothic" panose="020B0503020000020004" pitchFamily="34" charset="-127"/>
-            </a:endParaRPr>
-          </a:p>
-          <a:p>
-            <a:pPr algn="l" rtl="0">
-              <a:spcBef>
-                <a:spcPts val="0"/>
-              </a:spcBef>
-              <a:spcAft>
-                <a:spcPts val="1200"/>
-              </a:spcAft>
-            </a:pPr>
-            <a:r>
-              <a:rPr lang="ko-KR" altLang="en-US" sz="1600" dirty="0">
-                <a:latin typeface="Malgun Gothic" panose="020B0503020000020004" pitchFamily="34" charset="-127"/>
-                <a:ea typeface="Malgun Gothic" panose="020B0503020000020004" pitchFamily="34" charset="-127"/>
-              </a:rPr>
-              <a:t>멀티플레이어</a:t>
-            </a:r>
-            <a:endParaRPr lang="en-US" altLang="ko-KR" sz="1600" dirty="0">
-              <a:latin typeface="Malgun Gothic" panose="020B0503020000020004" pitchFamily="34" charset="-127"/>
-              <a:ea typeface="Malgun Gothic" panose="020B0503020000020004" pitchFamily="34" charset="-127"/>
-            </a:endParaRPr>
-          </a:p>
-          <a:p>
-            <a:pPr lvl="1">
-              <a:spcAft>
-                <a:spcPts val="1200"/>
-              </a:spcAft>
-            </a:pPr>
-            <a:r>
-              <a:rPr lang="ko-KR" altLang="en-US" sz="1600" dirty="0">
-                <a:latin typeface="Malgun Gothic" panose="020B0503020000020004" pitchFamily="34" charset="-127"/>
-                <a:ea typeface="Malgun Gothic" panose="020B0503020000020004" pitchFamily="34" charset="-127"/>
-              </a:rPr>
-              <a:t>약탈과 거래를 통한 마을 간 경쟁</a:t>
-            </a:r>
-            <a:endParaRPr lang="en-US" altLang="ko-KR" sz="1600" dirty="0">
-              <a:latin typeface="Malgun Gothic" panose="020B0503020000020004" pitchFamily="34" charset="-127"/>
-              <a:ea typeface="Malgun Gothic" panose="020B0503020000020004" pitchFamily="34" charset="-127"/>
-            </a:endParaRPr>
-          </a:p>
-          <a:p>
-            <a:pPr algn="l" rtl="0">
-              <a:spcBef>
-                <a:spcPts val="0"/>
-              </a:spcBef>
-              <a:spcAft>
-                <a:spcPts val="1200"/>
-              </a:spcAft>
-            </a:pPr>
-            <a:r>
-              <a:rPr lang="en-US" altLang="ko-KR" sz="1600" dirty="0">
-                <a:latin typeface="Malgun Gothic" panose="020B0503020000020004" pitchFamily="34" charset="-127"/>
-                <a:ea typeface="Malgun Gothic" panose="020B0503020000020004" pitchFamily="34" charset="-127"/>
-              </a:rPr>
-              <a:t>3</a:t>
-            </a:r>
-            <a:r>
-              <a:rPr lang="ko-KR" altLang="en-US" sz="1600" dirty="0">
-                <a:latin typeface="Malgun Gothic" panose="020B0503020000020004" pitchFamily="34" charset="-127"/>
-                <a:ea typeface="Malgun Gothic" panose="020B0503020000020004" pitchFamily="34" charset="-127"/>
-              </a:rPr>
-              <a:t>인칭 </a:t>
-            </a:r>
-            <a:r>
-              <a:rPr lang="en-US" altLang="ko-KR" sz="1600" dirty="0">
-                <a:latin typeface="Malgun Gothic" panose="020B0503020000020004" pitchFamily="34" charset="-127"/>
-                <a:ea typeface="Malgun Gothic" panose="020B0503020000020004" pitchFamily="34" charset="-127"/>
-              </a:rPr>
-              <a:t>bird eye view</a:t>
-            </a:r>
-            <a:endParaRPr lang="ko-KR" altLang="en-US" sz="1600" u="none" strike="noStrike" dirty="0">
-              <a:effectLst/>
-              <a:latin typeface="Malgun Gothic" panose="020B0503020000020004" pitchFamily="34" charset="-127"/>
-              <a:ea typeface="Malgun Gothic" panose="020B0503020000020004" pitchFamily="34" charset="-127"/>
-            </a:endParaRPr>
-          </a:p>
-          <a:p>
-            <a:pPr algn="l" rtl="0">
-              <a:spcBef>
-                <a:spcPts val="0"/>
-              </a:spcBef>
-              <a:spcAft>
-                <a:spcPts val="1200"/>
-              </a:spcAft>
-            </a:pPr>
-            <a:endParaRPr sz="1200" dirty="0">
-              <a:latin typeface="Malgun Gothic" panose="020B0503020000020004" pitchFamily="34" charset="-127"/>
-              <a:ea typeface="Malgun Gothic" panose="020B0503020000020004" pitchFamily="34" charset="-127"/>
-              <a:cs typeface="Barlow"/>
-              <a:sym typeface="Barlow"/>
-            </a:endParaRPr>
-          </a:p>
-        </p:txBody>
-      </p:sp>
-      <p:sp>
-        <p:nvSpPr>
-          <p:cNvPr id="388" name="Google Shape;388;p27"/>
-          <p:cNvSpPr/>
-          <p:nvPr/>
-        </p:nvSpPr>
-        <p:spPr>
-          <a:xfrm>
-            <a:off x="8025294" y="445033"/>
-            <a:ext cx="807212" cy="807212"/>
-          </a:xfrm>
-          <a:custGeom>
-            <a:avLst/>
-            <a:gdLst/>
-            <a:ahLst/>
-            <a:cxnLst/>
-            <a:rect l="l" t="t" r="r" b="b"/>
-            <a:pathLst>
-              <a:path w="95106" h="95106" extrusionOk="0">
-                <a:moveTo>
-                  <a:pt x="47553" y="1"/>
-                </a:moveTo>
-                <a:cubicBezTo>
-                  <a:pt x="34941" y="1"/>
-                  <a:pt x="22846" y="5011"/>
-                  <a:pt x="13928" y="13929"/>
-                </a:cubicBezTo>
-                <a:cubicBezTo>
-                  <a:pt x="5009" y="22846"/>
-                  <a:pt x="1" y="34942"/>
-                  <a:pt x="1" y="47553"/>
-                </a:cubicBezTo>
-                <a:cubicBezTo>
-                  <a:pt x="1" y="60166"/>
-                  <a:pt x="5009" y="72261"/>
-                  <a:pt x="13928" y="81179"/>
-                </a:cubicBezTo>
-                <a:cubicBezTo>
-                  <a:pt x="22846" y="90097"/>
-                  <a:pt x="34941" y="95106"/>
-                  <a:pt x="47553" y="95106"/>
-                </a:cubicBezTo>
-                <a:cubicBezTo>
-                  <a:pt x="60164" y="95106"/>
-                  <a:pt x="72261" y="90097"/>
-                  <a:pt x="81178" y="81179"/>
-                </a:cubicBezTo>
-                <a:cubicBezTo>
-                  <a:pt x="90096" y="72261"/>
-                  <a:pt x="95106" y="60166"/>
-                  <a:pt x="95106" y="47553"/>
-                </a:cubicBezTo>
-                <a:cubicBezTo>
-                  <a:pt x="95106" y="34942"/>
-                  <a:pt x="90096" y="22846"/>
-                  <a:pt x="81178" y="13929"/>
-                </a:cubicBezTo>
-                <a:cubicBezTo>
-                  <a:pt x="72261" y="5011"/>
-                  <a:pt x="60164" y="1"/>
-                  <a:pt x="47553" y="1"/>
-                </a:cubicBezTo>
-                <a:close/>
-              </a:path>
-            </a:pathLst>
-          </a:custGeom>
-          <a:solidFill>
-            <a:srgbClr val="FFFFFF"/>
-          </a:solidFill>
-          <a:ln>
-            <a:noFill/>
-          </a:ln>
-        </p:spPr>
-        <p:txBody>
-          <a:bodyPr spcFirstLastPara="1" wrap="square" lIns="91425" tIns="91425" rIns="91425" bIns="91425" anchor="ctr" anchorCtr="0">
-            <a:noAutofit/>
-          </a:bodyPr>
-          <a:lstStyle/>
-          <a:p>
-            <a:pPr marL="0" lvl="0" indent="0" algn="l" rtl="0">
-              <a:spcBef>
-                <a:spcPts val="0"/>
-              </a:spcBef>
-              <a:spcAft>
-                <a:spcPts val="0"/>
-              </a:spcAft>
-              <a:buNone/>
-            </a:pPr>
-            <a:endParaRPr>
-              <a:solidFill>
-                <a:schemeClr val="accent3"/>
-              </a:solidFill>
-              <a:latin typeface="Malgun Gothic" panose="020B0503020000020004" pitchFamily="34" charset="-127"/>
-              <a:ea typeface="Malgun Gothic" panose="020B0503020000020004" pitchFamily="34" charset="-127"/>
-            </a:endParaRPr>
-          </a:p>
-        </p:txBody>
-      </p:sp>
-      <p:sp>
-        <p:nvSpPr>
-          <p:cNvPr id="389" name="Google Shape;389;p27"/>
-          <p:cNvSpPr/>
-          <p:nvPr/>
-        </p:nvSpPr>
-        <p:spPr>
-          <a:xfrm>
-            <a:off x="7966089" y="1017722"/>
-            <a:ext cx="1030298" cy="110448"/>
-          </a:xfrm>
-          <a:custGeom>
-            <a:avLst/>
-            <a:gdLst/>
-            <a:ahLst/>
-            <a:cxnLst/>
-            <a:rect l="l" t="t" r="r" b="b"/>
-            <a:pathLst>
-              <a:path w="121390" h="13013" extrusionOk="0">
-                <a:moveTo>
-                  <a:pt x="91142" y="1"/>
-                </a:moveTo>
-                <a:cubicBezTo>
-                  <a:pt x="73615" y="1"/>
-                  <a:pt x="68808" y="2162"/>
-                  <a:pt x="75811" y="2761"/>
-                </a:cubicBezTo>
-                <a:cubicBezTo>
-                  <a:pt x="82812" y="3361"/>
-                  <a:pt x="95344" y="7055"/>
-                  <a:pt x="57186" y="7055"/>
-                </a:cubicBezTo>
-                <a:cubicBezTo>
-                  <a:pt x="41599" y="7055"/>
-                  <a:pt x="1" y="13013"/>
-                  <a:pt x="63716" y="13013"/>
-                </a:cubicBezTo>
-                <a:lnTo>
-                  <a:pt x="104134" y="13013"/>
-                </a:lnTo>
-                <a:cubicBezTo>
-                  <a:pt x="121390" y="13013"/>
-                  <a:pt x="112208" y="8027"/>
-                  <a:pt x="100347" y="8027"/>
-                </a:cubicBezTo>
-                <a:cubicBezTo>
-                  <a:pt x="94710" y="8027"/>
-                  <a:pt x="119564" y="1"/>
-                  <a:pt x="91142" y="1"/>
-                </a:cubicBezTo>
-                <a:close/>
-              </a:path>
-            </a:pathLst>
-          </a:custGeom>
-          <a:solidFill>
-            <a:schemeClr val="accent4"/>
-          </a:solidFill>
-          <a:ln>
-            <a:noFill/>
-          </a:ln>
-        </p:spPr>
-        <p:txBody>
-          <a:bodyPr spcFirstLastPara="1" wrap="square" lIns="91425" tIns="91425" rIns="91425" bIns="91425" anchor="ctr" anchorCtr="0">
-            <a:noAutofit/>
-          </a:bodyPr>
-          <a:lstStyle/>
-          <a:p>
-            <a:pPr marL="0" lvl="0" indent="0" algn="l" rtl="0">
-              <a:spcBef>
-                <a:spcPts val="0"/>
-              </a:spcBef>
-              <a:spcAft>
-                <a:spcPts val="0"/>
-              </a:spcAft>
-              <a:buNone/>
-            </a:pPr>
-            <a:endParaRPr>
-              <a:solidFill>
-                <a:schemeClr val="accent3"/>
-              </a:solidFill>
-              <a:latin typeface="Malgun Gothic" panose="020B0503020000020004" pitchFamily="34" charset="-127"/>
-              <a:ea typeface="Malgun Gothic" panose="020B0503020000020004" pitchFamily="34" charset="-127"/>
-            </a:endParaRPr>
-          </a:p>
-        </p:txBody>
-      </p:sp>
-      <p:sp>
-        <p:nvSpPr>
-          <p:cNvPr id="390" name="Google Shape;390;p27"/>
-          <p:cNvSpPr/>
-          <p:nvPr/>
-        </p:nvSpPr>
-        <p:spPr>
-          <a:xfrm>
-            <a:off x="7844109" y="940013"/>
-            <a:ext cx="684890" cy="91512"/>
-          </a:xfrm>
-          <a:custGeom>
-            <a:avLst/>
-            <a:gdLst/>
-            <a:ahLst/>
-            <a:cxnLst/>
-            <a:rect l="l" t="t" r="r" b="b"/>
-            <a:pathLst>
-              <a:path w="80694" h="10782" extrusionOk="0">
-                <a:moveTo>
-                  <a:pt x="17112" y="0"/>
-                </a:moveTo>
-                <a:cubicBezTo>
-                  <a:pt x="1" y="0"/>
-                  <a:pt x="13695" y="10530"/>
-                  <a:pt x="13695" y="10530"/>
-                </a:cubicBezTo>
-                <a:cubicBezTo>
-                  <a:pt x="13695" y="10530"/>
-                  <a:pt x="28045" y="10782"/>
-                  <a:pt x="42988" y="10782"/>
-                </a:cubicBezTo>
-                <a:cubicBezTo>
-                  <a:pt x="61391" y="10782"/>
-                  <a:pt x="80694" y="10400"/>
-                  <a:pt x="75194" y="8697"/>
-                </a:cubicBezTo>
-                <a:cubicBezTo>
-                  <a:pt x="65231" y="5611"/>
-                  <a:pt x="30655" y="5219"/>
-                  <a:pt x="33435" y="4024"/>
-                </a:cubicBezTo>
-                <a:cubicBezTo>
-                  <a:pt x="36216" y="2831"/>
-                  <a:pt x="39834" y="981"/>
-                  <a:pt x="19350" y="54"/>
-                </a:cubicBezTo>
-                <a:cubicBezTo>
-                  <a:pt x="18552" y="18"/>
-                  <a:pt x="17806" y="0"/>
-                  <a:pt x="17112" y="0"/>
-                </a:cubicBezTo>
-                <a:close/>
-              </a:path>
-            </a:pathLst>
-          </a:custGeom>
-          <a:solidFill>
-            <a:schemeClr val="accent5"/>
-          </a:solidFill>
-          <a:ln>
-            <a:noFill/>
-          </a:ln>
-        </p:spPr>
-        <p:txBody>
-          <a:bodyPr spcFirstLastPara="1" wrap="square" lIns="91425" tIns="91425" rIns="91425" bIns="91425" anchor="ctr" anchorCtr="0">
-            <a:noAutofit/>
-          </a:bodyPr>
-          <a:lstStyle/>
-          <a:p>
-            <a:pPr marL="0" lvl="0" indent="0" algn="l" rtl="0">
-              <a:spcBef>
-                <a:spcPts val="0"/>
-              </a:spcBef>
-              <a:spcAft>
-                <a:spcPts val="0"/>
-              </a:spcAft>
-              <a:buNone/>
-            </a:pPr>
-            <a:endParaRPr>
-              <a:solidFill>
-                <a:schemeClr val="accent3"/>
-              </a:solidFill>
-              <a:latin typeface="Malgun Gothic" panose="020B0503020000020004" pitchFamily="34" charset="-127"/>
-              <a:ea typeface="Malgun Gothic" panose="020B0503020000020004" pitchFamily="34" charset="-127"/>
-            </a:endParaRPr>
-          </a:p>
-        </p:txBody>
-      </p:sp>
-    </p:spTree>
-    <p:extLst>
-      <p:ext uri="{BB962C8B-B14F-4D97-AF65-F5344CB8AC3E}">
-        <p14:creationId xmlns:p14="http://schemas.microsoft.com/office/powerpoint/2010/main" val="1067274822"/>
-      </p:ext>
-    </p:extLst>
-  </p:cSld>
-  <p:clrMapOvr>
-    <a:masterClrMapping/>
-  </p:clrMapOvr>
-</p:sld>
-</file>
-
 <file path=ppt/slides/slide3.xml><?xml version="1.0" encoding="utf-8"?>
 <p:sld xmlns:a="http://schemas.openxmlformats.org/drawingml/2006/main" xmlns:r="http://schemas.openxmlformats.org/officeDocument/2006/relationships" xmlns:p="http://schemas.openxmlformats.org/presentationml/2006/main">
   <p:cSld>
@@ -49717,6 +52097,19 @@
               </a:rPr>
               <a:t>시민을 거래 혹은 요청을 할 수 있고  약탈이나 전쟁도 할 수 있다</a:t>
             </a:r>
+            <a:r>
+              <a:rPr lang="en-US" altLang="ko-KR" sz="1600" u="none" strike="noStrike" dirty="0">
+                <a:effectLst/>
+                <a:latin typeface="Malgun Gothic" panose="020B0503020000020004" pitchFamily="34" charset="-127"/>
+                <a:ea typeface="Malgun Gothic" panose="020B0503020000020004" pitchFamily="34" charset="-127"/>
+              </a:rPr>
+              <a:t>.</a:t>
+            </a:r>
+            <a:endParaRPr lang="ko-KR" altLang="en-US" sz="1600" u="none" strike="noStrike" dirty="0">
+              <a:effectLst/>
+              <a:latin typeface="Malgun Gothic" panose="020B0503020000020004" pitchFamily="34" charset="-127"/>
+              <a:ea typeface="Malgun Gothic" panose="020B0503020000020004" pitchFamily="34" charset="-127"/>
+            </a:endParaRPr>
           </a:p>
           <a:p>
             <a:pPr algn="l" rtl="0">
